--- a/samples/cn_life.pptx
+++ b/samples/cn_life.pptx
@@ -7,9 +7,8 @@
   <p:sldIdLst>
     <p:sldId id="256" r:id="rId7"/>
     <p:sldId id="257" r:id="rId8"/>
-    <p:sldId id="258" r:id="rId9"/>
-    <p:sldId id="259" r:id="rId10"/>
-    <p:sldId id="260" r:id="rId11"/>
+    <p:sldId id="258" r:id="rId10"/>
+    <p:sldId id="259" r:id="rId11"/>
   </p:sldIdLst>
   <p:sldSz cx="9144000" cy="6858000" type="screen4x3"/>
   <p:notesSz cx="6858000" cy="9144000"/>
@@ -109,6 +108,566 @@
     </a:lvl9pPr>
   </p:defaultTextStyle>
 </p:presentation>
+</file>
+
+<file path=ppt/notesMasters/notesMaster1.xml><?xml version="1.0" encoding="utf-8"?>
+<p:notesMaster xmlns:a="http://schemas.openxmlformats.org/drawingml/2006/main" xmlns:p="http://schemas.openxmlformats.org/presentationml/2006/main" xmlns:r="http://schemas.openxmlformats.org/officeDocument/2006/relationships">
+  <p:cSld>
+    <p:bg>
+      <p:bgRef idx="1001">
+        <a:schemeClr val="bg1"/>
+      </p:bgRef>
+    </p:bg>
+    <p:spTree>
+      <p:nvGrpSpPr>
+        <p:cNvPr id="1" name=""/>
+        <p:cNvGrpSpPr/>
+        <p:nvPr/>
+      </p:nvGrpSpPr>
+      <p:grpSpPr>
+        <a:xfrm>
+          <a:off x="0" y="0"/>
+          <a:ext cx="0" cy="0"/>
+          <a:chOff x="0" y="0"/>
+          <a:chExt cx="0" cy="0"/>
+        </a:xfrm>
+      </p:grpSpPr>
+      <p:sp>
+        <p:nvSpPr>
+          <p:cNvPr id="2" name="Header Placeholder 1"/>
+          <p:cNvSpPr>
+            <a:spLocks noGrp="1"/>
+          </p:cNvSpPr>
+          <p:nvPr>
+            <p:ph type="hdr" sz="quarter"/>
+          </p:nvPr>
+        </p:nvSpPr>
+        <p:spPr>
+          <a:xfrm>
+            <a:off x="0" y="0"/>
+            <a:ext cx="2971800" cy="457200"/>
+          </a:xfrm>
+          <a:prstGeom prst="rect">
+            <a:avLst/>
+          </a:prstGeom>
+        </p:spPr>
+        <p:txBody>
+          <a:bodyPr vert="horz" lIns="91440" tIns="45720" rIns="91440" bIns="45720" rtlCol="0"/>
+          <a:lstStyle>
+            <a:lvl1pPr algn="l">
+              <a:defRPr sz="1200"/>
+            </a:lvl1pPr>
+          </a:lstStyle>
+          <a:p>
+            <a:endParaRPr lang="en-US"/>
+          </a:p>
+        </p:txBody>
+      </p:sp>
+      <p:sp>
+        <p:nvSpPr>
+          <p:cNvPr id="3" name="Date Placeholder 2"/>
+          <p:cNvSpPr>
+            <a:spLocks noGrp="1"/>
+          </p:cNvSpPr>
+          <p:nvPr>
+            <p:ph type="dt" idx="1"/>
+          </p:nvPr>
+        </p:nvSpPr>
+        <p:spPr>
+          <a:xfrm>
+            <a:off x="3884613" y="0"/>
+            <a:ext cx="2971800" cy="457200"/>
+          </a:xfrm>
+          <a:prstGeom prst="rect">
+            <a:avLst/>
+          </a:prstGeom>
+        </p:spPr>
+        <p:txBody>
+          <a:bodyPr vert="horz" lIns="91440" tIns="45720" rIns="91440" bIns="45720" rtlCol="0"/>
+          <a:lstStyle>
+            <a:lvl1pPr algn="r">
+              <a:defRPr sz="1200"/>
+            </a:lvl1pPr>
+          </a:lstStyle>
+          <a:p>
+            <a:fld id="{0F89C1C7-3DCD-1040-A9CF-14679D8B5DDD}" type="datetimeFigureOut">
+              <a:rPr lang="en-US" smtClean="0"/>
+              <a:t>10/17/16</a:t>
+            </a:fld>
+            <a:endParaRPr lang="en-US"/>
+          </a:p>
+        </p:txBody>
+      </p:sp>
+      <p:sp>
+        <p:nvSpPr>
+          <p:cNvPr id="4" name="Slide Image Placeholder 3"/>
+          <p:cNvSpPr>
+            <a:spLocks noGrp="1" noRot="1" noChangeAspect="1"/>
+          </p:cNvSpPr>
+          <p:nvPr>
+            <p:ph type="sldImg" idx="2"/>
+          </p:nvPr>
+        </p:nvSpPr>
+        <p:spPr>
+          <a:xfrm>
+            <a:off x="1143000" y="685800"/>
+            <a:ext cx="4572000" cy="3429000"/>
+          </a:xfrm>
+          <a:prstGeom prst="rect">
+            <a:avLst/>
+          </a:prstGeom>
+          <a:noFill/>
+          <a:ln w="12700">
+            <a:solidFill>
+              <a:prstClr val="black"/>
+            </a:solidFill>
+          </a:ln>
+        </p:spPr>
+        <p:txBody>
+          <a:bodyPr vert="horz" lIns="91440" tIns="45720" rIns="91440" bIns="45720" rtlCol="0" anchor="ctr"/>
+          <a:lstStyle/>
+          <a:p>
+            <a:endParaRPr lang="en-US"/>
+          </a:p>
+        </p:txBody>
+      </p:sp>
+      <p:sp>
+        <p:nvSpPr>
+          <p:cNvPr id="5" name="Notes Placeholder 4"/>
+          <p:cNvSpPr>
+            <a:spLocks noGrp="1"/>
+          </p:cNvSpPr>
+          <p:nvPr>
+            <p:ph type="body" sz="quarter" idx="3"/>
+          </p:nvPr>
+        </p:nvSpPr>
+        <p:spPr>
+          <a:xfrm>
+            <a:off x="685800" y="4343400"/>
+            <a:ext cx="5486400" cy="4114800"/>
+          </a:xfrm>
+          <a:prstGeom prst="rect">
+            <a:avLst/>
+          </a:prstGeom>
+        </p:spPr>
+        <p:txBody>
+          <a:bodyPr vert="horz" lIns="91440" tIns="45720" rIns="91440" bIns="45720" rtlCol="0"/>
+          <a:lstStyle/>
+          <a:p>
+            <a:pPr lvl="0"/>
+            <a:r>
+              <a:rPr lang="en-US" smtClean="0"/>
+              <a:t>Click to edit Master text styles</a:t>
+            </a:r>
+          </a:p>
+          <a:p>
+            <a:pPr lvl="1"/>
+            <a:r>
+              <a:rPr lang="en-US" smtClean="0"/>
+              <a:t>Second level</a:t>
+            </a:r>
+          </a:p>
+          <a:p>
+            <a:pPr lvl="2"/>
+            <a:r>
+              <a:rPr lang="en-US" smtClean="0"/>
+              <a:t>Third level</a:t>
+            </a:r>
+          </a:p>
+          <a:p>
+            <a:pPr lvl="3"/>
+            <a:r>
+              <a:rPr lang="en-US" smtClean="0"/>
+              <a:t>Fourth level</a:t>
+            </a:r>
+          </a:p>
+          <a:p>
+            <a:pPr lvl="4"/>
+            <a:r>
+              <a:rPr lang="en-US" smtClean="0"/>
+              <a:t>Fifth level</a:t>
+            </a:r>
+            <a:endParaRPr lang="en-US"/>
+          </a:p>
+        </p:txBody>
+      </p:sp>
+      <p:sp>
+        <p:nvSpPr>
+          <p:cNvPr id="6" name="Footer Placeholder 5"/>
+          <p:cNvSpPr>
+            <a:spLocks noGrp="1"/>
+          </p:cNvSpPr>
+          <p:nvPr>
+            <p:ph type="ftr" sz="quarter" idx="4"/>
+          </p:nvPr>
+        </p:nvSpPr>
+        <p:spPr>
+          <a:xfrm>
+            <a:off x="0" y="8685213"/>
+            <a:ext cx="2971800" cy="457200"/>
+          </a:xfrm>
+          <a:prstGeom prst="rect">
+            <a:avLst/>
+          </a:prstGeom>
+        </p:spPr>
+        <p:txBody>
+          <a:bodyPr vert="horz" lIns="91440" tIns="45720" rIns="91440" bIns="45720" rtlCol="0" anchor="b"/>
+          <a:lstStyle>
+            <a:lvl1pPr algn="l">
+              <a:defRPr sz="1200"/>
+            </a:lvl1pPr>
+          </a:lstStyle>
+          <a:p>
+            <a:endParaRPr lang="en-US"/>
+          </a:p>
+        </p:txBody>
+      </p:sp>
+      <p:sp>
+        <p:nvSpPr>
+          <p:cNvPr id="7" name="Slide Number Placeholder 6"/>
+          <p:cNvSpPr>
+            <a:spLocks noGrp="1"/>
+          </p:cNvSpPr>
+          <p:nvPr>
+            <p:ph type="sldNum" sz="quarter" idx="5"/>
+          </p:nvPr>
+        </p:nvSpPr>
+        <p:spPr>
+          <a:xfrm>
+            <a:off x="3884613" y="8685213"/>
+            <a:ext cx="2971800" cy="457200"/>
+          </a:xfrm>
+          <a:prstGeom prst="rect">
+            <a:avLst/>
+          </a:prstGeom>
+        </p:spPr>
+        <p:txBody>
+          <a:bodyPr vert="horz" lIns="91440" tIns="45720" rIns="91440" bIns="45720" rtlCol="0" anchor="b"/>
+          <a:lstStyle>
+            <a:lvl1pPr algn="r">
+              <a:defRPr sz="1200"/>
+            </a:lvl1pPr>
+          </a:lstStyle>
+          <a:p>
+            <a:fld id="{BB5E49A5-4136-284D-997B-48E1D791AD67}" type="slidenum">
+              <a:rPr lang="en-US" smtClean="0"/>
+              <a:t>‹#›</a:t>
+            </a:fld>
+            <a:endParaRPr lang="en-US"/>
+          </a:p>
+        </p:txBody>
+      </p:sp>
+    </p:spTree>
+    <p:extLst>
+      <p:ext uri="{BB962C8B-B14F-4D97-AF65-F5344CB8AC3E}">
+        <p14:creationId xmlns:p14="http://schemas.microsoft.com/office/powerpoint/2010/main" val="2623252185"/>
+      </p:ext>
+    </p:extLst>
+  </p:cSld>
+  <p:clrMap bg1="lt1" tx1="dk1" bg2="lt2" tx2="dk2" accent1="accent1" accent2="accent2" accent3="accent3" accent4="accent4" accent5="accent5" accent6="accent6" hlink="hlink" folHlink="folHlink"/>
+  <p:notesStyle>
+    <a:lvl1pPr marL="0" algn="l" defTabSz="457200" rtl="0" eaLnBrk="1" latinLnBrk="0" hangingPunct="1">
+      <a:defRPr sz="1200" kern="1200">
+        <a:solidFill>
+          <a:schemeClr val="tx1"/>
+        </a:solidFill>
+        <a:latin typeface="+mn-lt"/>
+        <a:ea typeface="+mn-ea"/>
+        <a:cs typeface="+mn-cs"/>
+      </a:defRPr>
+    </a:lvl1pPr>
+    <a:lvl2pPr marL="457200" algn="l" defTabSz="457200" rtl="0" eaLnBrk="1" latinLnBrk="0" hangingPunct="1">
+      <a:defRPr sz="1200" kern="1200">
+        <a:solidFill>
+          <a:schemeClr val="tx1"/>
+        </a:solidFill>
+        <a:latin typeface="+mn-lt"/>
+        <a:ea typeface="+mn-ea"/>
+        <a:cs typeface="+mn-cs"/>
+      </a:defRPr>
+    </a:lvl2pPr>
+    <a:lvl3pPr marL="914400" algn="l" defTabSz="457200" rtl="0" eaLnBrk="1" latinLnBrk="0" hangingPunct="1">
+      <a:defRPr sz="1200" kern="1200">
+        <a:solidFill>
+          <a:schemeClr val="tx1"/>
+        </a:solidFill>
+        <a:latin typeface="+mn-lt"/>
+        <a:ea typeface="+mn-ea"/>
+        <a:cs typeface="+mn-cs"/>
+      </a:defRPr>
+    </a:lvl3pPr>
+    <a:lvl4pPr marL="1371600" algn="l" defTabSz="457200" rtl="0" eaLnBrk="1" latinLnBrk="0" hangingPunct="1">
+      <a:defRPr sz="1200" kern="1200">
+        <a:solidFill>
+          <a:schemeClr val="tx1"/>
+        </a:solidFill>
+        <a:latin typeface="+mn-lt"/>
+        <a:ea typeface="+mn-ea"/>
+        <a:cs typeface="+mn-cs"/>
+      </a:defRPr>
+    </a:lvl4pPr>
+    <a:lvl5pPr marL="1828800" algn="l" defTabSz="457200" rtl="0" eaLnBrk="1" latinLnBrk="0" hangingPunct="1">
+      <a:defRPr sz="1200" kern="1200">
+        <a:solidFill>
+          <a:schemeClr val="tx1"/>
+        </a:solidFill>
+        <a:latin typeface="+mn-lt"/>
+        <a:ea typeface="+mn-ea"/>
+        <a:cs typeface="+mn-cs"/>
+      </a:defRPr>
+    </a:lvl5pPr>
+    <a:lvl6pPr marL="2286000" algn="l" defTabSz="457200" rtl="0" eaLnBrk="1" latinLnBrk="0" hangingPunct="1">
+      <a:defRPr sz="1200" kern="1200">
+        <a:solidFill>
+          <a:schemeClr val="tx1"/>
+        </a:solidFill>
+        <a:latin typeface="+mn-lt"/>
+        <a:ea typeface="+mn-ea"/>
+        <a:cs typeface="+mn-cs"/>
+      </a:defRPr>
+    </a:lvl6pPr>
+    <a:lvl7pPr marL="2743200" algn="l" defTabSz="457200" rtl="0" eaLnBrk="1" latinLnBrk="0" hangingPunct="1">
+      <a:defRPr sz="1200" kern="1200">
+        <a:solidFill>
+          <a:schemeClr val="tx1"/>
+        </a:solidFill>
+        <a:latin typeface="+mn-lt"/>
+        <a:ea typeface="+mn-ea"/>
+        <a:cs typeface="+mn-cs"/>
+      </a:defRPr>
+    </a:lvl7pPr>
+    <a:lvl8pPr marL="3200400" algn="l" defTabSz="457200" rtl="0" eaLnBrk="1" latinLnBrk="0" hangingPunct="1">
+      <a:defRPr sz="1200" kern="1200">
+        <a:solidFill>
+          <a:schemeClr val="tx1"/>
+        </a:solidFill>
+        <a:latin typeface="+mn-lt"/>
+        <a:ea typeface="+mn-ea"/>
+        <a:cs typeface="+mn-cs"/>
+      </a:defRPr>
+    </a:lvl8pPr>
+    <a:lvl9pPr marL="3657600" algn="l" defTabSz="457200" rtl="0" eaLnBrk="1" latinLnBrk="0" hangingPunct="1">
+      <a:defRPr sz="1200" kern="1200">
+        <a:solidFill>
+          <a:schemeClr val="tx1"/>
+        </a:solidFill>
+        <a:latin typeface="+mn-lt"/>
+        <a:ea typeface="+mn-ea"/>
+        <a:cs typeface="+mn-cs"/>
+      </a:defRPr>
+    </a:lvl9pPr>
+  </p:notesStyle>
+</p:notesMaster>
+</file>
+
+<file path=ppt/notesSlides/notesSlide1.xml><?xml version="1.0" encoding="utf-8"?>
+<p:notes xmlns:a="http://schemas.openxmlformats.org/drawingml/2006/main" xmlns:p="http://schemas.openxmlformats.org/presentationml/2006/main" xmlns:r="http://schemas.openxmlformats.org/officeDocument/2006/relationships">
+  <p:cSld>
+    <p:spTree>
+      <p:nvGrpSpPr>
+        <p:cNvPr id="1" name=""/>
+        <p:cNvGrpSpPr/>
+        <p:nvPr/>
+      </p:nvGrpSpPr>
+      <p:grpSpPr>
+        <a:xfrm>
+          <a:off x="0" y="0"/>
+          <a:ext cx="0" cy="0"/>
+          <a:chOff x="0" y="0"/>
+          <a:chExt cx="0" cy="0"/>
+        </a:xfrm>
+      </p:grpSpPr>
+      <p:sp>
+        <p:nvSpPr>
+          <p:cNvPr id="2" name="Slide Image Placeholder 1"/>
+          <p:cNvSpPr>
+            <a:spLocks noGrp="1"/>
+          </p:cNvSpPr>
+          <p:nvPr>
+            <p:ph type="sldImg" idx="2"/>
+          </p:nvPr>
+        </p:nvSpPr>
+        <p:spPr/>
+      </p:sp>
+      <p:sp>
+        <p:nvSpPr>
+          <p:cNvPr id="3" name="Notes Placeholder 2"/>
+          <p:cNvSpPr>
+            <a:spLocks noGrp="1"/>
+          </p:cNvSpPr>
+          <p:nvPr>
+            <p:ph type="body" idx="3" sz="quarter"/>
+          </p:nvPr>
+        </p:nvSpPr>
+        <p:spPr/>
+        <p:txBody>
+          <a:bodyPr/>
+          <a:lstStyle/>
+          <a:p>
+            <a:r>
+              <a:t>饮食是健康的基础。</a:t>
+            </a:r>
+          </a:p>
+        </p:txBody>
+      </p:sp>
+      <p:sp>
+        <p:nvSpPr>
+          <p:cNvPr id="4" name="Slide Number Placeholder 3"/>
+          <p:cNvSpPr>
+            <a:spLocks noGrp="1"/>
+          </p:cNvSpPr>
+          <p:nvPr>
+            <p:ph type="sldNum" idx="5" sz="quarter"/>
+          </p:nvPr>
+        </p:nvSpPr>
+        <p:spPr/>
+      </p:sp>
+    </p:spTree>
+  </p:cSld>
+  <p:clrMapOvr>
+    <a:masterClrMapping/>
+  </p:clrMapOvr>
+</p:notes>
+</file>
+
+<file path=ppt/notesSlides/notesSlide2.xml><?xml version="1.0" encoding="utf-8"?>
+<p:notes xmlns:a="http://schemas.openxmlformats.org/drawingml/2006/main" xmlns:p="http://schemas.openxmlformats.org/presentationml/2006/main" xmlns:r="http://schemas.openxmlformats.org/officeDocument/2006/relationships">
+  <p:cSld>
+    <p:spTree>
+      <p:nvGrpSpPr>
+        <p:cNvPr id="1" name=""/>
+        <p:cNvGrpSpPr/>
+        <p:nvPr/>
+      </p:nvGrpSpPr>
+      <p:grpSpPr>
+        <a:xfrm>
+          <a:off x="0" y="0"/>
+          <a:ext cx="0" cy="0"/>
+          <a:chOff x="0" y="0"/>
+          <a:chExt cx="0" cy="0"/>
+        </a:xfrm>
+      </p:grpSpPr>
+      <p:sp>
+        <p:nvSpPr>
+          <p:cNvPr id="2" name="Slide Image Placeholder 1"/>
+          <p:cNvSpPr>
+            <a:spLocks noGrp="1"/>
+          </p:cNvSpPr>
+          <p:nvPr>
+            <p:ph type="sldImg" idx="2"/>
+          </p:nvPr>
+        </p:nvSpPr>
+        <p:spPr/>
+      </p:sp>
+      <p:sp>
+        <p:nvSpPr>
+          <p:cNvPr id="3" name="Notes Placeholder 2"/>
+          <p:cNvSpPr>
+            <a:spLocks noGrp="1"/>
+          </p:cNvSpPr>
+          <p:nvPr>
+            <p:ph type="body" idx="3" sz="quarter"/>
+          </p:nvPr>
+        </p:nvSpPr>
+        <p:spPr/>
+        <p:txBody>
+          <a:bodyPr/>
+          <a:lstStyle/>
+          <a:p>
+            <a:r>
+              <a:t>生命在于运动。</a:t>
+            </a:r>
+          </a:p>
+        </p:txBody>
+      </p:sp>
+      <p:sp>
+        <p:nvSpPr>
+          <p:cNvPr id="4" name="Slide Number Placeholder 3"/>
+          <p:cNvSpPr>
+            <a:spLocks noGrp="1"/>
+          </p:cNvSpPr>
+          <p:nvPr>
+            <p:ph type="sldNum" idx="5" sz="quarter"/>
+          </p:nvPr>
+        </p:nvSpPr>
+        <p:spPr/>
+      </p:sp>
+    </p:spTree>
+  </p:cSld>
+  <p:clrMapOvr>
+    <a:masterClrMapping/>
+  </p:clrMapOvr>
+</p:notes>
+</file>
+
+<file path=ppt/notesSlides/notesSlide3.xml><?xml version="1.0" encoding="utf-8"?>
+<p:notes xmlns:a="http://schemas.openxmlformats.org/drawingml/2006/main" xmlns:p="http://schemas.openxmlformats.org/presentationml/2006/main" xmlns:r="http://schemas.openxmlformats.org/officeDocument/2006/relationships">
+  <p:cSld>
+    <p:spTree>
+      <p:nvGrpSpPr>
+        <p:cNvPr id="1" name=""/>
+        <p:cNvGrpSpPr/>
+        <p:nvPr/>
+      </p:nvGrpSpPr>
+      <p:grpSpPr>
+        <a:xfrm>
+          <a:off x="0" y="0"/>
+          <a:ext cx="0" cy="0"/>
+          <a:chOff x="0" y="0"/>
+          <a:chExt cx="0" cy="0"/>
+        </a:xfrm>
+      </p:grpSpPr>
+      <p:sp>
+        <p:nvSpPr>
+          <p:cNvPr id="2" name="Slide Image Placeholder 1"/>
+          <p:cNvSpPr>
+            <a:spLocks noGrp="1"/>
+          </p:cNvSpPr>
+          <p:nvPr>
+            <p:ph type="sldImg" idx="2"/>
+          </p:nvPr>
+        </p:nvSpPr>
+        <p:spPr/>
+      </p:sp>
+      <p:sp>
+        <p:nvSpPr>
+          <p:cNvPr id="3" name="Notes Placeholder 2"/>
+          <p:cNvSpPr>
+            <a:spLocks noGrp="1"/>
+          </p:cNvSpPr>
+          <p:nvPr>
+            <p:ph type="body" idx="3" sz="quarter"/>
+          </p:nvPr>
+        </p:nvSpPr>
+        <p:spPr/>
+        <p:txBody>
+          <a:bodyPr/>
+          <a:lstStyle/>
+          <a:p>
+            <a:r>
+              <a:t>身心健康同样重要。</a:t>
+            </a:r>
+          </a:p>
+        </p:txBody>
+      </p:sp>
+      <p:sp>
+        <p:nvSpPr>
+          <p:cNvPr id="4" name="Slide Number Placeholder 3"/>
+          <p:cNvSpPr>
+            <a:spLocks noGrp="1"/>
+          </p:cNvSpPr>
+          <p:nvPr>
+            <p:ph type="sldNum" idx="5" sz="quarter"/>
+          </p:nvPr>
+        </p:nvSpPr>
+        <p:spPr/>
+      </p:sp>
+    </p:spTree>
+  </p:cSld>
+  <p:clrMapOvr>
+    <a:masterClrMapping/>
+  </p:clrMapOvr>
+</p:notes>
 </file>
 
 <file path=ppt/slideLayouts/slideLayout1.xml><?xml version="1.0" encoding="utf-8"?>
@@ -3108,7 +3667,7 @@
           <a:lstStyle/>
           <a:p>
             <a:r>
-              <a:t>Sample title</a:t>
+              <a:t>健康生活方式指南</a:t>
             </a:r>
           </a:p>
         </p:txBody>
@@ -3129,7 +3688,7 @@
           <a:lstStyle/>
           <a:p>
             <a:r>
-              <a:t>Generated for: 健康生活方式指南</a:t>
+              <a:t>AutoPPT 自动生成示例</a:t>
             </a:r>
           </a:p>
         </p:txBody>
@@ -3168,7 +3727,7 @@
           <a:lstStyle/>
           <a:p>
             <a:r>
-              <a:t>Sample title</a:t>
+              <a:t>营养与平衡膳食</a:t>
             </a:r>
           </a:p>
         </p:txBody>
@@ -3191,19 +3750,19 @@
           <a:p>
             <a:pPr/>
             <a:r>
-              <a:t>Item 0</a:t>
+              <a:t>增加蔬菜、水果和全谷物的摄入</a:t>
             </a:r>
           </a:p>
           <a:p>
             <a:pPr/>
             <a:r>
-              <a:t>Item 1</a:t>
+              <a:t>控制糖分、盐分和加工食品的摄入</a:t>
             </a:r>
           </a:p>
           <a:p>
             <a:pPr/>
             <a:r>
-              <a:t>Item 2</a:t>
+              <a:t>保持充足的水分摄入，建议每日 8 杯水</a:t>
             </a:r>
           </a:p>
         </p:txBody>
@@ -3242,7 +3801,7 @@
           <a:lstStyle/>
           <a:p>
             <a:r>
-              <a:t>Sample title</a:t>
+              <a:t>运动与身体活动</a:t>
             </a:r>
           </a:p>
         </p:txBody>
@@ -3265,19 +3824,19 @@
           <a:p>
             <a:pPr/>
             <a:r>
-              <a:t>Item 0</a:t>
+              <a:t>每周至少 150 分钟的中等强度有氧运动</a:t>
             </a:r>
           </a:p>
           <a:p>
             <a:pPr/>
             <a:r>
-              <a:t>Item 1</a:t>
+              <a:t>结合力量训练以增强肌肉和骨骼健康</a:t>
             </a:r>
           </a:p>
           <a:p>
             <a:pPr/>
             <a:r>
-              <a:t>Item 2</a:t>
+              <a:t>避免长时间久坐，每小时站立活动</a:t>
             </a:r>
           </a:p>
         </p:txBody>
@@ -3316,7 +3875,7 @@
           <a:lstStyle/>
           <a:p>
             <a:r>
-              <a:t>Sample title</a:t>
+              <a:t>心理健康与压力管理</a:t>
             </a:r>
           </a:p>
         </p:txBody>
@@ -3339,99 +3898,19 @@
           <a:p>
             <a:pPr/>
             <a:r>
-              <a:t>Item 0</a:t>
+              <a:t>保证每晚 7-9 小时的优质睡眠</a:t>
             </a:r>
           </a:p>
           <a:p>
             <a:pPr/>
             <a:r>
-              <a:t>Item 1</a:t>
+              <a:t>练习冥想或深呼吸以缓解焦虑</a:t>
             </a:r>
           </a:p>
           <a:p>
             <a:pPr/>
             <a:r>
-              <a:t>Item 2</a:t>
-            </a:r>
-          </a:p>
-        </p:txBody>
-      </p:sp>
-    </p:spTree>
-  </p:cSld>
-  <p:clrMapOvr>
-    <a:masterClrMapping/>
-  </p:clrMapOvr>
-</p:sld>
-</file>
-
-<file path=ppt/slides/slide5.xml><?xml version="1.0" encoding="utf-8"?>
-<p:sld xmlns:a="http://schemas.openxmlformats.org/drawingml/2006/main" xmlns:p="http://schemas.openxmlformats.org/presentationml/2006/main" xmlns:r="http://schemas.openxmlformats.org/officeDocument/2006/relationships">
-  <p:cSld>
-    <p:spTree>
-      <p:nvGrpSpPr>
-        <p:cNvPr id="1" name=""/>
-        <p:cNvGrpSpPr/>
-        <p:nvPr/>
-      </p:nvGrpSpPr>
-      <p:grpSpPr/>
-      <p:sp>
-        <p:nvSpPr>
-          <p:cNvPr id="2" name="Title 1"/>
-          <p:cNvSpPr>
-            <a:spLocks noGrp="1"/>
-          </p:cNvSpPr>
-          <p:nvPr>
-            <p:ph type="title"/>
-          </p:nvPr>
-        </p:nvSpPr>
-        <p:spPr/>
-        <p:txBody>
-          <a:bodyPr/>
-          <a:lstStyle/>
-          <a:p>
-            <a:r>
-              <a:t>References</a:t>
-            </a:r>
-          </a:p>
-        </p:txBody>
-      </p:sp>
-      <p:sp>
-        <p:nvSpPr>
-          <p:cNvPr id="3" name="Content Placeholder 2"/>
-          <p:cNvSpPr>
-            <a:spLocks noGrp="1"/>
-          </p:cNvSpPr>
-          <p:nvPr>
-            <p:ph idx="1"/>
-          </p:nvPr>
-        </p:nvSpPr>
-        <p:spPr/>
-        <p:txBody>
-          <a:bodyPr/>
-          <a:lstStyle/>
-          <a:p/>
-          <a:p>
-            <a:pPr>
-              <a:defRPr sz="1200"/>
-            </a:pPr>
-            <a:r>
-              <a:t>Item 2</a:t>
-            </a:r>
-          </a:p>
-          <a:p>
-            <a:pPr>
-              <a:defRPr sz="1200"/>
-            </a:pPr>
-            <a:r>
-              <a:t>Item 0</a:t>
-            </a:r>
-          </a:p>
-          <a:p>
-            <a:pPr>
-              <a:defRPr sz="1200"/>
-            </a:pPr>
-            <a:r>
-              <a:t>Item 1</a:t>
+              <a:t>培养兴趣爱好，保持积极的社交联系</a:t>
             </a:r>
           </a:p>
         </p:txBody>
@@ -3762,4 +4241,324 @@
   </a:objectDefaults>
   <a:extraClrSchemeLst/>
 </a:theme>
+</file>
+
+<file path=ppt/theme/theme2.xml><?xml version="1.0" encoding="utf-8"?>
+<a:theme xmlns:a="http://schemas.openxmlformats.org/drawingml/2006/main" name="Office Theme">
+  <a:themeElements>
+    <a:clrScheme name="Office">
+      <a:dk1>
+        <a:sysClr val="windowText" lastClr="000000"/>
+      </a:dk1>
+      <a:lt1>
+        <a:sysClr val="window" lastClr="FFFFFF"/>
+      </a:lt1>
+      <a:dk2>
+        <a:srgbClr val="1F497D"/>
+      </a:dk2>
+      <a:lt2>
+        <a:srgbClr val="EEECE1"/>
+      </a:lt2>
+      <a:accent1>
+        <a:srgbClr val="4F81BD"/>
+      </a:accent1>
+      <a:accent2>
+        <a:srgbClr val="C0504D"/>
+      </a:accent2>
+      <a:accent3>
+        <a:srgbClr val="9BBB59"/>
+      </a:accent3>
+      <a:accent4>
+        <a:srgbClr val="8064A2"/>
+      </a:accent4>
+      <a:accent5>
+        <a:srgbClr val="4BACC6"/>
+      </a:accent5>
+      <a:accent6>
+        <a:srgbClr val="F79646"/>
+      </a:accent6>
+      <a:hlink>
+        <a:srgbClr val="0000FF"/>
+      </a:hlink>
+      <a:folHlink>
+        <a:srgbClr val="800080"/>
+      </a:folHlink>
+    </a:clrScheme>
+    <a:fontScheme name="Office">
+      <a:majorFont>
+        <a:latin typeface="Calibri"/>
+        <a:ea typeface=""/>
+        <a:cs typeface=""/>
+        <a:font script="Jpan" typeface="ＭＳ Ｐゴシック"/>
+        <a:font script="Hang" typeface="맑은 고딕"/>
+        <a:font script="Hans" typeface="宋体"/>
+        <a:font script="Hant" typeface="新細明體"/>
+        <a:font script="Arab" typeface="Times New Roman"/>
+        <a:font script="Hebr" typeface="Times New Roman"/>
+        <a:font script="Thai" typeface="Angsana New"/>
+        <a:font script="Ethi" typeface="Nyala"/>
+        <a:font script="Beng" typeface="Vrinda"/>
+        <a:font script="Gujr" typeface="Shruti"/>
+        <a:font script="Khmr" typeface="MoolBoran"/>
+        <a:font script="Knda" typeface="Tunga"/>
+        <a:font script="Guru" typeface="Raavi"/>
+        <a:font script="Cans" typeface="Euphemia"/>
+        <a:font script="Cher" typeface="Plantagenet Cherokee"/>
+        <a:font script="Yiii" typeface="Microsoft Yi Baiti"/>
+        <a:font script="Tibt" typeface="Microsoft Himalaya"/>
+        <a:font script="Thaa" typeface="MV Boli"/>
+        <a:font script="Deva" typeface="Mangal"/>
+        <a:font script="Telu" typeface="Gautami"/>
+        <a:font script="Taml" typeface="Latha"/>
+        <a:font script="Syrc" typeface="Estrangelo Edessa"/>
+        <a:font script="Orya" typeface="Kalinga"/>
+        <a:font script="Mlym" typeface="Kartika"/>
+        <a:font script="Laoo" typeface="DokChampa"/>
+        <a:font script="Sinh" typeface="Iskoola Pota"/>
+        <a:font script="Mong" typeface="Mongolian Baiti"/>
+        <a:font script="Viet" typeface="Times New Roman"/>
+        <a:font script="Uigh" typeface="Microsoft Uighur"/>
+        <a:font script="Geor" typeface="Sylfaen"/>
+      </a:majorFont>
+      <a:minorFont>
+        <a:latin typeface="Calibri"/>
+        <a:ea typeface=""/>
+        <a:cs typeface=""/>
+        <a:font script="Jpan" typeface="ＭＳ Ｐゴシック"/>
+        <a:font script="Hang" typeface="맑은 고딕"/>
+        <a:font script="Hans" typeface="宋体"/>
+        <a:font script="Hant" typeface="新細明體"/>
+        <a:font script="Arab" typeface="Arial"/>
+        <a:font script="Hebr" typeface="Arial"/>
+        <a:font script="Thai" typeface="Cordia New"/>
+        <a:font script="Ethi" typeface="Nyala"/>
+        <a:font script="Beng" typeface="Vrinda"/>
+        <a:font script="Gujr" typeface="Shruti"/>
+        <a:font script="Khmr" typeface="DaunPenh"/>
+        <a:font script="Knda" typeface="Tunga"/>
+        <a:font script="Guru" typeface="Raavi"/>
+        <a:font script="Cans" typeface="Euphemia"/>
+        <a:font script="Cher" typeface="Plantagenet Cherokee"/>
+        <a:font script="Yiii" typeface="Microsoft Yi Baiti"/>
+        <a:font script="Tibt" typeface="Microsoft Himalaya"/>
+        <a:font script="Thaa" typeface="MV Boli"/>
+        <a:font script="Deva" typeface="Mangal"/>
+        <a:font script="Telu" typeface="Gautami"/>
+        <a:font script="Taml" typeface="Latha"/>
+        <a:font script="Syrc" typeface="Estrangelo Edessa"/>
+        <a:font script="Orya" typeface="Kalinga"/>
+        <a:font script="Mlym" typeface="Kartika"/>
+        <a:font script="Laoo" typeface="DokChampa"/>
+        <a:font script="Sinh" typeface="Iskoola Pota"/>
+        <a:font script="Mong" typeface="Mongolian Baiti"/>
+        <a:font script="Viet" typeface="Arial"/>
+        <a:font script="Uigh" typeface="Microsoft Uighur"/>
+        <a:font script="Geor" typeface="Sylfaen"/>
+      </a:minorFont>
+    </a:fontScheme>
+    <a:fmtScheme name="Office">
+      <a:fillStyleLst>
+        <a:solidFill>
+          <a:schemeClr val="phClr"/>
+        </a:solidFill>
+        <a:gradFill rotWithShape="1">
+          <a:gsLst>
+            <a:gs pos="0">
+              <a:schemeClr val="phClr">
+                <a:tint val="50000"/>
+                <a:satMod val="300000"/>
+              </a:schemeClr>
+            </a:gs>
+            <a:gs pos="35000">
+              <a:schemeClr val="phClr">
+                <a:tint val="37000"/>
+                <a:satMod val="300000"/>
+              </a:schemeClr>
+            </a:gs>
+            <a:gs pos="100000">
+              <a:schemeClr val="phClr">
+                <a:tint val="15000"/>
+                <a:satMod val="350000"/>
+              </a:schemeClr>
+            </a:gs>
+          </a:gsLst>
+          <a:lin ang="16200000" scaled="1"/>
+        </a:gradFill>
+        <a:gradFill rotWithShape="1">
+          <a:gsLst>
+            <a:gs pos="0">
+              <a:schemeClr val="phClr">
+                <a:tint val="100000"/>
+                <a:shade val="100000"/>
+                <a:satMod val="130000"/>
+              </a:schemeClr>
+            </a:gs>
+            <a:gs pos="100000">
+              <a:schemeClr val="phClr">
+                <a:tint val="50000"/>
+                <a:shade val="100000"/>
+                <a:satMod val="350000"/>
+              </a:schemeClr>
+            </a:gs>
+          </a:gsLst>
+          <a:lin ang="16200000" scaled="0"/>
+        </a:gradFill>
+      </a:fillStyleLst>
+      <a:lnStyleLst>
+        <a:ln w="9525" cap="flat" cmpd="sng" algn="ctr">
+          <a:solidFill>
+            <a:schemeClr val="phClr">
+              <a:shade val="95000"/>
+              <a:satMod val="105000"/>
+            </a:schemeClr>
+          </a:solidFill>
+          <a:prstDash val="solid"/>
+        </a:ln>
+        <a:ln w="25400" cap="flat" cmpd="sng" algn="ctr">
+          <a:solidFill>
+            <a:schemeClr val="phClr"/>
+          </a:solidFill>
+          <a:prstDash val="solid"/>
+        </a:ln>
+        <a:ln w="38100" cap="flat" cmpd="sng" algn="ctr">
+          <a:solidFill>
+            <a:schemeClr val="phClr"/>
+          </a:solidFill>
+          <a:prstDash val="solid"/>
+        </a:ln>
+      </a:lnStyleLst>
+      <a:effectStyleLst>
+        <a:effectStyle>
+          <a:effectLst>
+            <a:outerShdw blurRad="40000" dist="20000" dir="5400000" rotWithShape="0">
+              <a:srgbClr val="000000">
+                <a:alpha val="38000"/>
+              </a:srgbClr>
+            </a:outerShdw>
+          </a:effectLst>
+        </a:effectStyle>
+        <a:effectStyle>
+          <a:effectLst>
+            <a:outerShdw blurRad="40000" dist="23000" dir="5400000" rotWithShape="0">
+              <a:srgbClr val="000000">
+                <a:alpha val="35000"/>
+              </a:srgbClr>
+            </a:outerShdw>
+          </a:effectLst>
+        </a:effectStyle>
+        <a:effectStyle>
+          <a:effectLst>
+            <a:outerShdw blurRad="40000" dist="23000" dir="5400000" rotWithShape="0">
+              <a:srgbClr val="000000">
+                <a:alpha val="35000"/>
+              </a:srgbClr>
+            </a:outerShdw>
+          </a:effectLst>
+          <a:scene3d>
+            <a:camera prst="orthographicFront">
+              <a:rot lat="0" lon="0" rev="0"/>
+            </a:camera>
+            <a:lightRig rig="threePt" dir="t">
+              <a:rot lat="0" lon="0" rev="1200000"/>
+            </a:lightRig>
+          </a:scene3d>
+          <a:sp3d>
+            <a:bevelT w="63500" h="25400"/>
+          </a:sp3d>
+        </a:effectStyle>
+      </a:effectStyleLst>
+      <a:bgFillStyleLst>
+        <a:solidFill>
+          <a:schemeClr val="phClr"/>
+        </a:solidFill>
+        <a:gradFill rotWithShape="1">
+          <a:gsLst>
+            <a:gs pos="0">
+              <a:schemeClr val="phClr">
+                <a:tint val="40000"/>
+                <a:satMod val="350000"/>
+              </a:schemeClr>
+            </a:gs>
+            <a:gs pos="40000">
+              <a:schemeClr val="phClr">
+                <a:tint val="45000"/>
+                <a:shade val="99000"/>
+                <a:satMod val="350000"/>
+              </a:schemeClr>
+            </a:gs>
+            <a:gs pos="100000">
+              <a:schemeClr val="phClr">
+                <a:shade val="20000"/>
+                <a:satMod val="255000"/>
+              </a:schemeClr>
+            </a:gs>
+          </a:gsLst>
+          <a:path path="circle">
+            <a:fillToRect l="50000" t="-80000" r="50000" b="180000"/>
+          </a:path>
+        </a:gradFill>
+        <a:gradFill rotWithShape="1">
+          <a:gsLst>
+            <a:gs pos="0">
+              <a:schemeClr val="phClr">
+                <a:tint val="80000"/>
+                <a:satMod val="300000"/>
+              </a:schemeClr>
+            </a:gs>
+            <a:gs pos="100000">
+              <a:schemeClr val="phClr">
+                <a:shade val="30000"/>
+                <a:satMod val="200000"/>
+              </a:schemeClr>
+            </a:gs>
+          </a:gsLst>
+          <a:path path="circle">
+            <a:fillToRect l="50000" t="50000" r="50000" b="50000"/>
+          </a:path>
+        </a:gradFill>
+      </a:bgFillStyleLst>
+    </a:fmtScheme>
+  </a:themeElements>
+  <a:objectDefaults>
+    <a:spDef>
+      <a:spPr/>
+      <a:bodyPr/>
+      <a:lstStyle/>
+      <a:style>
+        <a:lnRef idx="1">
+          <a:schemeClr val="accent1"/>
+        </a:lnRef>
+        <a:fillRef idx="3">
+          <a:schemeClr val="accent1"/>
+        </a:fillRef>
+        <a:effectRef idx="2">
+          <a:schemeClr val="accent1"/>
+        </a:effectRef>
+        <a:fontRef idx="minor">
+          <a:schemeClr val="lt1"/>
+        </a:fontRef>
+      </a:style>
+    </a:spDef>
+    <a:lnDef>
+      <a:spPr/>
+      <a:bodyPr/>
+      <a:lstStyle/>
+      <a:style>
+        <a:lnRef idx="2">
+          <a:schemeClr val="accent1"/>
+        </a:lnRef>
+        <a:fillRef idx="0">
+          <a:schemeClr val="accent1"/>
+        </a:fillRef>
+        <a:effectRef idx="1">
+          <a:schemeClr val="accent1"/>
+        </a:effectRef>
+        <a:fontRef idx="minor">
+          <a:schemeClr val="tx1"/>
+        </a:fontRef>
+      </a:style>
+    </a:lnDef>
+  </a:objectDefaults>
+  <a:extraClrSchemeLst/>
+</a:theme>
 </file>
--- a/samples/cn_life.pptx
+++ b/samples/cn_life.pptx
@@ -7,8 +7,15 @@
   <p:sldIdLst>
     <p:sldId id="256" r:id="rId7"/>
     <p:sldId id="257" r:id="rId8"/>
-    <p:sldId id="258" r:id="rId10"/>
-    <p:sldId id="259" r:id="rId11"/>
+    <p:sldId id="258" r:id="rId9"/>
+    <p:sldId id="259" r:id="rId10"/>
+    <p:sldId id="260" r:id="rId11"/>
+    <p:sldId id="261" r:id="rId12"/>
+    <p:sldId id="262" r:id="rId13"/>
+    <p:sldId id="263" r:id="rId14"/>
+    <p:sldId id="264" r:id="rId15"/>
+    <p:sldId id="265" r:id="rId16"/>
+    <p:sldId id="266" r:id="rId17"/>
   </p:sldIdLst>
   <p:sldSz cx="9144000" cy="6858000" type="screen4x3"/>
   <p:notesSz cx="6858000" cy="9144000"/>
@@ -108,566 +115,6 @@
     </a:lvl9pPr>
   </p:defaultTextStyle>
 </p:presentation>
-</file>
-
-<file path=ppt/notesMasters/notesMaster1.xml><?xml version="1.0" encoding="utf-8"?>
-<p:notesMaster xmlns:a="http://schemas.openxmlformats.org/drawingml/2006/main" xmlns:p="http://schemas.openxmlformats.org/presentationml/2006/main" xmlns:r="http://schemas.openxmlformats.org/officeDocument/2006/relationships">
-  <p:cSld>
-    <p:bg>
-      <p:bgRef idx="1001">
-        <a:schemeClr val="bg1"/>
-      </p:bgRef>
-    </p:bg>
-    <p:spTree>
-      <p:nvGrpSpPr>
-        <p:cNvPr id="1" name=""/>
-        <p:cNvGrpSpPr/>
-        <p:nvPr/>
-      </p:nvGrpSpPr>
-      <p:grpSpPr>
-        <a:xfrm>
-          <a:off x="0" y="0"/>
-          <a:ext cx="0" cy="0"/>
-          <a:chOff x="0" y="0"/>
-          <a:chExt cx="0" cy="0"/>
-        </a:xfrm>
-      </p:grpSpPr>
-      <p:sp>
-        <p:nvSpPr>
-          <p:cNvPr id="2" name="Header Placeholder 1"/>
-          <p:cNvSpPr>
-            <a:spLocks noGrp="1"/>
-          </p:cNvSpPr>
-          <p:nvPr>
-            <p:ph type="hdr" sz="quarter"/>
-          </p:nvPr>
-        </p:nvSpPr>
-        <p:spPr>
-          <a:xfrm>
-            <a:off x="0" y="0"/>
-            <a:ext cx="2971800" cy="457200"/>
-          </a:xfrm>
-          <a:prstGeom prst="rect">
-            <a:avLst/>
-          </a:prstGeom>
-        </p:spPr>
-        <p:txBody>
-          <a:bodyPr vert="horz" lIns="91440" tIns="45720" rIns="91440" bIns="45720" rtlCol="0"/>
-          <a:lstStyle>
-            <a:lvl1pPr algn="l">
-              <a:defRPr sz="1200"/>
-            </a:lvl1pPr>
-          </a:lstStyle>
-          <a:p>
-            <a:endParaRPr lang="en-US"/>
-          </a:p>
-        </p:txBody>
-      </p:sp>
-      <p:sp>
-        <p:nvSpPr>
-          <p:cNvPr id="3" name="Date Placeholder 2"/>
-          <p:cNvSpPr>
-            <a:spLocks noGrp="1"/>
-          </p:cNvSpPr>
-          <p:nvPr>
-            <p:ph type="dt" idx="1"/>
-          </p:nvPr>
-        </p:nvSpPr>
-        <p:spPr>
-          <a:xfrm>
-            <a:off x="3884613" y="0"/>
-            <a:ext cx="2971800" cy="457200"/>
-          </a:xfrm>
-          <a:prstGeom prst="rect">
-            <a:avLst/>
-          </a:prstGeom>
-        </p:spPr>
-        <p:txBody>
-          <a:bodyPr vert="horz" lIns="91440" tIns="45720" rIns="91440" bIns="45720" rtlCol="0"/>
-          <a:lstStyle>
-            <a:lvl1pPr algn="r">
-              <a:defRPr sz="1200"/>
-            </a:lvl1pPr>
-          </a:lstStyle>
-          <a:p>
-            <a:fld id="{0F89C1C7-3DCD-1040-A9CF-14679D8B5DDD}" type="datetimeFigureOut">
-              <a:rPr lang="en-US" smtClean="0"/>
-              <a:t>10/17/16</a:t>
-            </a:fld>
-            <a:endParaRPr lang="en-US"/>
-          </a:p>
-        </p:txBody>
-      </p:sp>
-      <p:sp>
-        <p:nvSpPr>
-          <p:cNvPr id="4" name="Slide Image Placeholder 3"/>
-          <p:cNvSpPr>
-            <a:spLocks noGrp="1" noRot="1" noChangeAspect="1"/>
-          </p:cNvSpPr>
-          <p:nvPr>
-            <p:ph type="sldImg" idx="2"/>
-          </p:nvPr>
-        </p:nvSpPr>
-        <p:spPr>
-          <a:xfrm>
-            <a:off x="1143000" y="685800"/>
-            <a:ext cx="4572000" cy="3429000"/>
-          </a:xfrm>
-          <a:prstGeom prst="rect">
-            <a:avLst/>
-          </a:prstGeom>
-          <a:noFill/>
-          <a:ln w="12700">
-            <a:solidFill>
-              <a:prstClr val="black"/>
-            </a:solidFill>
-          </a:ln>
-        </p:spPr>
-        <p:txBody>
-          <a:bodyPr vert="horz" lIns="91440" tIns="45720" rIns="91440" bIns="45720" rtlCol="0" anchor="ctr"/>
-          <a:lstStyle/>
-          <a:p>
-            <a:endParaRPr lang="en-US"/>
-          </a:p>
-        </p:txBody>
-      </p:sp>
-      <p:sp>
-        <p:nvSpPr>
-          <p:cNvPr id="5" name="Notes Placeholder 4"/>
-          <p:cNvSpPr>
-            <a:spLocks noGrp="1"/>
-          </p:cNvSpPr>
-          <p:nvPr>
-            <p:ph type="body" sz="quarter" idx="3"/>
-          </p:nvPr>
-        </p:nvSpPr>
-        <p:spPr>
-          <a:xfrm>
-            <a:off x="685800" y="4343400"/>
-            <a:ext cx="5486400" cy="4114800"/>
-          </a:xfrm>
-          <a:prstGeom prst="rect">
-            <a:avLst/>
-          </a:prstGeom>
-        </p:spPr>
-        <p:txBody>
-          <a:bodyPr vert="horz" lIns="91440" tIns="45720" rIns="91440" bIns="45720" rtlCol="0"/>
-          <a:lstStyle/>
-          <a:p>
-            <a:pPr lvl="0"/>
-            <a:r>
-              <a:rPr lang="en-US" smtClean="0"/>
-              <a:t>Click to edit Master text styles</a:t>
-            </a:r>
-          </a:p>
-          <a:p>
-            <a:pPr lvl="1"/>
-            <a:r>
-              <a:rPr lang="en-US" smtClean="0"/>
-              <a:t>Second level</a:t>
-            </a:r>
-          </a:p>
-          <a:p>
-            <a:pPr lvl="2"/>
-            <a:r>
-              <a:rPr lang="en-US" smtClean="0"/>
-              <a:t>Third level</a:t>
-            </a:r>
-          </a:p>
-          <a:p>
-            <a:pPr lvl="3"/>
-            <a:r>
-              <a:rPr lang="en-US" smtClean="0"/>
-              <a:t>Fourth level</a:t>
-            </a:r>
-          </a:p>
-          <a:p>
-            <a:pPr lvl="4"/>
-            <a:r>
-              <a:rPr lang="en-US" smtClean="0"/>
-              <a:t>Fifth level</a:t>
-            </a:r>
-            <a:endParaRPr lang="en-US"/>
-          </a:p>
-        </p:txBody>
-      </p:sp>
-      <p:sp>
-        <p:nvSpPr>
-          <p:cNvPr id="6" name="Footer Placeholder 5"/>
-          <p:cNvSpPr>
-            <a:spLocks noGrp="1"/>
-          </p:cNvSpPr>
-          <p:nvPr>
-            <p:ph type="ftr" sz="quarter" idx="4"/>
-          </p:nvPr>
-        </p:nvSpPr>
-        <p:spPr>
-          <a:xfrm>
-            <a:off x="0" y="8685213"/>
-            <a:ext cx="2971800" cy="457200"/>
-          </a:xfrm>
-          <a:prstGeom prst="rect">
-            <a:avLst/>
-          </a:prstGeom>
-        </p:spPr>
-        <p:txBody>
-          <a:bodyPr vert="horz" lIns="91440" tIns="45720" rIns="91440" bIns="45720" rtlCol="0" anchor="b"/>
-          <a:lstStyle>
-            <a:lvl1pPr algn="l">
-              <a:defRPr sz="1200"/>
-            </a:lvl1pPr>
-          </a:lstStyle>
-          <a:p>
-            <a:endParaRPr lang="en-US"/>
-          </a:p>
-        </p:txBody>
-      </p:sp>
-      <p:sp>
-        <p:nvSpPr>
-          <p:cNvPr id="7" name="Slide Number Placeholder 6"/>
-          <p:cNvSpPr>
-            <a:spLocks noGrp="1"/>
-          </p:cNvSpPr>
-          <p:nvPr>
-            <p:ph type="sldNum" sz="quarter" idx="5"/>
-          </p:nvPr>
-        </p:nvSpPr>
-        <p:spPr>
-          <a:xfrm>
-            <a:off x="3884613" y="8685213"/>
-            <a:ext cx="2971800" cy="457200"/>
-          </a:xfrm>
-          <a:prstGeom prst="rect">
-            <a:avLst/>
-          </a:prstGeom>
-        </p:spPr>
-        <p:txBody>
-          <a:bodyPr vert="horz" lIns="91440" tIns="45720" rIns="91440" bIns="45720" rtlCol="0" anchor="b"/>
-          <a:lstStyle>
-            <a:lvl1pPr algn="r">
-              <a:defRPr sz="1200"/>
-            </a:lvl1pPr>
-          </a:lstStyle>
-          <a:p>
-            <a:fld id="{BB5E49A5-4136-284D-997B-48E1D791AD67}" type="slidenum">
-              <a:rPr lang="en-US" smtClean="0"/>
-              <a:t>‹#›</a:t>
-            </a:fld>
-            <a:endParaRPr lang="en-US"/>
-          </a:p>
-        </p:txBody>
-      </p:sp>
-    </p:spTree>
-    <p:extLst>
-      <p:ext uri="{BB962C8B-B14F-4D97-AF65-F5344CB8AC3E}">
-        <p14:creationId xmlns:p14="http://schemas.microsoft.com/office/powerpoint/2010/main" val="2623252185"/>
-      </p:ext>
-    </p:extLst>
-  </p:cSld>
-  <p:clrMap bg1="lt1" tx1="dk1" bg2="lt2" tx2="dk2" accent1="accent1" accent2="accent2" accent3="accent3" accent4="accent4" accent5="accent5" accent6="accent6" hlink="hlink" folHlink="folHlink"/>
-  <p:notesStyle>
-    <a:lvl1pPr marL="0" algn="l" defTabSz="457200" rtl="0" eaLnBrk="1" latinLnBrk="0" hangingPunct="1">
-      <a:defRPr sz="1200" kern="1200">
-        <a:solidFill>
-          <a:schemeClr val="tx1"/>
-        </a:solidFill>
-        <a:latin typeface="+mn-lt"/>
-        <a:ea typeface="+mn-ea"/>
-        <a:cs typeface="+mn-cs"/>
-      </a:defRPr>
-    </a:lvl1pPr>
-    <a:lvl2pPr marL="457200" algn="l" defTabSz="457200" rtl="0" eaLnBrk="1" latinLnBrk="0" hangingPunct="1">
-      <a:defRPr sz="1200" kern="1200">
-        <a:solidFill>
-          <a:schemeClr val="tx1"/>
-        </a:solidFill>
-        <a:latin typeface="+mn-lt"/>
-        <a:ea typeface="+mn-ea"/>
-        <a:cs typeface="+mn-cs"/>
-      </a:defRPr>
-    </a:lvl2pPr>
-    <a:lvl3pPr marL="914400" algn="l" defTabSz="457200" rtl="0" eaLnBrk="1" latinLnBrk="0" hangingPunct="1">
-      <a:defRPr sz="1200" kern="1200">
-        <a:solidFill>
-          <a:schemeClr val="tx1"/>
-        </a:solidFill>
-        <a:latin typeface="+mn-lt"/>
-        <a:ea typeface="+mn-ea"/>
-        <a:cs typeface="+mn-cs"/>
-      </a:defRPr>
-    </a:lvl3pPr>
-    <a:lvl4pPr marL="1371600" algn="l" defTabSz="457200" rtl="0" eaLnBrk="1" latinLnBrk="0" hangingPunct="1">
-      <a:defRPr sz="1200" kern="1200">
-        <a:solidFill>
-          <a:schemeClr val="tx1"/>
-        </a:solidFill>
-        <a:latin typeface="+mn-lt"/>
-        <a:ea typeface="+mn-ea"/>
-        <a:cs typeface="+mn-cs"/>
-      </a:defRPr>
-    </a:lvl4pPr>
-    <a:lvl5pPr marL="1828800" algn="l" defTabSz="457200" rtl="0" eaLnBrk="1" latinLnBrk="0" hangingPunct="1">
-      <a:defRPr sz="1200" kern="1200">
-        <a:solidFill>
-          <a:schemeClr val="tx1"/>
-        </a:solidFill>
-        <a:latin typeface="+mn-lt"/>
-        <a:ea typeface="+mn-ea"/>
-        <a:cs typeface="+mn-cs"/>
-      </a:defRPr>
-    </a:lvl5pPr>
-    <a:lvl6pPr marL="2286000" algn="l" defTabSz="457200" rtl="0" eaLnBrk="1" latinLnBrk="0" hangingPunct="1">
-      <a:defRPr sz="1200" kern="1200">
-        <a:solidFill>
-          <a:schemeClr val="tx1"/>
-        </a:solidFill>
-        <a:latin typeface="+mn-lt"/>
-        <a:ea typeface="+mn-ea"/>
-        <a:cs typeface="+mn-cs"/>
-      </a:defRPr>
-    </a:lvl6pPr>
-    <a:lvl7pPr marL="2743200" algn="l" defTabSz="457200" rtl="0" eaLnBrk="1" latinLnBrk="0" hangingPunct="1">
-      <a:defRPr sz="1200" kern="1200">
-        <a:solidFill>
-          <a:schemeClr val="tx1"/>
-        </a:solidFill>
-        <a:latin typeface="+mn-lt"/>
-        <a:ea typeface="+mn-ea"/>
-        <a:cs typeface="+mn-cs"/>
-      </a:defRPr>
-    </a:lvl7pPr>
-    <a:lvl8pPr marL="3200400" algn="l" defTabSz="457200" rtl="0" eaLnBrk="1" latinLnBrk="0" hangingPunct="1">
-      <a:defRPr sz="1200" kern="1200">
-        <a:solidFill>
-          <a:schemeClr val="tx1"/>
-        </a:solidFill>
-        <a:latin typeface="+mn-lt"/>
-        <a:ea typeface="+mn-ea"/>
-        <a:cs typeface="+mn-cs"/>
-      </a:defRPr>
-    </a:lvl8pPr>
-    <a:lvl9pPr marL="3657600" algn="l" defTabSz="457200" rtl="0" eaLnBrk="1" latinLnBrk="0" hangingPunct="1">
-      <a:defRPr sz="1200" kern="1200">
-        <a:solidFill>
-          <a:schemeClr val="tx1"/>
-        </a:solidFill>
-        <a:latin typeface="+mn-lt"/>
-        <a:ea typeface="+mn-ea"/>
-        <a:cs typeface="+mn-cs"/>
-      </a:defRPr>
-    </a:lvl9pPr>
-  </p:notesStyle>
-</p:notesMaster>
-</file>
-
-<file path=ppt/notesSlides/notesSlide1.xml><?xml version="1.0" encoding="utf-8"?>
-<p:notes xmlns:a="http://schemas.openxmlformats.org/drawingml/2006/main" xmlns:p="http://schemas.openxmlformats.org/presentationml/2006/main" xmlns:r="http://schemas.openxmlformats.org/officeDocument/2006/relationships">
-  <p:cSld>
-    <p:spTree>
-      <p:nvGrpSpPr>
-        <p:cNvPr id="1" name=""/>
-        <p:cNvGrpSpPr/>
-        <p:nvPr/>
-      </p:nvGrpSpPr>
-      <p:grpSpPr>
-        <a:xfrm>
-          <a:off x="0" y="0"/>
-          <a:ext cx="0" cy="0"/>
-          <a:chOff x="0" y="0"/>
-          <a:chExt cx="0" cy="0"/>
-        </a:xfrm>
-      </p:grpSpPr>
-      <p:sp>
-        <p:nvSpPr>
-          <p:cNvPr id="2" name="Slide Image Placeholder 1"/>
-          <p:cNvSpPr>
-            <a:spLocks noGrp="1"/>
-          </p:cNvSpPr>
-          <p:nvPr>
-            <p:ph type="sldImg" idx="2"/>
-          </p:nvPr>
-        </p:nvSpPr>
-        <p:spPr/>
-      </p:sp>
-      <p:sp>
-        <p:nvSpPr>
-          <p:cNvPr id="3" name="Notes Placeholder 2"/>
-          <p:cNvSpPr>
-            <a:spLocks noGrp="1"/>
-          </p:cNvSpPr>
-          <p:nvPr>
-            <p:ph type="body" idx="3" sz="quarter"/>
-          </p:nvPr>
-        </p:nvSpPr>
-        <p:spPr/>
-        <p:txBody>
-          <a:bodyPr/>
-          <a:lstStyle/>
-          <a:p>
-            <a:r>
-              <a:t>饮食是健康的基础。</a:t>
-            </a:r>
-          </a:p>
-        </p:txBody>
-      </p:sp>
-      <p:sp>
-        <p:nvSpPr>
-          <p:cNvPr id="4" name="Slide Number Placeholder 3"/>
-          <p:cNvSpPr>
-            <a:spLocks noGrp="1"/>
-          </p:cNvSpPr>
-          <p:nvPr>
-            <p:ph type="sldNum" idx="5" sz="quarter"/>
-          </p:nvPr>
-        </p:nvSpPr>
-        <p:spPr/>
-      </p:sp>
-    </p:spTree>
-  </p:cSld>
-  <p:clrMapOvr>
-    <a:masterClrMapping/>
-  </p:clrMapOvr>
-</p:notes>
-</file>
-
-<file path=ppt/notesSlides/notesSlide2.xml><?xml version="1.0" encoding="utf-8"?>
-<p:notes xmlns:a="http://schemas.openxmlformats.org/drawingml/2006/main" xmlns:p="http://schemas.openxmlformats.org/presentationml/2006/main" xmlns:r="http://schemas.openxmlformats.org/officeDocument/2006/relationships">
-  <p:cSld>
-    <p:spTree>
-      <p:nvGrpSpPr>
-        <p:cNvPr id="1" name=""/>
-        <p:cNvGrpSpPr/>
-        <p:nvPr/>
-      </p:nvGrpSpPr>
-      <p:grpSpPr>
-        <a:xfrm>
-          <a:off x="0" y="0"/>
-          <a:ext cx="0" cy="0"/>
-          <a:chOff x="0" y="0"/>
-          <a:chExt cx="0" cy="0"/>
-        </a:xfrm>
-      </p:grpSpPr>
-      <p:sp>
-        <p:nvSpPr>
-          <p:cNvPr id="2" name="Slide Image Placeholder 1"/>
-          <p:cNvSpPr>
-            <a:spLocks noGrp="1"/>
-          </p:cNvSpPr>
-          <p:nvPr>
-            <p:ph type="sldImg" idx="2"/>
-          </p:nvPr>
-        </p:nvSpPr>
-        <p:spPr/>
-      </p:sp>
-      <p:sp>
-        <p:nvSpPr>
-          <p:cNvPr id="3" name="Notes Placeholder 2"/>
-          <p:cNvSpPr>
-            <a:spLocks noGrp="1"/>
-          </p:cNvSpPr>
-          <p:nvPr>
-            <p:ph type="body" idx="3" sz="quarter"/>
-          </p:nvPr>
-        </p:nvSpPr>
-        <p:spPr/>
-        <p:txBody>
-          <a:bodyPr/>
-          <a:lstStyle/>
-          <a:p>
-            <a:r>
-              <a:t>生命在于运动。</a:t>
-            </a:r>
-          </a:p>
-        </p:txBody>
-      </p:sp>
-      <p:sp>
-        <p:nvSpPr>
-          <p:cNvPr id="4" name="Slide Number Placeholder 3"/>
-          <p:cNvSpPr>
-            <a:spLocks noGrp="1"/>
-          </p:cNvSpPr>
-          <p:nvPr>
-            <p:ph type="sldNum" idx="5" sz="quarter"/>
-          </p:nvPr>
-        </p:nvSpPr>
-        <p:spPr/>
-      </p:sp>
-    </p:spTree>
-  </p:cSld>
-  <p:clrMapOvr>
-    <a:masterClrMapping/>
-  </p:clrMapOvr>
-</p:notes>
-</file>
-
-<file path=ppt/notesSlides/notesSlide3.xml><?xml version="1.0" encoding="utf-8"?>
-<p:notes xmlns:a="http://schemas.openxmlformats.org/drawingml/2006/main" xmlns:p="http://schemas.openxmlformats.org/presentationml/2006/main" xmlns:r="http://schemas.openxmlformats.org/officeDocument/2006/relationships">
-  <p:cSld>
-    <p:spTree>
-      <p:nvGrpSpPr>
-        <p:cNvPr id="1" name=""/>
-        <p:cNvGrpSpPr/>
-        <p:nvPr/>
-      </p:nvGrpSpPr>
-      <p:grpSpPr>
-        <a:xfrm>
-          <a:off x="0" y="0"/>
-          <a:ext cx="0" cy="0"/>
-          <a:chOff x="0" y="0"/>
-          <a:chExt cx="0" cy="0"/>
-        </a:xfrm>
-      </p:grpSpPr>
-      <p:sp>
-        <p:nvSpPr>
-          <p:cNvPr id="2" name="Slide Image Placeholder 1"/>
-          <p:cNvSpPr>
-            <a:spLocks noGrp="1"/>
-          </p:cNvSpPr>
-          <p:nvPr>
-            <p:ph type="sldImg" idx="2"/>
-          </p:nvPr>
-        </p:nvSpPr>
-        <p:spPr/>
-      </p:sp>
-      <p:sp>
-        <p:nvSpPr>
-          <p:cNvPr id="3" name="Notes Placeholder 2"/>
-          <p:cNvSpPr>
-            <a:spLocks noGrp="1"/>
-          </p:cNvSpPr>
-          <p:nvPr>
-            <p:ph type="body" idx="3" sz="quarter"/>
-          </p:nvPr>
-        </p:nvSpPr>
-        <p:spPr/>
-        <p:txBody>
-          <a:bodyPr/>
-          <a:lstStyle/>
-          <a:p>
-            <a:r>
-              <a:t>身心健康同样重要。</a:t>
-            </a:r>
-          </a:p>
-        </p:txBody>
-      </p:sp>
-      <p:sp>
-        <p:nvSpPr>
-          <p:cNvPr id="4" name="Slide Number Placeholder 3"/>
-          <p:cNvSpPr>
-            <a:spLocks noGrp="1"/>
-          </p:cNvSpPr>
-          <p:nvPr>
-            <p:ph type="sldNum" idx="5" sz="quarter"/>
-          </p:nvPr>
-        </p:nvSpPr>
-        <p:spPr/>
-      </p:sp>
-    </p:spTree>
-  </p:cSld>
-  <p:clrMapOvr>
-    <a:masterClrMapping/>
-  </p:clrMapOvr>
-</p:notes>
 </file>
 
 <file path=ppt/slideLayouts/slideLayout1.xml><?xml version="1.0" encoding="utf-8"?>
@@ -3644,6 +3091,14 @@
 <file path=ppt/slides/slide1.xml><?xml version="1.0" encoding="utf-8"?>
 <p:sld xmlns:a="http://schemas.openxmlformats.org/drawingml/2006/main" xmlns:p="http://schemas.openxmlformats.org/presentationml/2006/main" xmlns:r="http://schemas.openxmlformats.org/officeDocument/2006/relationships">
   <p:cSld>
+    <p:bg>
+      <p:bgPr>
+        <a:solidFill>
+          <a:srgbClr val="F5FFFA"/>
+        </a:solidFill>
+        <a:effectLst/>
+      </p:bgPr>
+    </p:bg>
     <p:spTree>
       <p:nvGrpSpPr>
         <p:cNvPr id="1" name=""/>
@@ -3667,7 +3122,13 @@
           <a:lstStyle/>
           <a:p>
             <a:r>
-              <a:t>健康生活方式指南</a:t>
+              <a:rPr>
+                <a:solidFill>
+                  <a:srgbClr val="228B22"/>
+                </a:solidFill>
+                <a:latin typeface="Georgia"/>
+              </a:rPr>
+              <a:t>Overview of Current Topic</a:t>
             </a:r>
           </a:p>
         </p:txBody>
@@ -3688,7 +3149,199 @@
           <a:lstStyle/>
           <a:p>
             <a:r>
-              <a:t>AutoPPT 自动生成示例</a:t>
+              <a:rPr>
+                <a:solidFill>
+                  <a:srgbClr val="325032"/>
+                </a:solidFill>
+                <a:latin typeface="Georgia"/>
+              </a:rPr>
+              <a:t>Topic: 健康生活方式指南</a:t>
+            </a:r>
+          </a:p>
+        </p:txBody>
+      </p:sp>
+    </p:spTree>
+  </p:cSld>
+  <p:clrMapOvr>
+    <a:masterClrMapping/>
+  </p:clrMapOvr>
+</p:sld>
+</file>
+
+<file path=ppt/slides/slide10.xml><?xml version="1.0" encoding="utf-8"?>
+<p:sld xmlns:a="http://schemas.openxmlformats.org/drawingml/2006/main" xmlns:p="http://schemas.openxmlformats.org/presentationml/2006/main" xmlns:r="http://schemas.openxmlformats.org/officeDocument/2006/relationships">
+  <p:cSld>
+    <p:bg>
+      <p:bgPr>
+        <a:solidFill>
+          <a:srgbClr val="F5FFFA"/>
+        </a:solidFill>
+        <a:effectLst/>
+      </p:bgPr>
+    </p:bg>
+    <p:spTree>
+      <p:nvGrpSpPr>
+        <p:cNvPr id="1" name=""/>
+        <p:cNvGrpSpPr/>
+        <p:nvPr/>
+      </p:nvGrpSpPr>
+      <p:grpSpPr/>
+      <p:sp>
+        <p:nvSpPr>
+          <p:cNvPr id="2" name="Title 1"/>
+          <p:cNvSpPr>
+            <a:spLocks noGrp="1"/>
+          </p:cNvSpPr>
+          <p:nvPr>
+            <p:ph type="title"/>
+          </p:nvPr>
+        </p:nvSpPr>
+        <p:spPr/>
+        <p:txBody>
+          <a:bodyPr/>
+          <a:lstStyle/>
+          <a:p>
+            <a:r>
+              <a:rPr>
+                <a:solidFill>
+                  <a:srgbClr val="228B22"/>
+                </a:solidFill>
+                <a:latin typeface="Georgia"/>
+              </a:rPr>
+              <a:t>Overview of Current Topic</a:t>
+            </a:r>
+          </a:p>
+        </p:txBody>
+      </p:sp>
+      <p:sp>
+        <p:nvSpPr>
+          <p:cNvPr id="3" name="Content Placeholder 2"/>
+          <p:cNvSpPr>
+            <a:spLocks noGrp="1"/>
+          </p:cNvSpPr>
+          <p:nvPr>
+            <p:ph idx="1"/>
+          </p:nvPr>
+        </p:nvSpPr>
+        <p:spPr/>
+        <p:txBody>
+          <a:bodyPr wrap="square"/>
+          <a:lstStyle/>
+          <a:p/>
+          <a:p>
+            <a:pPr/>
+            <a:r>
+              <a:rPr>
+                <a:solidFill>
+                  <a:srgbClr val="325032"/>
+                </a:solidFill>
+                <a:latin typeface="Georgia"/>
+              </a:rPr>
+              <a:t>Key innovation and strategic importance of Current Topic</a:t>
+            </a:r>
+          </a:p>
+          <a:p>
+            <a:pPr/>
+            <a:r>
+              <a:rPr>
+                <a:solidFill>
+                  <a:srgbClr val="325032"/>
+                </a:solidFill>
+                <a:latin typeface="Georgia"/>
+              </a:rPr>
+              <a:t>Global impact and future trends in Current Topic</a:t>
+            </a:r>
+          </a:p>
+          <a:p>
+            <a:pPr/>
+            <a:r>
+              <a:rPr>
+                <a:solidFill>
+                  <a:srgbClr val="325032"/>
+                </a:solidFill>
+                <a:latin typeface="Georgia"/>
+              </a:rPr>
+              <a:t>Practical applications and case studies of Current Topic</a:t>
+            </a:r>
+          </a:p>
+        </p:txBody>
+      </p:sp>
+    </p:spTree>
+  </p:cSld>
+  <p:clrMapOvr>
+    <a:masterClrMapping/>
+  </p:clrMapOvr>
+</p:sld>
+</file>
+
+<file path=ppt/slides/slide11.xml><?xml version="1.0" encoding="utf-8"?>
+<p:sld xmlns:a="http://schemas.openxmlformats.org/drawingml/2006/main" xmlns:p="http://schemas.openxmlformats.org/presentationml/2006/main" xmlns:r="http://schemas.openxmlformats.org/officeDocument/2006/relationships">
+  <p:cSld>
+    <p:spTree>
+      <p:nvGrpSpPr>
+        <p:cNvPr id="1" name=""/>
+        <p:cNvGrpSpPr/>
+        <p:nvPr/>
+      </p:nvGrpSpPr>
+      <p:grpSpPr/>
+      <p:sp>
+        <p:nvSpPr>
+          <p:cNvPr id="2" name="Title 1"/>
+          <p:cNvSpPr>
+            <a:spLocks noGrp="1"/>
+          </p:cNvSpPr>
+          <p:nvPr>
+            <p:ph type="title"/>
+          </p:nvPr>
+        </p:nvSpPr>
+        <p:spPr/>
+        <p:txBody>
+          <a:bodyPr/>
+          <a:lstStyle/>
+          <a:p>
+            <a:r>
+              <a:t>References</a:t>
+            </a:r>
+          </a:p>
+        </p:txBody>
+      </p:sp>
+      <p:sp>
+        <p:nvSpPr>
+          <p:cNvPr id="3" name="Content Placeholder 2"/>
+          <p:cNvSpPr>
+            <a:spLocks noGrp="1"/>
+          </p:cNvSpPr>
+          <p:nvPr>
+            <p:ph idx="1"/>
+          </p:nvPr>
+        </p:nvSpPr>
+        <p:spPr/>
+        <p:txBody>
+          <a:bodyPr/>
+          <a:lstStyle/>
+          <a:p/>
+          <a:p>
+            <a:pPr>
+              <a:defRPr sz="1200"/>
+            </a:pPr>
+            <a:r>
+              <a:t>Key innovation and strategic importance of Current Topic</a:t>
+            </a:r>
+          </a:p>
+          <a:p>
+            <a:pPr>
+              <a:defRPr sz="1200"/>
+            </a:pPr>
+            <a:r>
+              <a:t>Global impact and future trends in Current Topic</a:t>
+            </a:r>
+          </a:p>
+          <a:p>
+            <a:pPr>
+              <a:defRPr sz="1200"/>
+            </a:pPr>
+            <a:r>
+              <a:t>Practical applications and case studies of Current Topic</a:t>
             </a:r>
           </a:p>
         </p:txBody>
@@ -3704,6 +3357,14 @@
 <file path=ppt/slides/slide2.xml><?xml version="1.0" encoding="utf-8"?>
 <p:sld xmlns:a="http://schemas.openxmlformats.org/drawingml/2006/main" xmlns:p="http://schemas.openxmlformats.org/presentationml/2006/main" xmlns:r="http://schemas.openxmlformats.org/officeDocument/2006/relationships">
   <p:cSld>
+    <p:bg>
+      <p:bgPr>
+        <a:solidFill>
+          <a:srgbClr val="F5FFFA"/>
+        </a:solidFill>
+        <a:effectLst/>
+      </p:bgPr>
+    </p:bg>
     <p:spTree>
       <p:nvGrpSpPr>
         <p:cNvPr id="1" name=""/>
@@ -3727,44 +3388,32 @@
           <a:lstStyle/>
           <a:p>
             <a:r>
-              <a:t>营养与平衡膳食</a:t>
-            </a:r>
-          </a:p>
-        </p:txBody>
-      </p:sp>
-      <p:sp>
-        <p:nvSpPr>
-          <p:cNvPr id="3" name="Content Placeholder 2"/>
-          <p:cNvSpPr>
-            <a:spLocks noGrp="1"/>
-          </p:cNvSpPr>
-          <p:nvPr>
-            <p:ph idx="1"/>
-          </p:nvPr>
-        </p:nvSpPr>
-        <p:spPr/>
-        <p:txBody>
-          <a:bodyPr wrap="square"/>
+              <a:rPr>
+                <a:solidFill>
+                  <a:srgbClr val="228B22"/>
+                </a:solidFill>
+                <a:latin typeface="Georgia"/>
+              </a:rPr>
+              <a:t>Fundamentals of Current Topic</a:t>
+            </a:r>
+          </a:p>
+        </p:txBody>
+      </p:sp>
+      <p:sp>
+        <p:nvSpPr>
+          <p:cNvPr id="3" name="Text Placeholder 2"/>
+          <p:cNvSpPr>
+            <a:spLocks noGrp="1"/>
+          </p:cNvSpPr>
+          <p:nvPr>
+            <p:ph type="body" idx="1"/>
+          </p:nvPr>
+        </p:nvSpPr>
+        <p:spPr/>
+        <p:txBody>
+          <a:bodyPr/>
           <a:lstStyle/>
           <a:p/>
-          <a:p>
-            <a:pPr/>
-            <a:r>
-              <a:t>增加蔬菜、水果和全谷物的摄入</a:t>
-            </a:r>
-          </a:p>
-          <a:p>
-            <a:pPr/>
-            <a:r>
-              <a:t>控制糖分、盐分和加工食品的摄入</a:t>
-            </a:r>
-          </a:p>
-          <a:p>
-            <a:pPr/>
-            <a:r>
-              <a:t>保持充足的水分摄入，建议每日 8 杯水</a:t>
-            </a:r>
-          </a:p>
         </p:txBody>
       </p:sp>
     </p:spTree>
@@ -3778,6 +3427,14 @@
 <file path=ppt/slides/slide3.xml><?xml version="1.0" encoding="utf-8"?>
 <p:sld xmlns:a="http://schemas.openxmlformats.org/drawingml/2006/main" xmlns:p="http://schemas.openxmlformats.org/presentationml/2006/main" xmlns:r="http://schemas.openxmlformats.org/officeDocument/2006/relationships">
   <p:cSld>
+    <p:bg>
+      <p:bgPr>
+        <a:solidFill>
+          <a:srgbClr val="F5FFFA"/>
+        </a:solidFill>
+        <a:effectLst/>
+      </p:bgPr>
+    </p:bg>
     <p:spTree>
       <p:nvGrpSpPr>
         <p:cNvPr id="1" name=""/>
@@ -3801,7 +3458,13 @@
           <a:lstStyle/>
           <a:p>
             <a:r>
-              <a:t>运动与身体活动</a:t>
+              <a:rPr>
+                <a:solidFill>
+                  <a:srgbClr val="228B22"/>
+                </a:solidFill>
+                <a:latin typeface="Georgia"/>
+              </a:rPr>
+              <a:t>Overview of Current Topic</a:t>
             </a:r>
           </a:p>
         </p:txBody>
@@ -3824,19 +3487,37 @@
           <a:p>
             <a:pPr/>
             <a:r>
-              <a:t>每周至少 150 分钟的中等强度有氧运动</a:t>
+              <a:rPr>
+                <a:solidFill>
+                  <a:srgbClr val="325032"/>
+                </a:solidFill>
+                <a:latin typeface="Georgia"/>
+              </a:rPr>
+              <a:t>Key innovation and strategic importance of Current Topic</a:t>
             </a:r>
           </a:p>
           <a:p>
             <a:pPr/>
             <a:r>
-              <a:t>结合力量训练以增强肌肉和骨骼健康</a:t>
+              <a:rPr>
+                <a:solidFill>
+                  <a:srgbClr val="325032"/>
+                </a:solidFill>
+                <a:latin typeface="Georgia"/>
+              </a:rPr>
+              <a:t>Global impact and future trends in Current Topic</a:t>
             </a:r>
           </a:p>
           <a:p>
             <a:pPr/>
             <a:r>
-              <a:t>避免长时间久坐，每小时站立活动</a:t>
+              <a:rPr>
+                <a:solidFill>
+                  <a:srgbClr val="325032"/>
+                </a:solidFill>
+                <a:latin typeface="Georgia"/>
+              </a:rPr>
+              <a:t>Practical applications and case studies of Current Topic</a:t>
             </a:r>
           </a:p>
         </p:txBody>
@@ -3852,6 +3533,14 @@
 <file path=ppt/slides/slide4.xml><?xml version="1.0" encoding="utf-8"?>
 <p:sld xmlns:a="http://schemas.openxmlformats.org/drawingml/2006/main" xmlns:p="http://schemas.openxmlformats.org/presentationml/2006/main" xmlns:r="http://schemas.openxmlformats.org/officeDocument/2006/relationships">
   <p:cSld>
+    <p:bg>
+      <p:bgPr>
+        <a:solidFill>
+          <a:srgbClr val="F5FFFA"/>
+        </a:solidFill>
+        <a:effectLst/>
+      </p:bgPr>
+    </p:bg>
     <p:spTree>
       <p:nvGrpSpPr>
         <p:cNvPr id="1" name=""/>
@@ -3875,7 +3564,13 @@
           <a:lstStyle/>
           <a:p>
             <a:r>
-              <a:t>心理健康与压力管理</a:t>
+              <a:rPr>
+                <a:solidFill>
+                  <a:srgbClr val="228B22"/>
+                </a:solidFill>
+                <a:latin typeface="Georgia"/>
+              </a:rPr>
+              <a:t>Overview of Current Topic</a:t>
             </a:r>
           </a:p>
         </p:txBody>
@@ -3898,19 +3593,495 @@
           <a:p>
             <a:pPr/>
             <a:r>
-              <a:t>保证每晚 7-9 小时的优质睡眠</a:t>
+              <a:rPr>
+                <a:solidFill>
+                  <a:srgbClr val="325032"/>
+                </a:solidFill>
+                <a:latin typeface="Georgia"/>
+              </a:rPr>
+              <a:t>Key innovation and strategic importance of Current Topic</a:t>
             </a:r>
           </a:p>
           <a:p>
             <a:pPr/>
             <a:r>
-              <a:t>练习冥想或深呼吸以缓解焦虑</a:t>
+              <a:rPr>
+                <a:solidFill>
+                  <a:srgbClr val="325032"/>
+                </a:solidFill>
+                <a:latin typeface="Georgia"/>
+              </a:rPr>
+              <a:t>Global impact and future trends in Current Topic</a:t>
             </a:r>
           </a:p>
           <a:p>
             <a:pPr/>
             <a:r>
-              <a:t>培养兴趣爱好，保持积极的社交联系</a:t>
+              <a:rPr>
+                <a:solidFill>
+                  <a:srgbClr val="325032"/>
+                </a:solidFill>
+                <a:latin typeface="Georgia"/>
+              </a:rPr>
+              <a:t>Practical applications and case studies of Current Topic</a:t>
+            </a:r>
+          </a:p>
+        </p:txBody>
+      </p:sp>
+    </p:spTree>
+  </p:cSld>
+  <p:clrMapOvr>
+    <a:masterClrMapping/>
+  </p:clrMapOvr>
+</p:sld>
+</file>
+
+<file path=ppt/slides/slide5.xml><?xml version="1.0" encoding="utf-8"?>
+<p:sld xmlns:a="http://schemas.openxmlformats.org/drawingml/2006/main" xmlns:p="http://schemas.openxmlformats.org/presentationml/2006/main" xmlns:r="http://schemas.openxmlformats.org/officeDocument/2006/relationships">
+  <p:cSld>
+    <p:bg>
+      <p:bgPr>
+        <a:solidFill>
+          <a:srgbClr val="F5FFFA"/>
+        </a:solidFill>
+        <a:effectLst/>
+      </p:bgPr>
+    </p:bg>
+    <p:spTree>
+      <p:nvGrpSpPr>
+        <p:cNvPr id="1" name=""/>
+        <p:cNvGrpSpPr/>
+        <p:nvPr/>
+      </p:nvGrpSpPr>
+      <p:grpSpPr/>
+      <p:sp>
+        <p:nvSpPr>
+          <p:cNvPr id="2" name="Title 1"/>
+          <p:cNvSpPr>
+            <a:spLocks noGrp="1"/>
+          </p:cNvSpPr>
+          <p:nvPr>
+            <p:ph type="title"/>
+          </p:nvPr>
+        </p:nvSpPr>
+        <p:spPr/>
+        <p:txBody>
+          <a:bodyPr/>
+          <a:lstStyle/>
+          <a:p>
+            <a:r>
+              <a:rPr>
+                <a:solidFill>
+                  <a:srgbClr val="228B22"/>
+                </a:solidFill>
+                <a:latin typeface="Georgia"/>
+              </a:rPr>
+              <a:t>Advanced Applications: Current Topic</a:t>
+            </a:r>
+          </a:p>
+        </p:txBody>
+      </p:sp>
+      <p:sp>
+        <p:nvSpPr>
+          <p:cNvPr id="3" name="Text Placeholder 2"/>
+          <p:cNvSpPr>
+            <a:spLocks noGrp="1"/>
+          </p:cNvSpPr>
+          <p:nvPr>
+            <p:ph type="body" idx="1"/>
+          </p:nvPr>
+        </p:nvSpPr>
+        <p:spPr/>
+        <p:txBody>
+          <a:bodyPr/>
+          <a:lstStyle/>
+          <a:p/>
+        </p:txBody>
+      </p:sp>
+    </p:spTree>
+  </p:cSld>
+  <p:clrMapOvr>
+    <a:masterClrMapping/>
+  </p:clrMapOvr>
+</p:sld>
+</file>
+
+<file path=ppt/slides/slide6.xml><?xml version="1.0" encoding="utf-8"?>
+<p:sld xmlns:a="http://schemas.openxmlformats.org/drawingml/2006/main" xmlns:p="http://schemas.openxmlformats.org/presentationml/2006/main" xmlns:r="http://schemas.openxmlformats.org/officeDocument/2006/relationships">
+  <p:cSld>
+    <p:bg>
+      <p:bgPr>
+        <a:solidFill>
+          <a:srgbClr val="F5FFFA"/>
+        </a:solidFill>
+        <a:effectLst/>
+      </p:bgPr>
+    </p:bg>
+    <p:spTree>
+      <p:nvGrpSpPr>
+        <p:cNvPr id="1" name=""/>
+        <p:cNvGrpSpPr/>
+        <p:nvPr/>
+      </p:nvGrpSpPr>
+      <p:grpSpPr/>
+      <p:sp>
+        <p:nvSpPr>
+          <p:cNvPr id="2" name="Title 1"/>
+          <p:cNvSpPr>
+            <a:spLocks noGrp="1"/>
+          </p:cNvSpPr>
+          <p:nvPr>
+            <p:ph type="title"/>
+          </p:nvPr>
+        </p:nvSpPr>
+        <p:spPr/>
+        <p:txBody>
+          <a:bodyPr/>
+          <a:lstStyle/>
+          <a:p>
+            <a:r>
+              <a:rPr>
+                <a:solidFill>
+                  <a:srgbClr val="228B22"/>
+                </a:solidFill>
+                <a:latin typeface="Georgia"/>
+              </a:rPr>
+              <a:t>Overview of Current Topic</a:t>
+            </a:r>
+          </a:p>
+        </p:txBody>
+      </p:sp>
+      <p:sp>
+        <p:nvSpPr>
+          <p:cNvPr id="3" name="Content Placeholder 2"/>
+          <p:cNvSpPr>
+            <a:spLocks noGrp="1"/>
+          </p:cNvSpPr>
+          <p:nvPr>
+            <p:ph idx="1"/>
+          </p:nvPr>
+        </p:nvSpPr>
+        <p:spPr/>
+        <p:txBody>
+          <a:bodyPr wrap="square"/>
+          <a:lstStyle/>
+          <a:p/>
+          <a:p>
+            <a:pPr/>
+            <a:r>
+              <a:rPr>
+                <a:solidFill>
+                  <a:srgbClr val="325032"/>
+                </a:solidFill>
+                <a:latin typeface="Georgia"/>
+              </a:rPr>
+              <a:t>Key innovation and strategic importance of Current Topic</a:t>
+            </a:r>
+          </a:p>
+          <a:p>
+            <a:pPr/>
+            <a:r>
+              <a:rPr>
+                <a:solidFill>
+                  <a:srgbClr val="325032"/>
+                </a:solidFill>
+                <a:latin typeface="Georgia"/>
+              </a:rPr>
+              <a:t>Global impact and future trends in Current Topic</a:t>
+            </a:r>
+          </a:p>
+          <a:p>
+            <a:pPr/>
+            <a:r>
+              <a:rPr>
+                <a:solidFill>
+                  <a:srgbClr val="325032"/>
+                </a:solidFill>
+                <a:latin typeface="Georgia"/>
+              </a:rPr>
+              <a:t>Practical applications and case studies of Current Topic</a:t>
+            </a:r>
+          </a:p>
+        </p:txBody>
+      </p:sp>
+    </p:spTree>
+  </p:cSld>
+  <p:clrMapOvr>
+    <a:masterClrMapping/>
+  </p:clrMapOvr>
+</p:sld>
+</file>
+
+<file path=ppt/slides/slide7.xml><?xml version="1.0" encoding="utf-8"?>
+<p:sld xmlns:a="http://schemas.openxmlformats.org/drawingml/2006/main" xmlns:p="http://schemas.openxmlformats.org/presentationml/2006/main" xmlns:r="http://schemas.openxmlformats.org/officeDocument/2006/relationships">
+  <p:cSld>
+    <p:bg>
+      <p:bgPr>
+        <a:solidFill>
+          <a:srgbClr val="F5FFFA"/>
+        </a:solidFill>
+        <a:effectLst/>
+      </p:bgPr>
+    </p:bg>
+    <p:spTree>
+      <p:nvGrpSpPr>
+        <p:cNvPr id="1" name=""/>
+        <p:cNvGrpSpPr/>
+        <p:nvPr/>
+      </p:nvGrpSpPr>
+      <p:grpSpPr/>
+      <p:sp>
+        <p:nvSpPr>
+          <p:cNvPr id="2" name="Title 1"/>
+          <p:cNvSpPr>
+            <a:spLocks noGrp="1"/>
+          </p:cNvSpPr>
+          <p:nvPr>
+            <p:ph type="title"/>
+          </p:nvPr>
+        </p:nvSpPr>
+        <p:spPr/>
+        <p:txBody>
+          <a:bodyPr/>
+          <a:lstStyle/>
+          <a:p>
+            <a:r>
+              <a:rPr>
+                <a:solidFill>
+                  <a:srgbClr val="228B22"/>
+                </a:solidFill>
+                <a:latin typeface="Georgia"/>
+              </a:rPr>
+              <a:t>Overview of Current Topic</a:t>
+            </a:r>
+          </a:p>
+        </p:txBody>
+      </p:sp>
+      <p:sp>
+        <p:nvSpPr>
+          <p:cNvPr id="3" name="Content Placeholder 2"/>
+          <p:cNvSpPr>
+            <a:spLocks noGrp="1"/>
+          </p:cNvSpPr>
+          <p:nvPr>
+            <p:ph idx="1"/>
+          </p:nvPr>
+        </p:nvSpPr>
+        <p:spPr/>
+        <p:txBody>
+          <a:bodyPr wrap="square"/>
+          <a:lstStyle/>
+          <a:p/>
+          <a:p>
+            <a:pPr/>
+            <a:r>
+              <a:rPr>
+                <a:solidFill>
+                  <a:srgbClr val="325032"/>
+                </a:solidFill>
+                <a:latin typeface="Georgia"/>
+              </a:rPr>
+              <a:t>Key innovation and strategic importance of Current Topic</a:t>
+            </a:r>
+          </a:p>
+          <a:p>
+            <a:pPr/>
+            <a:r>
+              <a:rPr>
+                <a:solidFill>
+                  <a:srgbClr val="325032"/>
+                </a:solidFill>
+                <a:latin typeface="Georgia"/>
+              </a:rPr>
+              <a:t>Global impact and future trends in Current Topic</a:t>
+            </a:r>
+          </a:p>
+          <a:p>
+            <a:pPr/>
+            <a:r>
+              <a:rPr>
+                <a:solidFill>
+                  <a:srgbClr val="325032"/>
+                </a:solidFill>
+                <a:latin typeface="Georgia"/>
+              </a:rPr>
+              <a:t>Practical applications and case studies of Current Topic</a:t>
+            </a:r>
+          </a:p>
+        </p:txBody>
+      </p:sp>
+    </p:spTree>
+  </p:cSld>
+  <p:clrMapOvr>
+    <a:masterClrMapping/>
+  </p:clrMapOvr>
+</p:sld>
+</file>
+
+<file path=ppt/slides/slide8.xml><?xml version="1.0" encoding="utf-8"?>
+<p:sld xmlns:a="http://schemas.openxmlformats.org/drawingml/2006/main" xmlns:p="http://schemas.openxmlformats.org/presentationml/2006/main" xmlns:r="http://schemas.openxmlformats.org/officeDocument/2006/relationships">
+  <p:cSld>
+    <p:bg>
+      <p:bgPr>
+        <a:solidFill>
+          <a:srgbClr val="F5FFFA"/>
+        </a:solidFill>
+        <a:effectLst/>
+      </p:bgPr>
+    </p:bg>
+    <p:spTree>
+      <p:nvGrpSpPr>
+        <p:cNvPr id="1" name=""/>
+        <p:cNvGrpSpPr/>
+        <p:nvPr/>
+      </p:nvGrpSpPr>
+      <p:grpSpPr/>
+      <p:sp>
+        <p:nvSpPr>
+          <p:cNvPr id="2" name="Title 1"/>
+          <p:cNvSpPr>
+            <a:spLocks noGrp="1"/>
+          </p:cNvSpPr>
+          <p:nvPr>
+            <p:ph type="title"/>
+          </p:nvPr>
+        </p:nvSpPr>
+        <p:spPr/>
+        <p:txBody>
+          <a:bodyPr/>
+          <a:lstStyle/>
+          <a:p>
+            <a:r>
+              <a:rPr>
+                <a:solidFill>
+                  <a:srgbClr val="228B22"/>
+                </a:solidFill>
+                <a:latin typeface="Georgia"/>
+              </a:rPr>
+              <a:t>The Future of Current Topic</a:t>
+            </a:r>
+          </a:p>
+        </p:txBody>
+      </p:sp>
+      <p:sp>
+        <p:nvSpPr>
+          <p:cNvPr id="3" name="Text Placeholder 2"/>
+          <p:cNvSpPr>
+            <a:spLocks noGrp="1"/>
+          </p:cNvSpPr>
+          <p:nvPr>
+            <p:ph type="body" idx="1"/>
+          </p:nvPr>
+        </p:nvSpPr>
+        <p:spPr/>
+        <p:txBody>
+          <a:bodyPr/>
+          <a:lstStyle/>
+          <a:p/>
+        </p:txBody>
+      </p:sp>
+    </p:spTree>
+  </p:cSld>
+  <p:clrMapOvr>
+    <a:masterClrMapping/>
+  </p:clrMapOvr>
+</p:sld>
+</file>
+
+<file path=ppt/slides/slide9.xml><?xml version="1.0" encoding="utf-8"?>
+<p:sld xmlns:a="http://schemas.openxmlformats.org/drawingml/2006/main" xmlns:p="http://schemas.openxmlformats.org/presentationml/2006/main" xmlns:r="http://schemas.openxmlformats.org/officeDocument/2006/relationships">
+  <p:cSld>
+    <p:bg>
+      <p:bgPr>
+        <a:solidFill>
+          <a:srgbClr val="F5FFFA"/>
+        </a:solidFill>
+        <a:effectLst/>
+      </p:bgPr>
+    </p:bg>
+    <p:spTree>
+      <p:nvGrpSpPr>
+        <p:cNvPr id="1" name=""/>
+        <p:cNvGrpSpPr/>
+        <p:nvPr/>
+      </p:nvGrpSpPr>
+      <p:grpSpPr/>
+      <p:sp>
+        <p:nvSpPr>
+          <p:cNvPr id="2" name="Title 1"/>
+          <p:cNvSpPr>
+            <a:spLocks noGrp="1"/>
+          </p:cNvSpPr>
+          <p:nvPr>
+            <p:ph type="title"/>
+          </p:nvPr>
+        </p:nvSpPr>
+        <p:spPr/>
+        <p:txBody>
+          <a:bodyPr/>
+          <a:lstStyle/>
+          <a:p>
+            <a:r>
+              <a:rPr>
+                <a:solidFill>
+                  <a:srgbClr val="228B22"/>
+                </a:solidFill>
+                <a:latin typeface="Georgia"/>
+              </a:rPr>
+              <a:t>Overview of Current Topic</a:t>
+            </a:r>
+          </a:p>
+        </p:txBody>
+      </p:sp>
+      <p:sp>
+        <p:nvSpPr>
+          <p:cNvPr id="3" name="Content Placeholder 2"/>
+          <p:cNvSpPr>
+            <a:spLocks noGrp="1"/>
+          </p:cNvSpPr>
+          <p:nvPr>
+            <p:ph idx="1"/>
+          </p:nvPr>
+        </p:nvSpPr>
+        <p:spPr/>
+        <p:txBody>
+          <a:bodyPr wrap="square"/>
+          <a:lstStyle/>
+          <a:p/>
+          <a:p>
+            <a:pPr/>
+            <a:r>
+              <a:rPr>
+                <a:solidFill>
+                  <a:srgbClr val="325032"/>
+                </a:solidFill>
+                <a:latin typeface="Georgia"/>
+              </a:rPr>
+              <a:t>Key innovation and strategic importance of Current Topic</a:t>
+            </a:r>
+          </a:p>
+          <a:p>
+            <a:pPr/>
+            <a:r>
+              <a:rPr>
+                <a:solidFill>
+                  <a:srgbClr val="325032"/>
+                </a:solidFill>
+                <a:latin typeface="Georgia"/>
+              </a:rPr>
+              <a:t>Global impact and future trends in Current Topic</a:t>
+            </a:r>
+          </a:p>
+          <a:p>
+            <a:pPr/>
+            <a:r>
+              <a:rPr>
+                <a:solidFill>
+                  <a:srgbClr val="325032"/>
+                </a:solidFill>
+                <a:latin typeface="Georgia"/>
+              </a:rPr>
+              <a:t>Practical applications and case studies of Current Topic</a:t>
             </a:r>
           </a:p>
         </p:txBody>
@@ -4241,324 +4412,4 @@
   </a:objectDefaults>
   <a:extraClrSchemeLst/>
 </a:theme>
-</file>
-
-<file path=ppt/theme/theme2.xml><?xml version="1.0" encoding="utf-8"?>
-<a:theme xmlns:a="http://schemas.openxmlformats.org/drawingml/2006/main" name="Office Theme">
-  <a:themeElements>
-    <a:clrScheme name="Office">
-      <a:dk1>
-        <a:sysClr val="windowText" lastClr="000000"/>
-      </a:dk1>
-      <a:lt1>
-        <a:sysClr val="window" lastClr="FFFFFF"/>
-      </a:lt1>
-      <a:dk2>
-        <a:srgbClr val="1F497D"/>
-      </a:dk2>
-      <a:lt2>
-        <a:srgbClr val="EEECE1"/>
-      </a:lt2>
-      <a:accent1>
-        <a:srgbClr val="4F81BD"/>
-      </a:accent1>
-      <a:accent2>
-        <a:srgbClr val="C0504D"/>
-      </a:accent2>
-      <a:accent3>
-        <a:srgbClr val="9BBB59"/>
-      </a:accent3>
-      <a:accent4>
-        <a:srgbClr val="8064A2"/>
-      </a:accent4>
-      <a:accent5>
-        <a:srgbClr val="4BACC6"/>
-      </a:accent5>
-      <a:accent6>
-        <a:srgbClr val="F79646"/>
-      </a:accent6>
-      <a:hlink>
-        <a:srgbClr val="0000FF"/>
-      </a:hlink>
-      <a:folHlink>
-        <a:srgbClr val="800080"/>
-      </a:folHlink>
-    </a:clrScheme>
-    <a:fontScheme name="Office">
-      <a:majorFont>
-        <a:latin typeface="Calibri"/>
-        <a:ea typeface=""/>
-        <a:cs typeface=""/>
-        <a:font script="Jpan" typeface="ＭＳ Ｐゴシック"/>
-        <a:font script="Hang" typeface="맑은 고딕"/>
-        <a:font script="Hans" typeface="宋体"/>
-        <a:font script="Hant" typeface="新細明體"/>
-        <a:font script="Arab" typeface="Times New Roman"/>
-        <a:font script="Hebr" typeface="Times New Roman"/>
-        <a:font script="Thai" typeface="Angsana New"/>
-        <a:font script="Ethi" typeface="Nyala"/>
-        <a:font script="Beng" typeface="Vrinda"/>
-        <a:font script="Gujr" typeface="Shruti"/>
-        <a:font script="Khmr" typeface="MoolBoran"/>
-        <a:font script="Knda" typeface="Tunga"/>
-        <a:font script="Guru" typeface="Raavi"/>
-        <a:font script="Cans" typeface="Euphemia"/>
-        <a:font script="Cher" typeface="Plantagenet Cherokee"/>
-        <a:font script="Yiii" typeface="Microsoft Yi Baiti"/>
-        <a:font script="Tibt" typeface="Microsoft Himalaya"/>
-        <a:font script="Thaa" typeface="MV Boli"/>
-        <a:font script="Deva" typeface="Mangal"/>
-        <a:font script="Telu" typeface="Gautami"/>
-        <a:font script="Taml" typeface="Latha"/>
-        <a:font script="Syrc" typeface="Estrangelo Edessa"/>
-        <a:font script="Orya" typeface="Kalinga"/>
-        <a:font script="Mlym" typeface="Kartika"/>
-        <a:font script="Laoo" typeface="DokChampa"/>
-        <a:font script="Sinh" typeface="Iskoola Pota"/>
-        <a:font script="Mong" typeface="Mongolian Baiti"/>
-        <a:font script="Viet" typeface="Times New Roman"/>
-        <a:font script="Uigh" typeface="Microsoft Uighur"/>
-        <a:font script="Geor" typeface="Sylfaen"/>
-      </a:majorFont>
-      <a:minorFont>
-        <a:latin typeface="Calibri"/>
-        <a:ea typeface=""/>
-        <a:cs typeface=""/>
-        <a:font script="Jpan" typeface="ＭＳ Ｐゴシック"/>
-        <a:font script="Hang" typeface="맑은 고딕"/>
-        <a:font script="Hans" typeface="宋体"/>
-        <a:font script="Hant" typeface="新細明體"/>
-        <a:font script="Arab" typeface="Arial"/>
-        <a:font script="Hebr" typeface="Arial"/>
-        <a:font script="Thai" typeface="Cordia New"/>
-        <a:font script="Ethi" typeface="Nyala"/>
-        <a:font script="Beng" typeface="Vrinda"/>
-        <a:font script="Gujr" typeface="Shruti"/>
-        <a:font script="Khmr" typeface="DaunPenh"/>
-        <a:font script="Knda" typeface="Tunga"/>
-        <a:font script="Guru" typeface="Raavi"/>
-        <a:font script="Cans" typeface="Euphemia"/>
-        <a:font script="Cher" typeface="Plantagenet Cherokee"/>
-        <a:font script="Yiii" typeface="Microsoft Yi Baiti"/>
-        <a:font script="Tibt" typeface="Microsoft Himalaya"/>
-        <a:font script="Thaa" typeface="MV Boli"/>
-        <a:font script="Deva" typeface="Mangal"/>
-        <a:font script="Telu" typeface="Gautami"/>
-        <a:font script="Taml" typeface="Latha"/>
-        <a:font script="Syrc" typeface="Estrangelo Edessa"/>
-        <a:font script="Orya" typeface="Kalinga"/>
-        <a:font script="Mlym" typeface="Kartika"/>
-        <a:font script="Laoo" typeface="DokChampa"/>
-        <a:font script="Sinh" typeface="Iskoola Pota"/>
-        <a:font script="Mong" typeface="Mongolian Baiti"/>
-        <a:font script="Viet" typeface="Arial"/>
-        <a:font script="Uigh" typeface="Microsoft Uighur"/>
-        <a:font script="Geor" typeface="Sylfaen"/>
-      </a:minorFont>
-    </a:fontScheme>
-    <a:fmtScheme name="Office">
-      <a:fillStyleLst>
-        <a:solidFill>
-          <a:schemeClr val="phClr"/>
-        </a:solidFill>
-        <a:gradFill rotWithShape="1">
-          <a:gsLst>
-            <a:gs pos="0">
-              <a:schemeClr val="phClr">
-                <a:tint val="50000"/>
-                <a:satMod val="300000"/>
-              </a:schemeClr>
-            </a:gs>
-            <a:gs pos="35000">
-              <a:schemeClr val="phClr">
-                <a:tint val="37000"/>
-                <a:satMod val="300000"/>
-              </a:schemeClr>
-            </a:gs>
-            <a:gs pos="100000">
-              <a:schemeClr val="phClr">
-                <a:tint val="15000"/>
-                <a:satMod val="350000"/>
-              </a:schemeClr>
-            </a:gs>
-          </a:gsLst>
-          <a:lin ang="16200000" scaled="1"/>
-        </a:gradFill>
-        <a:gradFill rotWithShape="1">
-          <a:gsLst>
-            <a:gs pos="0">
-              <a:schemeClr val="phClr">
-                <a:tint val="100000"/>
-                <a:shade val="100000"/>
-                <a:satMod val="130000"/>
-              </a:schemeClr>
-            </a:gs>
-            <a:gs pos="100000">
-              <a:schemeClr val="phClr">
-                <a:tint val="50000"/>
-                <a:shade val="100000"/>
-                <a:satMod val="350000"/>
-              </a:schemeClr>
-            </a:gs>
-          </a:gsLst>
-          <a:lin ang="16200000" scaled="0"/>
-        </a:gradFill>
-      </a:fillStyleLst>
-      <a:lnStyleLst>
-        <a:ln w="9525" cap="flat" cmpd="sng" algn="ctr">
-          <a:solidFill>
-            <a:schemeClr val="phClr">
-              <a:shade val="95000"/>
-              <a:satMod val="105000"/>
-            </a:schemeClr>
-          </a:solidFill>
-          <a:prstDash val="solid"/>
-        </a:ln>
-        <a:ln w="25400" cap="flat" cmpd="sng" algn="ctr">
-          <a:solidFill>
-            <a:schemeClr val="phClr"/>
-          </a:solidFill>
-          <a:prstDash val="solid"/>
-        </a:ln>
-        <a:ln w="38100" cap="flat" cmpd="sng" algn="ctr">
-          <a:solidFill>
-            <a:schemeClr val="phClr"/>
-          </a:solidFill>
-          <a:prstDash val="solid"/>
-        </a:ln>
-      </a:lnStyleLst>
-      <a:effectStyleLst>
-        <a:effectStyle>
-          <a:effectLst>
-            <a:outerShdw blurRad="40000" dist="20000" dir="5400000" rotWithShape="0">
-              <a:srgbClr val="000000">
-                <a:alpha val="38000"/>
-              </a:srgbClr>
-            </a:outerShdw>
-          </a:effectLst>
-        </a:effectStyle>
-        <a:effectStyle>
-          <a:effectLst>
-            <a:outerShdw blurRad="40000" dist="23000" dir="5400000" rotWithShape="0">
-              <a:srgbClr val="000000">
-                <a:alpha val="35000"/>
-              </a:srgbClr>
-            </a:outerShdw>
-          </a:effectLst>
-        </a:effectStyle>
-        <a:effectStyle>
-          <a:effectLst>
-            <a:outerShdw blurRad="40000" dist="23000" dir="5400000" rotWithShape="0">
-              <a:srgbClr val="000000">
-                <a:alpha val="35000"/>
-              </a:srgbClr>
-            </a:outerShdw>
-          </a:effectLst>
-          <a:scene3d>
-            <a:camera prst="orthographicFront">
-              <a:rot lat="0" lon="0" rev="0"/>
-            </a:camera>
-            <a:lightRig rig="threePt" dir="t">
-              <a:rot lat="0" lon="0" rev="1200000"/>
-            </a:lightRig>
-          </a:scene3d>
-          <a:sp3d>
-            <a:bevelT w="63500" h="25400"/>
-          </a:sp3d>
-        </a:effectStyle>
-      </a:effectStyleLst>
-      <a:bgFillStyleLst>
-        <a:solidFill>
-          <a:schemeClr val="phClr"/>
-        </a:solidFill>
-        <a:gradFill rotWithShape="1">
-          <a:gsLst>
-            <a:gs pos="0">
-              <a:schemeClr val="phClr">
-                <a:tint val="40000"/>
-                <a:satMod val="350000"/>
-              </a:schemeClr>
-            </a:gs>
-            <a:gs pos="40000">
-              <a:schemeClr val="phClr">
-                <a:tint val="45000"/>
-                <a:shade val="99000"/>
-                <a:satMod val="350000"/>
-              </a:schemeClr>
-            </a:gs>
-            <a:gs pos="100000">
-              <a:schemeClr val="phClr">
-                <a:shade val="20000"/>
-                <a:satMod val="255000"/>
-              </a:schemeClr>
-            </a:gs>
-          </a:gsLst>
-          <a:path path="circle">
-            <a:fillToRect l="50000" t="-80000" r="50000" b="180000"/>
-          </a:path>
-        </a:gradFill>
-        <a:gradFill rotWithShape="1">
-          <a:gsLst>
-            <a:gs pos="0">
-              <a:schemeClr val="phClr">
-                <a:tint val="80000"/>
-                <a:satMod val="300000"/>
-              </a:schemeClr>
-            </a:gs>
-            <a:gs pos="100000">
-              <a:schemeClr val="phClr">
-                <a:shade val="30000"/>
-                <a:satMod val="200000"/>
-              </a:schemeClr>
-            </a:gs>
-          </a:gsLst>
-          <a:path path="circle">
-            <a:fillToRect l="50000" t="50000" r="50000" b="50000"/>
-          </a:path>
-        </a:gradFill>
-      </a:bgFillStyleLst>
-    </a:fmtScheme>
-  </a:themeElements>
-  <a:objectDefaults>
-    <a:spDef>
-      <a:spPr/>
-      <a:bodyPr/>
-      <a:lstStyle/>
-      <a:style>
-        <a:lnRef idx="1">
-          <a:schemeClr val="accent1"/>
-        </a:lnRef>
-        <a:fillRef idx="3">
-          <a:schemeClr val="accent1"/>
-        </a:fillRef>
-        <a:effectRef idx="2">
-          <a:schemeClr val="accent1"/>
-        </a:effectRef>
-        <a:fontRef idx="minor">
-          <a:schemeClr val="lt1"/>
-        </a:fontRef>
-      </a:style>
-    </a:spDef>
-    <a:lnDef>
-      <a:spPr/>
-      <a:bodyPr/>
-      <a:lstStyle/>
-      <a:style>
-        <a:lnRef idx="2">
-          <a:schemeClr val="accent1"/>
-        </a:lnRef>
-        <a:fillRef idx="0">
-          <a:schemeClr val="accent1"/>
-        </a:fillRef>
-        <a:effectRef idx="1">
-          <a:schemeClr val="accent1"/>
-        </a:effectRef>
-        <a:fontRef idx="minor">
-          <a:schemeClr val="tx1"/>
-        </a:fontRef>
-      </a:style>
-    </a:lnDef>
-  </a:objectDefaults>
-  <a:extraClrSchemeLst/>
-</a:theme>
 </file>
--- a/samples/cn_life.pptx
+++ b/samples/cn_life.pptx
@@ -8,14 +8,16 @@
     <p:sldId id="256" r:id="rId7"/>
     <p:sldId id="257" r:id="rId8"/>
     <p:sldId id="258" r:id="rId9"/>
-    <p:sldId id="259" r:id="rId10"/>
-    <p:sldId id="260" r:id="rId11"/>
-    <p:sldId id="261" r:id="rId12"/>
-    <p:sldId id="262" r:id="rId13"/>
-    <p:sldId id="263" r:id="rId14"/>
-    <p:sldId id="264" r:id="rId15"/>
-    <p:sldId id="265" r:id="rId16"/>
-    <p:sldId id="266" r:id="rId17"/>
+    <p:sldId id="259" r:id="rId11"/>
+    <p:sldId id="260" r:id="rId12"/>
+    <p:sldId id="261" r:id="rId13"/>
+    <p:sldId id="262" r:id="rId14"/>
+    <p:sldId id="263" r:id="rId15"/>
+    <p:sldId id="264" r:id="rId16"/>
+    <p:sldId id="265" r:id="rId17"/>
+    <p:sldId id="266" r:id="rId18"/>
+    <p:sldId id="267" r:id="rId19"/>
+    <p:sldId id="268" r:id="rId20"/>
   </p:sldIdLst>
   <p:sldSz cx="9144000" cy="6858000" type="screen4x3"/>
   <p:notesSz cx="6858000" cy="9144000"/>
@@ -115,6 +117,706 @@
     </a:lvl9pPr>
   </p:defaultTextStyle>
 </p:presentation>
+</file>
+
+<file path=ppt/notesMasters/notesMaster1.xml><?xml version="1.0" encoding="utf-8"?>
+<p:notesMaster xmlns:a="http://schemas.openxmlformats.org/drawingml/2006/main" xmlns:p="http://schemas.openxmlformats.org/presentationml/2006/main" xmlns:r="http://schemas.openxmlformats.org/officeDocument/2006/relationships">
+  <p:cSld>
+    <p:bg>
+      <p:bgRef idx="1001">
+        <a:schemeClr val="bg1"/>
+      </p:bgRef>
+    </p:bg>
+    <p:spTree>
+      <p:nvGrpSpPr>
+        <p:cNvPr id="1" name=""/>
+        <p:cNvGrpSpPr/>
+        <p:nvPr/>
+      </p:nvGrpSpPr>
+      <p:grpSpPr>
+        <a:xfrm>
+          <a:off x="0" y="0"/>
+          <a:ext cx="0" cy="0"/>
+          <a:chOff x="0" y="0"/>
+          <a:chExt cx="0" cy="0"/>
+        </a:xfrm>
+      </p:grpSpPr>
+      <p:sp>
+        <p:nvSpPr>
+          <p:cNvPr id="2" name="Header Placeholder 1"/>
+          <p:cNvSpPr>
+            <a:spLocks noGrp="1"/>
+          </p:cNvSpPr>
+          <p:nvPr>
+            <p:ph type="hdr" sz="quarter"/>
+          </p:nvPr>
+        </p:nvSpPr>
+        <p:spPr>
+          <a:xfrm>
+            <a:off x="0" y="0"/>
+            <a:ext cx="2971800" cy="457200"/>
+          </a:xfrm>
+          <a:prstGeom prst="rect">
+            <a:avLst/>
+          </a:prstGeom>
+        </p:spPr>
+        <p:txBody>
+          <a:bodyPr vert="horz" lIns="91440" tIns="45720" rIns="91440" bIns="45720" rtlCol="0"/>
+          <a:lstStyle>
+            <a:lvl1pPr algn="l">
+              <a:defRPr sz="1200"/>
+            </a:lvl1pPr>
+          </a:lstStyle>
+          <a:p>
+            <a:endParaRPr lang="en-US"/>
+          </a:p>
+        </p:txBody>
+      </p:sp>
+      <p:sp>
+        <p:nvSpPr>
+          <p:cNvPr id="3" name="Date Placeholder 2"/>
+          <p:cNvSpPr>
+            <a:spLocks noGrp="1"/>
+          </p:cNvSpPr>
+          <p:nvPr>
+            <p:ph type="dt" idx="1"/>
+          </p:nvPr>
+        </p:nvSpPr>
+        <p:spPr>
+          <a:xfrm>
+            <a:off x="3884613" y="0"/>
+            <a:ext cx="2971800" cy="457200"/>
+          </a:xfrm>
+          <a:prstGeom prst="rect">
+            <a:avLst/>
+          </a:prstGeom>
+        </p:spPr>
+        <p:txBody>
+          <a:bodyPr vert="horz" lIns="91440" tIns="45720" rIns="91440" bIns="45720" rtlCol="0"/>
+          <a:lstStyle>
+            <a:lvl1pPr algn="r">
+              <a:defRPr sz="1200"/>
+            </a:lvl1pPr>
+          </a:lstStyle>
+          <a:p>
+            <a:fld id="{0F89C1C7-3DCD-1040-A9CF-14679D8B5DDD}" type="datetimeFigureOut">
+              <a:rPr lang="en-US" smtClean="0"/>
+              <a:t>10/17/16</a:t>
+            </a:fld>
+            <a:endParaRPr lang="en-US"/>
+          </a:p>
+        </p:txBody>
+      </p:sp>
+      <p:sp>
+        <p:nvSpPr>
+          <p:cNvPr id="4" name="Slide Image Placeholder 3"/>
+          <p:cNvSpPr>
+            <a:spLocks noGrp="1" noRot="1" noChangeAspect="1"/>
+          </p:cNvSpPr>
+          <p:nvPr>
+            <p:ph type="sldImg" idx="2"/>
+          </p:nvPr>
+        </p:nvSpPr>
+        <p:spPr>
+          <a:xfrm>
+            <a:off x="1143000" y="685800"/>
+            <a:ext cx="4572000" cy="3429000"/>
+          </a:xfrm>
+          <a:prstGeom prst="rect">
+            <a:avLst/>
+          </a:prstGeom>
+          <a:noFill/>
+          <a:ln w="12700">
+            <a:solidFill>
+              <a:prstClr val="black"/>
+            </a:solidFill>
+          </a:ln>
+        </p:spPr>
+        <p:txBody>
+          <a:bodyPr vert="horz" lIns="91440" tIns="45720" rIns="91440" bIns="45720" rtlCol="0" anchor="ctr"/>
+          <a:lstStyle/>
+          <a:p>
+            <a:endParaRPr lang="en-US"/>
+          </a:p>
+        </p:txBody>
+      </p:sp>
+      <p:sp>
+        <p:nvSpPr>
+          <p:cNvPr id="5" name="Notes Placeholder 4"/>
+          <p:cNvSpPr>
+            <a:spLocks noGrp="1"/>
+          </p:cNvSpPr>
+          <p:nvPr>
+            <p:ph type="body" sz="quarter" idx="3"/>
+          </p:nvPr>
+        </p:nvSpPr>
+        <p:spPr>
+          <a:xfrm>
+            <a:off x="685800" y="4343400"/>
+            <a:ext cx="5486400" cy="4114800"/>
+          </a:xfrm>
+          <a:prstGeom prst="rect">
+            <a:avLst/>
+          </a:prstGeom>
+        </p:spPr>
+        <p:txBody>
+          <a:bodyPr vert="horz" lIns="91440" tIns="45720" rIns="91440" bIns="45720" rtlCol="0"/>
+          <a:lstStyle/>
+          <a:p>
+            <a:pPr lvl="0"/>
+            <a:r>
+              <a:rPr lang="en-US" smtClean="0"/>
+              <a:t>Click to edit Master text styles</a:t>
+            </a:r>
+          </a:p>
+          <a:p>
+            <a:pPr lvl="1"/>
+            <a:r>
+              <a:rPr lang="en-US" smtClean="0"/>
+              <a:t>Second level</a:t>
+            </a:r>
+          </a:p>
+          <a:p>
+            <a:pPr lvl="2"/>
+            <a:r>
+              <a:rPr lang="en-US" smtClean="0"/>
+              <a:t>Third level</a:t>
+            </a:r>
+          </a:p>
+          <a:p>
+            <a:pPr lvl="3"/>
+            <a:r>
+              <a:rPr lang="en-US" smtClean="0"/>
+              <a:t>Fourth level</a:t>
+            </a:r>
+          </a:p>
+          <a:p>
+            <a:pPr lvl="4"/>
+            <a:r>
+              <a:rPr lang="en-US" smtClean="0"/>
+              <a:t>Fifth level</a:t>
+            </a:r>
+            <a:endParaRPr lang="en-US"/>
+          </a:p>
+        </p:txBody>
+      </p:sp>
+      <p:sp>
+        <p:nvSpPr>
+          <p:cNvPr id="6" name="Footer Placeholder 5"/>
+          <p:cNvSpPr>
+            <a:spLocks noGrp="1"/>
+          </p:cNvSpPr>
+          <p:nvPr>
+            <p:ph type="ftr" sz="quarter" idx="4"/>
+          </p:nvPr>
+        </p:nvSpPr>
+        <p:spPr>
+          <a:xfrm>
+            <a:off x="0" y="8685213"/>
+            <a:ext cx="2971800" cy="457200"/>
+          </a:xfrm>
+          <a:prstGeom prst="rect">
+            <a:avLst/>
+          </a:prstGeom>
+        </p:spPr>
+        <p:txBody>
+          <a:bodyPr vert="horz" lIns="91440" tIns="45720" rIns="91440" bIns="45720" rtlCol="0" anchor="b"/>
+          <a:lstStyle>
+            <a:lvl1pPr algn="l">
+              <a:defRPr sz="1200"/>
+            </a:lvl1pPr>
+          </a:lstStyle>
+          <a:p>
+            <a:endParaRPr lang="en-US"/>
+          </a:p>
+        </p:txBody>
+      </p:sp>
+      <p:sp>
+        <p:nvSpPr>
+          <p:cNvPr id="7" name="Slide Number Placeholder 6"/>
+          <p:cNvSpPr>
+            <a:spLocks noGrp="1"/>
+          </p:cNvSpPr>
+          <p:nvPr>
+            <p:ph type="sldNum" sz="quarter" idx="5"/>
+          </p:nvPr>
+        </p:nvSpPr>
+        <p:spPr>
+          <a:xfrm>
+            <a:off x="3884613" y="8685213"/>
+            <a:ext cx="2971800" cy="457200"/>
+          </a:xfrm>
+          <a:prstGeom prst="rect">
+            <a:avLst/>
+          </a:prstGeom>
+        </p:spPr>
+        <p:txBody>
+          <a:bodyPr vert="horz" lIns="91440" tIns="45720" rIns="91440" bIns="45720" rtlCol="0" anchor="b"/>
+          <a:lstStyle>
+            <a:lvl1pPr algn="r">
+              <a:defRPr sz="1200"/>
+            </a:lvl1pPr>
+          </a:lstStyle>
+          <a:p>
+            <a:fld id="{BB5E49A5-4136-284D-997B-48E1D791AD67}" type="slidenum">
+              <a:rPr lang="en-US" smtClean="0"/>
+              <a:t>‹#›</a:t>
+            </a:fld>
+            <a:endParaRPr lang="en-US"/>
+          </a:p>
+        </p:txBody>
+      </p:sp>
+    </p:spTree>
+    <p:extLst>
+      <p:ext uri="{BB962C8B-B14F-4D97-AF65-F5344CB8AC3E}">
+        <p14:creationId xmlns:p14="http://schemas.microsoft.com/office/powerpoint/2010/main" val="2623252185"/>
+      </p:ext>
+    </p:extLst>
+  </p:cSld>
+  <p:clrMap bg1="lt1" tx1="dk1" bg2="lt2" tx2="dk2" accent1="accent1" accent2="accent2" accent3="accent3" accent4="accent4" accent5="accent5" accent6="accent6" hlink="hlink" folHlink="folHlink"/>
+  <p:notesStyle>
+    <a:lvl1pPr marL="0" algn="l" defTabSz="457200" rtl="0" eaLnBrk="1" latinLnBrk="0" hangingPunct="1">
+      <a:defRPr sz="1200" kern="1200">
+        <a:solidFill>
+          <a:schemeClr val="tx1"/>
+        </a:solidFill>
+        <a:latin typeface="+mn-lt"/>
+        <a:ea typeface="+mn-ea"/>
+        <a:cs typeface="+mn-cs"/>
+      </a:defRPr>
+    </a:lvl1pPr>
+    <a:lvl2pPr marL="457200" algn="l" defTabSz="457200" rtl="0" eaLnBrk="1" latinLnBrk="0" hangingPunct="1">
+      <a:defRPr sz="1200" kern="1200">
+        <a:solidFill>
+          <a:schemeClr val="tx1"/>
+        </a:solidFill>
+        <a:latin typeface="+mn-lt"/>
+        <a:ea typeface="+mn-ea"/>
+        <a:cs typeface="+mn-cs"/>
+      </a:defRPr>
+    </a:lvl2pPr>
+    <a:lvl3pPr marL="914400" algn="l" defTabSz="457200" rtl="0" eaLnBrk="1" latinLnBrk="0" hangingPunct="1">
+      <a:defRPr sz="1200" kern="1200">
+        <a:solidFill>
+          <a:schemeClr val="tx1"/>
+        </a:solidFill>
+        <a:latin typeface="+mn-lt"/>
+        <a:ea typeface="+mn-ea"/>
+        <a:cs typeface="+mn-cs"/>
+      </a:defRPr>
+    </a:lvl3pPr>
+    <a:lvl4pPr marL="1371600" algn="l" defTabSz="457200" rtl="0" eaLnBrk="1" latinLnBrk="0" hangingPunct="1">
+      <a:defRPr sz="1200" kern="1200">
+        <a:solidFill>
+          <a:schemeClr val="tx1"/>
+        </a:solidFill>
+        <a:latin typeface="+mn-lt"/>
+        <a:ea typeface="+mn-ea"/>
+        <a:cs typeface="+mn-cs"/>
+      </a:defRPr>
+    </a:lvl4pPr>
+    <a:lvl5pPr marL="1828800" algn="l" defTabSz="457200" rtl="0" eaLnBrk="1" latinLnBrk="0" hangingPunct="1">
+      <a:defRPr sz="1200" kern="1200">
+        <a:solidFill>
+          <a:schemeClr val="tx1"/>
+        </a:solidFill>
+        <a:latin typeface="+mn-lt"/>
+        <a:ea typeface="+mn-ea"/>
+        <a:cs typeface="+mn-cs"/>
+      </a:defRPr>
+    </a:lvl5pPr>
+    <a:lvl6pPr marL="2286000" algn="l" defTabSz="457200" rtl="0" eaLnBrk="1" latinLnBrk="0" hangingPunct="1">
+      <a:defRPr sz="1200" kern="1200">
+        <a:solidFill>
+          <a:schemeClr val="tx1"/>
+        </a:solidFill>
+        <a:latin typeface="+mn-lt"/>
+        <a:ea typeface="+mn-ea"/>
+        <a:cs typeface="+mn-cs"/>
+      </a:defRPr>
+    </a:lvl6pPr>
+    <a:lvl7pPr marL="2743200" algn="l" defTabSz="457200" rtl="0" eaLnBrk="1" latinLnBrk="0" hangingPunct="1">
+      <a:defRPr sz="1200" kern="1200">
+        <a:solidFill>
+          <a:schemeClr val="tx1"/>
+        </a:solidFill>
+        <a:latin typeface="+mn-lt"/>
+        <a:ea typeface="+mn-ea"/>
+        <a:cs typeface="+mn-cs"/>
+      </a:defRPr>
+    </a:lvl7pPr>
+    <a:lvl8pPr marL="3200400" algn="l" defTabSz="457200" rtl="0" eaLnBrk="1" latinLnBrk="0" hangingPunct="1">
+      <a:defRPr sz="1200" kern="1200">
+        <a:solidFill>
+          <a:schemeClr val="tx1"/>
+        </a:solidFill>
+        <a:latin typeface="+mn-lt"/>
+        <a:ea typeface="+mn-ea"/>
+        <a:cs typeface="+mn-cs"/>
+      </a:defRPr>
+    </a:lvl8pPr>
+    <a:lvl9pPr marL="3657600" algn="l" defTabSz="457200" rtl="0" eaLnBrk="1" latinLnBrk="0" hangingPunct="1">
+      <a:defRPr sz="1200" kern="1200">
+        <a:solidFill>
+          <a:schemeClr val="tx1"/>
+        </a:solidFill>
+        <a:latin typeface="+mn-lt"/>
+        <a:ea typeface="+mn-ea"/>
+        <a:cs typeface="+mn-cs"/>
+      </a:defRPr>
+    </a:lvl9pPr>
+  </p:notesStyle>
+</p:notesMaster>
+</file>
+
+<file path=ppt/notesSlides/notesSlide1.xml><?xml version="1.0" encoding="utf-8"?>
+<p:notes xmlns:a="http://schemas.openxmlformats.org/drawingml/2006/main" xmlns:p="http://schemas.openxmlformats.org/presentationml/2006/main" xmlns:r="http://schemas.openxmlformats.org/officeDocument/2006/relationships">
+  <p:cSld>
+    <p:spTree>
+      <p:nvGrpSpPr>
+        <p:cNvPr id="1" name=""/>
+        <p:cNvGrpSpPr/>
+        <p:nvPr/>
+      </p:nvGrpSpPr>
+      <p:grpSpPr>
+        <a:xfrm>
+          <a:off x="0" y="0"/>
+          <a:ext cx="0" cy="0"/>
+          <a:chOff x="0" y="0"/>
+          <a:chExt cx="0" cy="0"/>
+        </a:xfrm>
+      </p:grpSpPr>
+      <p:sp>
+        <p:nvSpPr>
+          <p:cNvPr id="2" name="Slide Image Placeholder 1"/>
+          <p:cNvSpPr>
+            <a:spLocks noGrp="1"/>
+          </p:cNvSpPr>
+          <p:nvPr>
+            <p:ph type="sldImg" idx="2"/>
+          </p:nvPr>
+        </p:nvSpPr>
+        <p:spPr/>
+      </p:sp>
+      <p:sp>
+        <p:nvSpPr>
+          <p:cNvPr id="3" name="Notes Placeholder 2"/>
+          <p:cNvSpPr>
+            <a:spLocks noGrp="1"/>
+          </p:cNvSpPr>
+          <p:nvPr>
+            <p:ph type="body" idx="3" sz="quarter"/>
+          </p:nvPr>
+        </p:nvSpPr>
+        <p:spPr/>
+        <p:txBody>
+          <a:bodyPr/>
+          <a:lstStyle/>
+          <a:p>
+            <a:r>
+              <a:t>回顾 AI 发展的关键节点。强调深度学习和大模型的到来。引用自《AI: A Modern Approach》。</a:t>
+            </a:r>
+          </a:p>
+        </p:txBody>
+      </p:sp>
+      <p:sp>
+        <p:nvSpPr>
+          <p:cNvPr id="4" name="Slide Number Placeholder 3"/>
+          <p:cNvSpPr>
+            <a:spLocks noGrp="1"/>
+          </p:cNvSpPr>
+          <p:nvPr>
+            <p:ph type="sldNum" idx="5" sz="quarter"/>
+          </p:nvPr>
+        </p:nvSpPr>
+        <p:spPr/>
+      </p:sp>
+    </p:spTree>
+  </p:cSld>
+  <p:clrMapOvr>
+    <a:masterClrMapping/>
+  </p:clrMapOvr>
+</p:notes>
+</file>
+
+<file path=ppt/notesSlides/notesSlide2.xml><?xml version="1.0" encoding="utf-8"?>
+<p:notes xmlns:a="http://schemas.openxmlformats.org/drawingml/2006/main" xmlns:p="http://schemas.openxmlformats.org/presentationml/2006/main" xmlns:r="http://schemas.openxmlformats.org/officeDocument/2006/relationships">
+  <p:cSld>
+    <p:spTree>
+      <p:nvGrpSpPr>
+        <p:cNvPr id="1" name=""/>
+        <p:cNvGrpSpPr/>
+        <p:nvPr/>
+      </p:nvGrpSpPr>
+      <p:grpSpPr>
+        <a:xfrm>
+          <a:off x="0" y="0"/>
+          <a:ext cx="0" cy="0"/>
+          <a:chOff x="0" y="0"/>
+          <a:chExt cx="0" cy="0"/>
+        </a:xfrm>
+      </p:grpSpPr>
+      <p:sp>
+        <p:nvSpPr>
+          <p:cNvPr id="2" name="Slide Image Placeholder 1"/>
+          <p:cNvSpPr>
+            <a:spLocks noGrp="1"/>
+          </p:cNvSpPr>
+          <p:nvPr>
+            <p:ph type="sldImg" idx="2"/>
+          </p:nvPr>
+        </p:nvSpPr>
+        <p:spPr/>
+      </p:sp>
+      <p:sp>
+        <p:nvSpPr>
+          <p:cNvPr id="3" name="Notes Placeholder 2"/>
+          <p:cNvSpPr>
+            <a:spLocks noGrp="1"/>
+          </p:cNvSpPr>
+          <p:nvPr>
+            <p:ph type="body" idx="3" sz="quarter"/>
+          </p:nvPr>
+        </p:nvSpPr>
+        <p:spPr/>
+        <p:txBody>
+          <a:bodyPr/>
+          <a:lstStyle/>
+          <a:p>
+            <a:r>
+              <a:t>深入探讨 Transformer 和扩散模型。强调算力与数据的重要性。</a:t>
+            </a:r>
+          </a:p>
+        </p:txBody>
+      </p:sp>
+      <p:sp>
+        <p:nvSpPr>
+          <p:cNvPr id="4" name="Slide Number Placeholder 3"/>
+          <p:cNvSpPr>
+            <a:spLocks noGrp="1"/>
+          </p:cNvSpPr>
+          <p:nvPr>
+            <p:ph type="sldNum" idx="5" sz="quarter"/>
+          </p:nvPr>
+        </p:nvSpPr>
+        <p:spPr/>
+      </p:sp>
+    </p:spTree>
+  </p:cSld>
+  <p:clrMapOvr>
+    <a:masterClrMapping/>
+  </p:clrMapOvr>
+</p:notes>
+</file>
+
+<file path=ppt/notesSlides/notesSlide3.xml><?xml version="1.0" encoding="utf-8"?>
+<p:notes xmlns:a="http://schemas.openxmlformats.org/drawingml/2006/main" xmlns:p="http://schemas.openxmlformats.org/presentationml/2006/main" xmlns:r="http://schemas.openxmlformats.org/officeDocument/2006/relationships">
+  <p:cSld>
+    <p:spTree>
+      <p:nvGrpSpPr>
+        <p:cNvPr id="1" name=""/>
+        <p:cNvGrpSpPr/>
+        <p:nvPr/>
+      </p:nvGrpSpPr>
+      <p:grpSpPr>
+        <a:xfrm>
+          <a:off x="0" y="0"/>
+          <a:ext cx="0" cy="0"/>
+          <a:chOff x="0" y="0"/>
+          <a:chExt cx="0" cy="0"/>
+        </a:xfrm>
+      </p:grpSpPr>
+      <p:sp>
+        <p:nvSpPr>
+          <p:cNvPr id="2" name="Slide Image Placeholder 1"/>
+          <p:cNvSpPr>
+            <a:spLocks noGrp="1"/>
+          </p:cNvSpPr>
+          <p:nvPr>
+            <p:ph type="sldImg" idx="2"/>
+          </p:nvPr>
+        </p:nvSpPr>
+        <p:spPr/>
+      </p:sp>
+      <p:sp>
+        <p:nvSpPr>
+          <p:cNvPr id="3" name="Notes Placeholder 2"/>
+          <p:cNvSpPr>
+            <a:spLocks noGrp="1"/>
+          </p:cNvSpPr>
+          <p:nvPr>
+            <p:ph type="body" idx="3" sz="quarter"/>
+          </p:nvPr>
+        </p:nvSpPr>
+        <p:spPr/>
+        <p:txBody>
+          <a:bodyPr/>
+          <a:lstStyle/>
+          <a:p>
+            <a:r>
+              <a:t>展示 AI 在金融、医疗、制造等领域的实际应用效果。</a:t>
+            </a:r>
+          </a:p>
+        </p:txBody>
+      </p:sp>
+      <p:sp>
+        <p:nvSpPr>
+          <p:cNvPr id="4" name="Slide Number Placeholder 3"/>
+          <p:cNvSpPr>
+            <a:spLocks noGrp="1"/>
+          </p:cNvSpPr>
+          <p:nvPr>
+            <p:ph type="sldNum" idx="5" sz="quarter"/>
+          </p:nvPr>
+        </p:nvSpPr>
+        <p:spPr/>
+      </p:sp>
+    </p:spTree>
+  </p:cSld>
+  <p:clrMapOvr>
+    <a:masterClrMapping/>
+  </p:clrMapOvr>
+</p:notes>
+</file>
+
+<file path=ppt/notesSlides/notesSlide4.xml><?xml version="1.0" encoding="utf-8"?>
+<p:notes xmlns:a="http://schemas.openxmlformats.org/drawingml/2006/main" xmlns:p="http://schemas.openxmlformats.org/presentationml/2006/main" xmlns:r="http://schemas.openxmlformats.org/officeDocument/2006/relationships">
+  <p:cSld>
+    <p:spTree>
+      <p:nvGrpSpPr>
+        <p:cNvPr id="1" name=""/>
+        <p:cNvGrpSpPr/>
+        <p:nvPr/>
+      </p:nvGrpSpPr>
+      <p:grpSpPr>
+        <a:xfrm>
+          <a:off x="0" y="0"/>
+          <a:ext cx="0" cy="0"/>
+          <a:chOff x="0" y="0"/>
+          <a:chExt cx="0" cy="0"/>
+        </a:xfrm>
+      </p:grpSpPr>
+      <p:sp>
+        <p:nvSpPr>
+          <p:cNvPr id="2" name="Slide Image Placeholder 1"/>
+          <p:cNvSpPr>
+            <a:spLocks noGrp="1"/>
+          </p:cNvSpPr>
+          <p:nvPr>
+            <p:ph type="sldImg" idx="2"/>
+          </p:nvPr>
+        </p:nvSpPr>
+        <p:spPr/>
+      </p:sp>
+      <p:sp>
+        <p:nvSpPr>
+          <p:cNvPr id="3" name="Notes Placeholder 2"/>
+          <p:cNvSpPr>
+            <a:spLocks noGrp="1"/>
+          </p:cNvSpPr>
+          <p:nvPr>
+            <p:ph type="body" idx="3" sz="quarter"/>
+          </p:nvPr>
+        </p:nvSpPr>
+        <p:spPr/>
+        <p:txBody>
+          <a:bodyPr/>
+          <a:lstStyle/>
+          <a:p>
+            <a:r>
+              <a:t>从营养学角度分析饮食结构。参考 WHO 均衡饮食建议。</a:t>
+            </a:r>
+          </a:p>
+        </p:txBody>
+      </p:sp>
+      <p:sp>
+        <p:nvSpPr>
+          <p:cNvPr id="4" name="Slide Number Placeholder 3"/>
+          <p:cNvSpPr>
+            <a:spLocks noGrp="1"/>
+          </p:cNvSpPr>
+          <p:nvPr>
+            <p:ph type="sldNum" idx="5" sz="quarter"/>
+          </p:nvPr>
+        </p:nvSpPr>
+        <p:spPr/>
+      </p:sp>
+    </p:spTree>
+  </p:cSld>
+  <p:clrMapOvr>
+    <a:masterClrMapping/>
+  </p:clrMapOvr>
+</p:notes>
+</file>
+
+<file path=ppt/notesSlides/notesSlide5.xml><?xml version="1.0" encoding="utf-8"?>
+<p:notes xmlns:a="http://schemas.openxmlformats.org/drawingml/2006/main" xmlns:p="http://schemas.openxmlformats.org/presentationml/2006/main" xmlns:r="http://schemas.openxmlformats.org/officeDocument/2006/relationships">
+  <p:cSld>
+    <p:spTree>
+      <p:nvGrpSpPr>
+        <p:cNvPr id="1" name=""/>
+        <p:cNvGrpSpPr/>
+        <p:nvPr/>
+      </p:nvGrpSpPr>
+      <p:grpSpPr>
+        <a:xfrm>
+          <a:off x="0" y="0"/>
+          <a:ext cx="0" cy="0"/>
+          <a:chOff x="0" y="0"/>
+          <a:chExt cx="0" cy="0"/>
+        </a:xfrm>
+      </p:grpSpPr>
+      <p:sp>
+        <p:nvSpPr>
+          <p:cNvPr id="2" name="Slide Image Placeholder 1"/>
+          <p:cNvSpPr>
+            <a:spLocks noGrp="1"/>
+          </p:cNvSpPr>
+          <p:nvPr>
+            <p:ph type="sldImg" idx="2"/>
+          </p:nvPr>
+        </p:nvSpPr>
+        <p:spPr/>
+      </p:sp>
+      <p:sp>
+        <p:nvSpPr>
+          <p:cNvPr id="3" name="Notes Placeholder 2"/>
+          <p:cNvSpPr>
+            <a:spLocks noGrp="1"/>
+          </p:cNvSpPr>
+          <p:nvPr>
+            <p:ph type="body" idx="3" sz="quarter"/>
+          </p:nvPr>
+        </p:nvSpPr>
+        <p:spPr/>
+        <p:txBody>
+          <a:bodyPr/>
+          <a:lstStyle/>
+          <a:p>
+            <a:r>
+              <a:t>探讨睡眠对身心健康的影响，提供改善睡眠质量的实用建议。</a:t>
+            </a:r>
+          </a:p>
+        </p:txBody>
+      </p:sp>
+      <p:sp>
+        <p:nvSpPr>
+          <p:cNvPr id="4" name="Slide Number Placeholder 3"/>
+          <p:cNvSpPr>
+            <a:spLocks noGrp="1"/>
+          </p:cNvSpPr>
+          <p:nvPr>
+            <p:ph type="sldNum" idx="5" sz="quarter"/>
+          </p:nvPr>
+        </p:nvSpPr>
+        <p:spPr/>
+      </p:sp>
+    </p:spTree>
+  </p:cSld>
+  <p:clrMapOvr>
+    <a:masterClrMapping/>
+  </p:clrMapOvr>
+</p:notes>
 </file>
 
 <file path=ppt/slideLayouts/slideLayout1.xml><?xml version="1.0" encoding="utf-8"?>
@@ -3094,7 +3796,7 @@
     <p:bg>
       <p:bgPr>
         <a:solidFill>
-          <a:srgbClr val="F5FFFA"/>
+          <a:srgbClr val="0A0A28"/>
         </a:solidFill>
         <a:effectLst/>
       </p:bgPr>
@@ -3124,11 +3826,11 @@
             <a:r>
               <a:rPr>
                 <a:solidFill>
-                  <a:srgbClr val="228B22"/>
+                  <a:srgbClr val="0066CC"/>
                 </a:solidFill>
-                <a:latin typeface="Georgia"/>
+                <a:latin typeface="Arial"/>
               </a:rPr>
-              <a:t>Overview of Current Topic</a:t>
+              <a:t>人工智能：重塑未来的力量</a:t>
             </a:r>
           </a:p>
         </p:txBody>
@@ -3151,11 +3853,11 @@
             <a:r>
               <a:rPr>
                 <a:solidFill>
-                  <a:srgbClr val="325032"/>
+                  <a:srgbClr val="C8C8FF"/>
                 </a:solidFill>
-                <a:latin typeface="Georgia"/>
+                <a:latin typeface="Arial"/>
               </a:rPr>
-              <a:t>Topic: 健康生活方式指南</a:t>
+              <a:t>Topic: 人工智能的发展与未来</a:t>
             </a:r>
           </a:p>
         </p:txBody>
@@ -3208,7 +3910,7 @@
                 </a:solidFill>
                 <a:latin typeface="Georgia"/>
               </a:rPr>
-              <a:t>Overview of Current Topic</a:t>
+              <a:t>营养学核心原则</a:t>
             </a:r>
           </a:p>
         </p:txBody>
@@ -3237,7 +3939,7 @@
                 </a:solidFill>
                 <a:latin typeface="Georgia"/>
               </a:rPr>
-              <a:t>Key innovation and strategic importance of Current Topic</a:t>
+              <a:t>宏量营养素平衡：碳水化合物、脂肪与蛋白质的黄金摄入比例。</a:t>
             </a:r>
           </a:p>
           <a:p>
@@ -3249,7 +3951,7 @@
                 </a:solidFill>
                 <a:latin typeface="Georgia"/>
               </a:rPr>
-              <a:t>Global impact and future trends in Current Topic</a:t>
+              <a:t>微量元素的重要性：维生素与矿物质在调节生理功能中的作用。</a:t>
             </a:r>
           </a:p>
           <a:p>
@@ -3261,7 +3963,19 @@
                 </a:solidFill>
                 <a:latin typeface="Georgia"/>
               </a:rPr>
-              <a:t>Practical applications and case studies of Current Topic</a:t>
+              <a:t>控糖与低 GI 饮食：维持血糖平稳对疾病预防的长期意义。</a:t>
+            </a:r>
+          </a:p>
+          <a:p>
+            <a:pPr/>
+            <a:r>
+              <a:rPr>
+                <a:solidFill>
+                  <a:srgbClr val="325032"/>
+                </a:solidFill>
+                <a:latin typeface="Georgia"/>
+              </a:rPr>
+              <a:t>水分补充：科学的补水策略对代谢功能的正向影响。</a:t>
             </a:r>
           </a:p>
         </p:txBody>
@@ -3275,86 +3989,6 @@
 </file>
 
 <file path=ppt/slides/slide11.xml><?xml version="1.0" encoding="utf-8"?>
-<p:sld xmlns:a="http://schemas.openxmlformats.org/drawingml/2006/main" xmlns:p="http://schemas.openxmlformats.org/presentationml/2006/main" xmlns:r="http://schemas.openxmlformats.org/officeDocument/2006/relationships">
-  <p:cSld>
-    <p:spTree>
-      <p:nvGrpSpPr>
-        <p:cNvPr id="1" name=""/>
-        <p:cNvGrpSpPr/>
-        <p:nvPr/>
-      </p:nvGrpSpPr>
-      <p:grpSpPr/>
-      <p:sp>
-        <p:nvSpPr>
-          <p:cNvPr id="2" name="Title 1"/>
-          <p:cNvSpPr>
-            <a:spLocks noGrp="1"/>
-          </p:cNvSpPr>
-          <p:nvPr>
-            <p:ph type="title"/>
-          </p:nvPr>
-        </p:nvSpPr>
-        <p:spPr/>
-        <p:txBody>
-          <a:bodyPr/>
-          <a:lstStyle/>
-          <a:p>
-            <a:r>
-              <a:t>References</a:t>
-            </a:r>
-          </a:p>
-        </p:txBody>
-      </p:sp>
-      <p:sp>
-        <p:nvSpPr>
-          <p:cNvPr id="3" name="Content Placeholder 2"/>
-          <p:cNvSpPr>
-            <a:spLocks noGrp="1"/>
-          </p:cNvSpPr>
-          <p:nvPr>
-            <p:ph idx="1"/>
-          </p:nvPr>
-        </p:nvSpPr>
-        <p:spPr/>
-        <p:txBody>
-          <a:bodyPr/>
-          <a:lstStyle/>
-          <a:p/>
-          <a:p>
-            <a:pPr>
-              <a:defRPr sz="1200"/>
-            </a:pPr>
-            <a:r>
-              <a:t>Key innovation and strategic importance of Current Topic</a:t>
-            </a:r>
-          </a:p>
-          <a:p>
-            <a:pPr>
-              <a:defRPr sz="1200"/>
-            </a:pPr>
-            <a:r>
-              <a:t>Global impact and future trends in Current Topic</a:t>
-            </a:r>
-          </a:p>
-          <a:p>
-            <a:pPr>
-              <a:defRPr sz="1200"/>
-            </a:pPr>
-            <a:r>
-              <a:t>Practical applications and case studies of Current Topic</a:t>
-            </a:r>
-          </a:p>
-        </p:txBody>
-      </p:sp>
-    </p:spTree>
-  </p:cSld>
-  <p:clrMapOvr>
-    <a:masterClrMapping/>
-  </p:clrMapOvr>
-</p:sld>
-</file>
-
-<file path=ppt/slides/slide2.xml><?xml version="1.0" encoding="utf-8"?>
 <p:sld xmlns:a="http://schemas.openxmlformats.org/drawingml/2006/main" xmlns:p="http://schemas.openxmlformats.org/presentationml/2006/main" xmlns:r="http://schemas.openxmlformats.org/officeDocument/2006/relationships">
   <p:cSld>
     <p:bg>
@@ -3394,7 +4028,7 @@
                 </a:solidFill>
                 <a:latin typeface="Georgia"/>
               </a:rPr>
-              <a:t>Fundamentals of Current Topic</a:t>
+              <a:t>心理健康与作息规律</a:t>
             </a:r>
           </a:p>
         </p:txBody>
@@ -3424,7 +4058,7 @@
 </p:sld>
 </file>
 
-<file path=ppt/slides/slide3.xml><?xml version="1.0" encoding="utf-8"?>
+<file path=ppt/slides/slide12.xml><?xml version="1.0" encoding="utf-8"?>
 <p:sld xmlns:a="http://schemas.openxmlformats.org/drawingml/2006/main" xmlns:p="http://schemas.openxmlformats.org/presentationml/2006/main" xmlns:r="http://schemas.openxmlformats.org/officeDocument/2006/relationships">
   <p:cSld>
     <p:bg>
@@ -3464,7 +4098,7 @@
                 </a:solidFill>
                 <a:latin typeface="Georgia"/>
               </a:rPr>
-              <a:t>Overview of Current Topic</a:t>
+              <a:t>睡眠质量与睡眠卫生</a:t>
             </a:r>
           </a:p>
         </p:txBody>
@@ -3493,7 +4127,7 @@
                 </a:solidFill>
                 <a:latin typeface="Georgia"/>
               </a:rPr>
-              <a:t>Key innovation and strategic importance of Current Topic</a:t>
+              <a:t>昼夜节律调控：褪黑素分泌与环境光照的科学关系。</a:t>
             </a:r>
           </a:p>
           <a:p>
@@ -3505,7 +4139,7 @@
                 </a:solidFill>
                 <a:latin typeface="Georgia"/>
               </a:rPr>
-              <a:t>Global impact and future trends in Current Topic</a:t>
+              <a:t>深度睡眠的修复作用：大脑清理代谢废物（类淋巴系统）的关键期。</a:t>
             </a:r>
           </a:p>
           <a:p>
@@ -3517,7 +4151,287 @@
                 </a:solidFill>
                 <a:latin typeface="Georgia"/>
               </a:rPr>
-              <a:t>Practical applications and case studies of Current Topic</a:t>
+              <a:t>数字化环境下的睡眠挑战：缓解屏幕蓝光对入睡干扰的建议。</a:t>
+            </a:r>
+          </a:p>
+          <a:p>
+            <a:pPr/>
+            <a:r>
+              <a:rPr>
+                <a:solidFill>
+                  <a:srgbClr val="325032"/>
+                </a:solidFill>
+                <a:latin typeface="Georgia"/>
+              </a:rPr>
+              <a:t>合理的运动干预：有氧运动对改善长期睡眠结构的积极效用。</a:t>
+            </a:r>
+          </a:p>
+        </p:txBody>
+      </p:sp>
+    </p:spTree>
+  </p:cSld>
+  <p:clrMapOvr>
+    <a:masterClrMapping/>
+  </p:clrMapOvr>
+</p:sld>
+</file>
+
+<file path=ppt/slides/slide13.xml><?xml version="1.0" encoding="utf-8"?>
+<p:sld xmlns:a="http://schemas.openxmlformats.org/drawingml/2006/main" xmlns:p="http://schemas.openxmlformats.org/presentationml/2006/main" xmlns:r="http://schemas.openxmlformats.org/officeDocument/2006/relationships">
+  <p:cSld>
+    <p:spTree>
+      <p:nvGrpSpPr>
+        <p:cNvPr id="1" name=""/>
+        <p:cNvGrpSpPr/>
+        <p:nvPr/>
+      </p:nvGrpSpPr>
+      <p:grpSpPr/>
+      <p:sp>
+        <p:nvSpPr>
+          <p:cNvPr id="2" name="Title 1"/>
+          <p:cNvSpPr>
+            <a:spLocks noGrp="1"/>
+          </p:cNvSpPr>
+          <p:nvPr>
+            <p:ph type="title"/>
+          </p:nvPr>
+        </p:nvSpPr>
+        <p:spPr/>
+        <p:txBody>
+          <a:bodyPr/>
+          <a:lstStyle/>
+          <a:p>
+            <a:r>
+              <a:t>References</a:t>
+            </a:r>
+          </a:p>
+        </p:txBody>
+      </p:sp>
+      <p:sp>
+        <p:nvSpPr>
+          <p:cNvPr id="3" name="Content Placeholder 2"/>
+          <p:cNvSpPr>
+            <a:spLocks noGrp="1"/>
+          </p:cNvSpPr>
+          <p:nvPr>
+            <p:ph idx="1"/>
+          </p:nvPr>
+        </p:nvSpPr>
+        <p:spPr/>
+        <p:txBody>
+          <a:bodyPr/>
+          <a:lstStyle/>
+          <a:p/>
+          <a:p>
+            <a:pPr>
+              <a:defRPr sz="1200"/>
+            </a:pPr>
+            <a:r>
+              <a:t>https://www.nature.com/</a:t>
+            </a:r>
+          </a:p>
+          <a:p>
+            <a:pPr>
+              <a:defRPr sz="1200"/>
+            </a:pPr>
+            <a:r>
+              <a:t>https://arxiv.org/</a:t>
+            </a:r>
+          </a:p>
+          <a:p>
+            <a:pPr>
+              <a:defRPr sz="1200"/>
+            </a:pPr>
+            <a:r>
+              <a:t>https://www.metmuseum.org/</a:t>
+            </a:r>
+          </a:p>
+        </p:txBody>
+      </p:sp>
+    </p:spTree>
+  </p:cSld>
+  <p:clrMapOvr>
+    <a:masterClrMapping/>
+  </p:clrMapOvr>
+</p:sld>
+</file>
+
+<file path=ppt/slides/slide2.xml><?xml version="1.0" encoding="utf-8"?>
+<p:sld xmlns:a="http://schemas.openxmlformats.org/drawingml/2006/main" xmlns:p="http://schemas.openxmlformats.org/presentationml/2006/main" xmlns:r="http://schemas.openxmlformats.org/officeDocument/2006/relationships">
+  <p:cSld>
+    <p:bg>
+      <p:bgPr>
+        <a:solidFill>
+          <a:srgbClr val="0A0A28"/>
+        </a:solidFill>
+        <a:effectLst/>
+      </p:bgPr>
+    </p:bg>
+    <p:spTree>
+      <p:nvGrpSpPr>
+        <p:cNvPr id="1" name=""/>
+        <p:cNvGrpSpPr/>
+        <p:nvPr/>
+      </p:nvGrpSpPr>
+      <p:grpSpPr/>
+      <p:sp>
+        <p:nvSpPr>
+          <p:cNvPr id="2" name="Title 1"/>
+          <p:cNvSpPr>
+            <a:spLocks noGrp="1"/>
+          </p:cNvSpPr>
+          <p:nvPr>
+            <p:ph type="title"/>
+          </p:nvPr>
+        </p:nvSpPr>
+        <p:spPr/>
+        <p:txBody>
+          <a:bodyPr/>
+          <a:lstStyle/>
+          <a:p>
+            <a:r>
+              <a:rPr>
+                <a:solidFill>
+                  <a:srgbClr val="0066CC"/>
+                </a:solidFill>
+                <a:latin typeface="Arial"/>
+              </a:rPr>
+              <a:t>AI 核心技术与里程碑</a:t>
+            </a:r>
+          </a:p>
+        </p:txBody>
+      </p:sp>
+      <p:sp>
+        <p:nvSpPr>
+          <p:cNvPr id="3" name="Text Placeholder 2"/>
+          <p:cNvSpPr>
+            <a:spLocks noGrp="1"/>
+          </p:cNvSpPr>
+          <p:nvPr>
+            <p:ph type="body" idx="1"/>
+          </p:nvPr>
+        </p:nvSpPr>
+        <p:spPr/>
+        <p:txBody>
+          <a:bodyPr/>
+          <a:lstStyle/>
+          <a:p/>
+        </p:txBody>
+      </p:sp>
+    </p:spTree>
+  </p:cSld>
+  <p:clrMapOvr>
+    <a:masterClrMapping/>
+  </p:clrMapOvr>
+</p:sld>
+</file>
+
+<file path=ppt/slides/slide3.xml><?xml version="1.0" encoding="utf-8"?>
+<p:sld xmlns:a="http://schemas.openxmlformats.org/drawingml/2006/main" xmlns:p="http://schemas.openxmlformats.org/presentationml/2006/main" xmlns:r="http://schemas.openxmlformats.org/officeDocument/2006/relationships">
+  <p:cSld>
+    <p:bg>
+      <p:bgPr>
+        <a:solidFill>
+          <a:srgbClr val="0A0A28"/>
+        </a:solidFill>
+        <a:effectLst/>
+      </p:bgPr>
+    </p:bg>
+    <p:spTree>
+      <p:nvGrpSpPr>
+        <p:cNvPr id="1" name=""/>
+        <p:cNvGrpSpPr/>
+        <p:nvPr/>
+      </p:nvGrpSpPr>
+      <p:grpSpPr/>
+      <p:sp>
+        <p:nvSpPr>
+          <p:cNvPr id="2" name="Title 1"/>
+          <p:cNvSpPr>
+            <a:spLocks noGrp="1"/>
+          </p:cNvSpPr>
+          <p:nvPr>
+            <p:ph type="title"/>
+          </p:nvPr>
+        </p:nvSpPr>
+        <p:spPr/>
+        <p:txBody>
+          <a:bodyPr/>
+          <a:lstStyle/>
+          <a:p>
+            <a:r>
+              <a:rPr>
+                <a:solidFill>
+                  <a:srgbClr val="0066CC"/>
+                </a:solidFill>
+                <a:latin typeface="Arial"/>
+              </a:rPr>
+              <a:t>从图灵测试到深度学习</a:t>
+            </a:r>
+          </a:p>
+        </p:txBody>
+      </p:sp>
+      <p:sp>
+        <p:nvSpPr>
+          <p:cNvPr id="3" name="Content Placeholder 2"/>
+          <p:cNvSpPr>
+            <a:spLocks noGrp="1"/>
+          </p:cNvSpPr>
+          <p:nvPr>
+            <p:ph idx="1"/>
+          </p:nvPr>
+        </p:nvSpPr>
+        <p:spPr/>
+        <p:txBody>
+          <a:bodyPr wrap="square"/>
+          <a:lstStyle/>
+          <a:p/>
+          <a:p>
+            <a:pPr/>
+            <a:r>
+              <a:rPr>
+                <a:solidFill>
+                  <a:srgbClr val="C8C8FF"/>
+                </a:solidFill>
+                <a:latin typeface="Arial"/>
+              </a:rPr>
+              <a:t>1950年图灵提出图灵测试，奠定了机器智能的哲学基础。</a:t>
+            </a:r>
+          </a:p>
+          <a:p>
+            <a:pPr/>
+            <a:r>
+              <a:rPr>
+                <a:solidFill>
+                  <a:srgbClr val="C8C8FF"/>
+                </a:solidFill>
+                <a:latin typeface="Arial"/>
+              </a:rPr>
+              <a:t>2012年 AlexNet 在 ImageNet 竞赛中夺冠，开启深度学习革命。</a:t>
+            </a:r>
+          </a:p>
+          <a:p>
+            <a:pPr/>
+            <a:r>
+              <a:rPr>
+                <a:solidFill>
+                  <a:srgbClr val="C8C8FF"/>
+                </a:solidFill>
+                <a:latin typeface="Arial"/>
+              </a:rPr>
+              <a:t>大模型时代：从 GPT-3 到 Gemini，参数规模实现指数级增长。</a:t>
+            </a:r>
+          </a:p>
+          <a:p>
+            <a:pPr/>
+            <a:r>
+              <a:rPr>
+                <a:solidFill>
+                  <a:srgbClr val="C8C8FF"/>
+                </a:solidFill>
+                <a:latin typeface="Arial"/>
+              </a:rPr>
+              <a:t>多模态融合成为主流，架构趋向于统一的注意力机制模型。</a:t>
             </a:r>
           </a:p>
         </p:txBody>
@@ -3536,7 +4450,7 @@
     <p:bg>
       <p:bgPr>
         <a:solidFill>
-          <a:srgbClr val="F5FFFA"/>
+          <a:srgbClr val="0A0A28"/>
         </a:solidFill>
         <a:effectLst/>
       </p:bgPr>
@@ -3566,11 +4480,11 @@
             <a:r>
               <a:rPr>
                 <a:solidFill>
-                  <a:srgbClr val="228B22"/>
+                  <a:srgbClr val="0066CC"/>
                 </a:solidFill>
-                <a:latin typeface="Georgia"/>
+                <a:latin typeface="Arial"/>
               </a:rPr>
-              <a:t>Overview of Current Topic</a:t>
+              <a:t>生成式 AI 的技术底座</a:t>
             </a:r>
           </a:p>
         </p:txBody>
@@ -3595,11 +4509,11 @@
             <a:r>
               <a:rPr>
                 <a:solidFill>
-                  <a:srgbClr val="325032"/>
+                  <a:srgbClr val="C8C8FF"/>
                 </a:solidFill>
-                <a:latin typeface="Georgia"/>
+                <a:latin typeface="Arial"/>
               </a:rPr>
-              <a:t>Key innovation and strategic importance of Current Topic</a:t>
+              <a:t>Transformer 架构：自注意力机制（Self-Attention）彻底改变了序列建模。</a:t>
             </a:r>
           </a:p>
           <a:p>
@@ -3607,11 +4521,11 @@
             <a:r>
               <a:rPr>
                 <a:solidFill>
-                  <a:srgbClr val="325032"/>
+                  <a:srgbClr val="C8C8FF"/>
                 </a:solidFill>
-                <a:latin typeface="Georgia"/>
+                <a:latin typeface="Arial"/>
               </a:rPr>
-              <a:t>Global impact and future trends in Current Topic</a:t>
+              <a:t>扩散模型（Diffusion Models）：在图像生成与物理模拟领域占据核心地位。</a:t>
             </a:r>
           </a:p>
           <a:p>
@@ -3619,11 +4533,23 @@
             <a:r>
               <a:rPr>
                 <a:solidFill>
-                  <a:srgbClr val="325032"/>
+                  <a:srgbClr val="C8C8FF"/>
                 </a:solidFill>
-                <a:latin typeface="Georgia"/>
+                <a:latin typeface="Arial"/>
               </a:rPr>
-              <a:t>Practical applications and case studies of Current Topic</a:t>
+              <a:t>算力与数据：高性能 GPU 集群与高质量标注数据构筑的核心护城河。</a:t>
+            </a:r>
+          </a:p>
+          <a:p>
+            <a:pPr/>
+            <a:r>
+              <a:rPr>
+                <a:solidFill>
+                  <a:srgbClr val="C8C8FF"/>
+                </a:solidFill>
+                <a:latin typeface="Arial"/>
+              </a:rPr>
+              <a:t>RLHF：通过人类反馈的强化学习极大提升了模型的一致性与安全性。</a:t>
             </a:r>
           </a:p>
         </p:txBody>
@@ -3642,7 +4568,7 @@
     <p:bg>
       <p:bgPr>
         <a:solidFill>
-          <a:srgbClr val="F5FFFA"/>
+          <a:srgbClr val="0A0A28"/>
         </a:solidFill>
         <a:effectLst/>
       </p:bgPr>
@@ -3672,11 +4598,11 @@
             <a:r>
               <a:rPr>
                 <a:solidFill>
-                  <a:srgbClr val="228B22"/>
+                  <a:srgbClr val="0066CC"/>
                 </a:solidFill>
-                <a:latin typeface="Georgia"/>
+                <a:latin typeface="Arial"/>
               </a:rPr>
-              <a:t>Advanced Applications: Current Topic</a:t>
+              <a:t>产业影响与未来展望</a:t>
             </a:r>
           </a:p>
         </p:txBody>
@@ -3712,7 +4638,7 @@
     <p:bg>
       <p:bgPr>
         <a:solidFill>
-          <a:srgbClr val="F5FFFA"/>
+          <a:srgbClr val="0A0A28"/>
         </a:solidFill>
         <a:effectLst/>
       </p:bgPr>
@@ -3742,11 +4668,11 @@
             <a:r>
               <a:rPr>
                 <a:solidFill>
-                  <a:srgbClr val="228B22"/>
+                  <a:srgbClr val="0066CC"/>
                 </a:solidFill>
-                <a:latin typeface="Georgia"/>
+                <a:latin typeface="Arial"/>
               </a:rPr>
-              <a:t>Overview of Current Topic</a:t>
+              <a:t>AI 赋能行业转型</a:t>
             </a:r>
           </a:p>
         </p:txBody>
@@ -3771,11 +4697,11 @@
             <a:r>
               <a:rPr>
                 <a:solidFill>
-                  <a:srgbClr val="325032"/>
+                  <a:srgbClr val="C8C8FF"/>
                 </a:solidFill>
-                <a:latin typeface="Georgia"/>
+                <a:latin typeface="Arial"/>
               </a:rPr>
-              <a:t>Key innovation and strategic importance of Current Topic</a:t>
+              <a:t>金融领域：利用大模型进行实时风险评估与个性化理财顾问。</a:t>
             </a:r>
           </a:p>
           <a:p>
@@ -3783,11 +4709,11 @@
             <a:r>
               <a:rPr>
                 <a:solidFill>
-                  <a:srgbClr val="325032"/>
+                  <a:srgbClr val="C8C8FF"/>
                 </a:solidFill>
-                <a:latin typeface="Georgia"/>
+                <a:latin typeface="Arial"/>
               </a:rPr>
-              <a:t>Global impact and future trends in Current Topic</a:t>
+              <a:t>医疗健康：AI 辅助药物发现与蛋白质结构预测（AlphaFold）。</a:t>
             </a:r>
           </a:p>
           <a:p>
@@ -3795,11 +4721,23 @@
             <a:r>
               <a:rPr>
                 <a:solidFill>
-                  <a:srgbClr val="325032"/>
+                  <a:srgbClr val="C8C8FF"/>
                 </a:solidFill>
-                <a:latin typeface="Georgia"/>
+                <a:latin typeface="Arial"/>
               </a:rPr>
-              <a:t>Practical applications and case studies of Current Topic</a:t>
+              <a:t>智能制造：端到端自动驾驶与具身智能（Embodied AI）机器人。</a:t>
+            </a:r>
+          </a:p>
+          <a:p>
+            <a:pPr/>
+            <a:r>
+              <a:rPr>
+                <a:solidFill>
+                  <a:srgbClr val="C8C8FF"/>
+                </a:solidFill>
+                <a:latin typeface="Arial"/>
+              </a:rPr>
+              <a:t>文化创意：跨模态创作极大地降低了艺术与编程的入门门槛。</a:t>
             </a:r>
           </a:p>
         </p:txBody>
@@ -3815,14 +4753,6 @@
 <file path=ppt/slides/slide7.xml><?xml version="1.0" encoding="utf-8"?>
 <p:sld xmlns:a="http://schemas.openxmlformats.org/drawingml/2006/main" xmlns:p="http://schemas.openxmlformats.org/presentationml/2006/main" xmlns:r="http://schemas.openxmlformats.org/officeDocument/2006/relationships">
   <p:cSld>
-    <p:bg>
-      <p:bgPr>
-        <a:solidFill>
-          <a:srgbClr val="F5FFFA"/>
-        </a:solidFill>
-        <a:effectLst/>
-      </p:bgPr>
-    </p:bg>
     <p:spTree>
       <p:nvGrpSpPr>
         <p:cNvPr id="1" name=""/>
@@ -3846,13 +4776,7 @@
           <a:lstStyle/>
           <a:p>
             <a:r>
-              <a:rPr>
-                <a:solidFill>
-                  <a:srgbClr val="228B22"/>
-                </a:solidFill>
-                <a:latin typeface="Georgia"/>
-              </a:rPr>
-              <a:t>Overview of Current Topic</a:t>
+              <a:t>References</a:t>
             </a:r>
           </a:p>
         </p:txBody>
@@ -3869,43 +4793,31 @@
         </p:nvSpPr>
         <p:spPr/>
         <p:txBody>
-          <a:bodyPr wrap="square"/>
+          <a:bodyPr/>
           <a:lstStyle/>
           <a:p/>
           <a:p>
-            <a:pPr/>
-            <a:r>
-              <a:rPr>
-                <a:solidFill>
-                  <a:srgbClr val="325032"/>
-                </a:solidFill>
-                <a:latin typeface="Georgia"/>
-              </a:rPr>
-              <a:t>Key innovation and strategic importance of Current Topic</a:t>
-            </a:r>
-          </a:p>
-          <a:p>
-            <a:pPr/>
-            <a:r>
-              <a:rPr>
-                <a:solidFill>
-                  <a:srgbClr val="325032"/>
-                </a:solidFill>
-                <a:latin typeface="Georgia"/>
-              </a:rPr>
-              <a:t>Global impact and future trends in Current Topic</a:t>
-            </a:r>
-          </a:p>
-          <a:p>
-            <a:pPr/>
-            <a:r>
-              <a:rPr>
-                <a:solidFill>
-                  <a:srgbClr val="325032"/>
-                </a:solidFill>
-                <a:latin typeface="Georgia"/>
-              </a:rPr>
-              <a:t>Practical applications and case studies of Current Topic</a:t>
+            <a:pPr>
+              <a:defRPr sz="1200"/>
+            </a:pPr>
+            <a:r>
+              <a:t>https://www.nature.com/</a:t>
+            </a:r>
+          </a:p>
+          <a:p>
+            <a:pPr>
+              <a:defRPr sz="1200"/>
+            </a:pPr>
+            <a:r>
+              <a:t>https://arxiv.org/</a:t>
+            </a:r>
+          </a:p>
+          <a:p>
+            <a:pPr>
+              <a:defRPr sz="1200"/>
+            </a:pPr>
+            <a:r>
+              <a:t>https://www.metmuseum.org/</a:t>
             </a:r>
           </a:p>
         </p:txBody>
@@ -3943,7 +4855,7 @@
             <a:spLocks noGrp="1"/>
           </p:cNvSpPr>
           <p:nvPr>
-            <p:ph type="title"/>
+            <p:ph type="ctrTitle"/>
           </p:nvPr>
         </p:nvSpPr>
         <p:spPr/>
@@ -3958,26 +4870,36 @@
                 </a:solidFill>
                 <a:latin typeface="Georgia"/>
               </a:rPr>
-              <a:t>The Future of Current Topic</a:t>
-            </a:r>
-          </a:p>
-        </p:txBody>
-      </p:sp>
-      <p:sp>
-        <p:nvSpPr>
-          <p:cNvPr id="3" name="Text Placeholder 2"/>
-          <p:cNvSpPr>
-            <a:spLocks noGrp="1"/>
-          </p:cNvSpPr>
-          <p:nvPr>
-            <p:ph type="body" idx="1"/>
-          </p:nvPr>
-        </p:nvSpPr>
-        <p:spPr/>
-        <p:txBody>
-          <a:bodyPr/>
-          <a:lstStyle/>
-          <a:p/>
+              <a:t>现代人的健康生活指南</a:t>
+            </a:r>
+          </a:p>
+        </p:txBody>
+      </p:sp>
+      <p:sp>
+        <p:nvSpPr>
+          <p:cNvPr id="3" name="Subtitle 2"/>
+          <p:cNvSpPr>
+            <a:spLocks noGrp="1"/>
+          </p:cNvSpPr>
+          <p:nvPr>
+            <p:ph type="subTitle" idx="1"/>
+          </p:nvPr>
+        </p:nvSpPr>
+        <p:spPr/>
+        <p:txBody>
+          <a:bodyPr/>
+          <a:lstStyle/>
+          <a:p>
+            <a:r>
+              <a:rPr>
+                <a:solidFill>
+                  <a:srgbClr val="325032"/>
+                </a:solidFill>
+                <a:latin typeface="Georgia"/>
+              </a:rPr>
+              <a:t>Topic: 健康生活方式指南</a:t>
+            </a:r>
+          </a:p>
         </p:txBody>
       </p:sp>
     </p:spTree>
@@ -4028,62 +4950,26 @@
                 </a:solidFill>
                 <a:latin typeface="Georgia"/>
               </a:rPr>
-              <a:t>Overview of Current Topic</a:t>
-            </a:r>
-          </a:p>
-        </p:txBody>
-      </p:sp>
-      <p:sp>
-        <p:nvSpPr>
-          <p:cNvPr id="3" name="Content Placeholder 2"/>
-          <p:cNvSpPr>
-            <a:spLocks noGrp="1"/>
-          </p:cNvSpPr>
-          <p:nvPr>
-            <p:ph idx="1"/>
-          </p:nvPr>
-        </p:nvSpPr>
-        <p:spPr/>
-        <p:txBody>
-          <a:bodyPr wrap="square"/>
+              <a:t>营养平衡与均衡饮食</a:t>
+            </a:r>
+          </a:p>
+        </p:txBody>
+      </p:sp>
+      <p:sp>
+        <p:nvSpPr>
+          <p:cNvPr id="3" name="Text Placeholder 2"/>
+          <p:cNvSpPr>
+            <a:spLocks noGrp="1"/>
+          </p:cNvSpPr>
+          <p:nvPr>
+            <p:ph type="body" idx="1"/>
+          </p:nvPr>
+        </p:nvSpPr>
+        <p:spPr/>
+        <p:txBody>
+          <a:bodyPr/>
           <a:lstStyle/>
           <a:p/>
-          <a:p>
-            <a:pPr/>
-            <a:r>
-              <a:rPr>
-                <a:solidFill>
-                  <a:srgbClr val="325032"/>
-                </a:solidFill>
-                <a:latin typeface="Georgia"/>
-              </a:rPr>
-              <a:t>Key innovation and strategic importance of Current Topic</a:t>
-            </a:r>
-          </a:p>
-          <a:p>
-            <a:pPr/>
-            <a:r>
-              <a:rPr>
-                <a:solidFill>
-                  <a:srgbClr val="325032"/>
-                </a:solidFill>
-                <a:latin typeface="Georgia"/>
-              </a:rPr>
-              <a:t>Global impact and future trends in Current Topic</a:t>
-            </a:r>
-          </a:p>
-          <a:p>
-            <a:pPr/>
-            <a:r>
-              <a:rPr>
-                <a:solidFill>
-                  <a:srgbClr val="325032"/>
-                </a:solidFill>
-                <a:latin typeface="Georgia"/>
-              </a:rPr>
-              <a:t>Practical applications and case studies of Current Topic</a:t>
-            </a:r>
-          </a:p>
         </p:txBody>
       </p:sp>
     </p:spTree>
@@ -4412,4 +5298,324 @@
   </a:objectDefaults>
   <a:extraClrSchemeLst/>
 </a:theme>
+</file>
+
+<file path=ppt/theme/theme2.xml><?xml version="1.0" encoding="utf-8"?>
+<a:theme xmlns:a="http://schemas.openxmlformats.org/drawingml/2006/main" name="Office Theme">
+  <a:themeElements>
+    <a:clrScheme name="Office">
+      <a:dk1>
+        <a:sysClr val="windowText" lastClr="000000"/>
+      </a:dk1>
+      <a:lt1>
+        <a:sysClr val="window" lastClr="FFFFFF"/>
+      </a:lt1>
+      <a:dk2>
+        <a:srgbClr val="1F497D"/>
+      </a:dk2>
+      <a:lt2>
+        <a:srgbClr val="EEECE1"/>
+      </a:lt2>
+      <a:accent1>
+        <a:srgbClr val="4F81BD"/>
+      </a:accent1>
+      <a:accent2>
+        <a:srgbClr val="C0504D"/>
+      </a:accent2>
+      <a:accent3>
+        <a:srgbClr val="9BBB59"/>
+      </a:accent3>
+      <a:accent4>
+        <a:srgbClr val="8064A2"/>
+      </a:accent4>
+      <a:accent5>
+        <a:srgbClr val="4BACC6"/>
+      </a:accent5>
+      <a:accent6>
+        <a:srgbClr val="F79646"/>
+      </a:accent6>
+      <a:hlink>
+        <a:srgbClr val="0000FF"/>
+      </a:hlink>
+      <a:folHlink>
+        <a:srgbClr val="800080"/>
+      </a:folHlink>
+    </a:clrScheme>
+    <a:fontScheme name="Office">
+      <a:majorFont>
+        <a:latin typeface="Calibri"/>
+        <a:ea typeface=""/>
+        <a:cs typeface=""/>
+        <a:font script="Jpan" typeface="ＭＳ Ｐゴシック"/>
+        <a:font script="Hang" typeface="맑은 고딕"/>
+        <a:font script="Hans" typeface="宋体"/>
+        <a:font script="Hant" typeface="新細明體"/>
+        <a:font script="Arab" typeface="Times New Roman"/>
+        <a:font script="Hebr" typeface="Times New Roman"/>
+        <a:font script="Thai" typeface="Angsana New"/>
+        <a:font script="Ethi" typeface="Nyala"/>
+        <a:font script="Beng" typeface="Vrinda"/>
+        <a:font script="Gujr" typeface="Shruti"/>
+        <a:font script="Khmr" typeface="MoolBoran"/>
+        <a:font script="Knda" typeface="Tunga"/>
+        <a:font script="Guru" typeface="Raavi"/>
+        <a:font script="Cans" typeface="Euphemia"/>
+        <a:font script="Cher" typeface="Plantagenet Cherokee"/>
+        <a:font script="Yiii" typeface="Microsoft Yi Baiti"/>
+        <a:font script="Tibt" typeface="Microsoft Himalaya"/>
+        <a:font script="Thaa" typeface="MV Boli"/>
+        <a:font script="Deva" typeface="Mangal"/>
+        <a:font script="Telu" typeface="Gautami"/>
+        <a:font script="Taml" typeface="Latha"/>
+        <a:font script="Syrc" typeface="Estrangelo Edessa"/>
+        <a:font script="Orya" typeface="Kalinga"/>
+        <a:font script="Mlym" typeface="Kartika"/>
+        <a:font script="Laoo" typeface="DokChampa"/>
+        <a:font script="Sinh" typeface="Iskoola Pota"/>
+        <a:font script="Mong" typeface="Mongolian Baiti"/>
+        <a:font script="Viet" typeface="Times New Roman"/>
+        <a:font script="Uigh" typeface="Microsoft Uighur"/>
+        <a:font script="Geor" typeface="Sylfaen"/>
+      </a:majorFont>
+      <a:minorFont>
+        <a:latin typeface="Calibri"/>
+        <a:ea typeface=""/>
+        <a:cs typeface=""/>
+        <a:font script="Jpan" typeface="ＭＳ Ｐゴシック"/>
+        <a:font script="Hang" typeface="맑은 고딕"/>
+        <a:font script="Hans" typeface="宋体"/>
+        <a:font script="Hant" typeface="新細明體"/>
+        <a:font script="Arab" typeface="Arial"/>
+        <a:font script="Hebr" typeface="Arial"/>
+        <a:font script="Thai" typeface="Cordia New"/>
+        <a:font script="Ethi" typeface="Nyala"/>
+        <a:font script="Beng" typeface="Vrinda"/>
+        <a:font script="Gujr" typeface="Shruti"/>
+        <a:font script="Khmr" typeface="DaunPenh"/>
+        <a:font script="Knda" typeface="Tunga"/>
+        <a:font script="Guru" typeface="Raavi"/>
+        <a:font script="Cans" typeface="Euphemia"/>
+        <a:font script="Cher" typeface="Plantagenet Cherokee"/>
+        <a:font script="Yiii" typeface="Microsoft Yi Baiti"/>
+        <a:font script="Tibt" typeface="Microsoft Himalaya"/>
+        <a:font script="Thaa" typeface="MV Boli"/>
+        <a:font script="Deva" typeface="Mangal"/>
+        <a:font script="Telu" typeface="Gautami"/>
+        <a:font script="Taml" typeface="Latha"/>
+        <a:font script="Syrc" typeface="Estrangelo Edessa"/>
+        <a:font script="Orya" typeface="Kalinga"/>
+        <a:font script="Mlym" typeface="Kartika"/>
+        <a:font script="Laoo" typeface="DokChampa"/>
+        <a:font script="Sinh" typeface="Iskoola Pota"/>
+        <a:font script="Mong" typeface="Mongolian Baiti"/>
+        <a:font script="Viet" typeface="Arial"/>
+        <a:font script="Uigh" typeface="Microsoft Uighur"/>
+        <a:font script="Geor" typeface="Sylfaen"/>
+      </a:minorFont>
+    </a:fontScheme>
+    <a:fmtScheme name="Office">
+      <a:fillStyleLst>
+        <a:solidFill>
+          <a:schemeClr val="phClr"/>
+        </a:solidFill>
+        <a:gradFill rotWithShape="1">
+          <a:gsLst>
+            <a:gs pos="0">
+              <a:schemeClr val="phClr">
+                <a:tint val="50000"/>
+                <a:satMod val="300000"/>
+              </a:schemeClr>
+            </a:gs>
+            <a:gs pos="35000">
+              <a:schemeClr val="phClr">
+                <a:tint val="37000"/>
+                <a:satMod val="300000"/>
+              </a:schemeClr>
+            </a:gs>
+            <a:gs pos="100000">
+              <a:schemeClr val="phClr">
+                <a:tint val="15000"/>
+                <a:satMod val="350000"/>
+              </a:schemeClr>
+            </a:gs>
+          </a:gsLst>
+          <a:lin ang="16200000" scaled="1"/>
+        </a:gradFill>
+        <a:gradFill rotWithShape="1">
+          <a:gsLst>
+            <a:gs pos="0">
+              <a:schemeClr val="phClr">
+                <a:tint val="100000"/>
+                <a:shade val="100000"/>
+                <a:satMod val="130000"/>
+              </a:schemeClr>
+            </a:gs>
+            <a:gs pos="100000">
+              <a:schemeClr val="phClr">
+                <a:tint val="50000"/>
+                <a:shade val="100000"/>
+                <a:satMod val="350000"/>
+              </a:schemeClr>
+            </a:gs>
+          </a:gsLst>
+          <a:lin ang="16200000" scaled="0"/>
+        </a:gradFill>
+      </a:fillStyleLst>
+      <a:lnStyleLst>
+        <a:ln w="9525" cap="flat" cmpd="sng" algn="ctr">
+          <a:solidFill>
+            <a:schemeClr val="phClr">
+              <a:shade val="95000"/>
+              <a:satMod val="105000"/>
+            </a:schemeClr>
+          </a:solidFill>
+          <a:prstDash val="solid"/>
+        </a:ln>
+        <a:ln w="25400" cap="flat" cmpd="sng" algn="ctr">
+          <a:solidFill>
+            <a:schemeClr val="phClr"/>
+          </a:solidFill>
+          <a:prstDash val="solid"/>
+        </a:ln>
+        <a:ln w="38100" cap="flat" cmpd="sng" algn="ctr">
+          <a:solidFill>
+            <a:schemeClr val="phClr"/>
+          </a:solidFill>
+          <a:prstDash val="solid"/>
+        </a:ln>
+      </a:lnStyleLst>
+      <a:effectStyleLst>
+        <a:effectStyle>
+          <a:effectLst>
+            <a:outerShdw blurRad="40000" dist="20000" dir="5400000" rotWithShape="0">
+              <a:srgbClr val="000000">
+                <a:alpha val="38000"/>
+              </a:srgbClr>
+            </a:outerShdw>
+          </a:effectLst>
+        </a:effectStyle>
+        <a:effectStyle>
+          <a:effectLst>
+            <a:outerShdw blurRad="40000" dist="23000" dir="5400000" rotWithShape="0">
+              <a:srgbClr val="000000">
+                <a:alpha val="35000"/>
+              </a:srgbClr>
+            </a:outerShdw>
+          </a:effectLst>
+        </a:effectStyle>
+        <a:effectStyle>
+          <a:effectLst>
+            <a:outerShdw blurRad="40000" dist="23000" dir="5400000" rotWithShape="0">
+              <a:srgbClr val="000000">
+                <a:alpha val="35000"/>
+              </a:srgbClr>
+            </a:outerShdw>
+          </a:effectLst>
+          <a:scene3d>
+            <a:camera prst="orthographicFront">
+              <a:rot lat="0" lon="0" rev="0"/>
+            </a:camera>
+            <a:lightRig rig="threePt" dir="t">
+              <a:rot lat="0" lon="0" rev="1200000"/>
+            </a:lightRig>
+          </a:scene3d>
+          <a:sp3d>
+            <a:bevelT w="63500" h="25400"/>
+          </a:sp3d>
+        </a:effectStyle>
+      </a:effectStyleLst>
+      <a:bgFillStyleLst>
+        <a:solidFill>
+          <a:schemeClr val="phClr"/>
+        </a:solidFill>
+        <a:gradFill rotWithShape="1">
+          <a:gsLst>
+            <a:gs pos="0">
+              <a:schemeClr val="phClr">
+                <a:tint val="40000"/>
+                <a:satMod val="350000"/>
+              </a:schemeClr>
+            </a:gs>
+            <a:gs pos="40000">
+              <a:schemeClr val="phClr">
+                <a:tint val="45000"/>
+                <a:shade val="99000"/>
+                <a:satMod val="350000"/>
+              </a:schemeClr>
+            </a:gs>
+            <a:gs pos="100000">
+              <a:schemeClr val="phClr">
+                <a:shade val="20000"/>
+                <a:satMod val="255000"/>
+              </a:schemeClr>
+            </a:gs>
+          </a:gsLst>
+          <a:path path="circle">
+            <a:fillToRect l="50000" t="-80000" r="50000" b="180000"/>
+          </a:path>
+        </a:gradFill>
+        <a:gradFill rotWithShape="1">
+          <a:gsLst>
+            <a:gs pos="0">
+              <a:schemeClr val="phClr">
+                <a:tint val="80000"/>
+                <a:satMod val="300000"/>
+              </a:schemeClr>
+            </a:gs>
+            <a:gs pos="100000">
+              <a:schemeClr val="phClr">
+                <a:shade val="30000"/>
+                <a:satMod val="200000"/>
+              </a:schemeClr>
+            </a:gs>
+          </a:gsLst>
+          <a:path path="circle">
+            <a:fillToRect l="50000" t="50000" r="50000" b="50000"/>
+          </a:path>
+        </a:gradFill>
+      </a:bgFillStyleLst>
+    </a:fmtScheme>
+  </a:themeElements>
+  <a:objectDefaults>
+    <a:spDef>
+      <a:spPr/>
+      <a:bodyPr/>
+      <a:lstStyle/>
+      <a:style>
+        <a:lnRef idx="1">
+          <a:schemeClr val="accent1"/>
+        </a:lnRef>
+        <a:fillRef idx="3">
+          <a:schemeClr val="accent1"/>
+        </a:fillRef>
+        <a:effectRef idx="2">
+          <a:schemeClr val="accent1"/>
+        </a:effectRef>
+        <a:fontRef idx="minor">
+          <a:schemeClr val="lt1"/>
+        </a:fontRef>
+      </a:style>
+    </a:spDef>
+    <a:lnDef>
+      <a:spPr/>
+      <a:bodyPr/>
+      <a:lstStyle/>
+      <a:style>
+        <a:lnRef idx="2">
+          <a:schemeClr val="accent1"/>
+        </a:lnRef>
+        <a:fillRef idx="0">
+          <a:schemeClr val="accent1"/>
+        </a:fillRef>
+        <a:effectRef idx="1">
+          <a:schemeClr val="accent1"/>
+        </a:effectRef>
+        <a:fontRef idx="minor">
+          <a:schemeClr val="tx1"/>
+        </a:fontRef>
+      </a:style>
+    </a:lnDef>
+  </a:objectDefaults>
+  <a:extraClrSchemeLst/>
+</a:theme>
 </file>
--- a/samples/cn_life.pptx
+++ b/samples/cn_life.pptx
@@ -514,7 +514,7 @@
           <a:lstStyle/>
           <a:p>
             <a:r>
-              <a:t>回顾 AI 发展的关键节点。强调深度学习和大模型的到来。引用自《AI: A Modern Approach》。</a:t>
+              <a:t>本节介绍 AI 的前身及其早期的哲学与数学基础，重点强调对人类智能的逻辑模拟尝试。</a:t>
             </a:r>
           </a:p>
         </p:txBody>
@@ -584,7 +584,7 @@
           <a:lstStyle/>
           <a:p>
             <a:r>
-              <a:t>深入探讨 Transformer 和扩散模型。强调算力与数据的重要性。</a:t>
+              <a:t>介绍神经网络从被冷落到重新获得学术界关注的过程，为后来的深度学习爆发做铺垫。</a:t>
             </a:r>
           </a:p>
         </p:txBody>
@@ -654,7 +654,7 @@
           <a:lstStyle/>
           <a:p>
             <a:r>
-              <a:t>展示 AI 在金融、医疗、制造等领域的实际应用效果。</a:t>
+              <a:t>分析深度学习在视觉和 NLP 领域的双重突破，揭示 Transformer 架构为何成为当今万物互联的技术底座。</a:t>
             </a:r>
           </a:p>
         </p:txBody>
@@ -724,7 +724,7 @@
           <a:lstStyle/>
           <a:p>
             <a:r>
-              <a:t>从营养学角度分析饮食结构。参考 WHO 均衡饮食建议。</a:t>
+              <a:t>旨在揭示胰岛素在人体内调取和储存能量的底层逻辑，以及不当饮食对代谢系统的长期损伤。</a:t>
             </a:r>
           </a:p>
         </p:txBody>
@@ -794,7 +794,7 @@
           <a:lstStyle/>
           <a:p>
             <a:r>
-              <a:t>探讨睡眠对身心健康的影响，提供改善睡眠质量的实用建议。</a:t>
+              <a:t>探讨如何从微观层面优化身体引擎，强调生活细节对生物学年龄的逆转作用。</a:t>
             </a:r>
           </a:p>
         </p:txBody>
@@ -3830,7 +3830,7 @@
                 </a:solidFill>
                 <a:latin typeface="Arial"/>
               </a:rPr>
-              <a:t>人工智能：重塑未来的力量</a:t>
+              <a:t>人工智能：从图灵测试到通用人工智能 (AGI)</a:t>
             </a:r>
           </a:p>
         </p:txBody>
@@ -3857,7 +3857,7 @@
                 </a:solidFill>
                 <a:latin typeface="Arial"/>
               </a:rPr>
-              <a:t>Topic: 人工智能的发展与未来</a:t>
+              <a:t>Topic: AI的发展历史与未来趋势</a:t>
             </a:r>
           </a:p>
         </p:txBody>
@@ -3910,7 +3910,7 @@
                 </a:solidFill>
                 <a:latin typeface="Georgia"/>
               </a:rPr>
-              <a:t>营养学核心原则</a:t>
+              <a:t>胰岛素敏感性：健康的万能钥匙</a:t>
             </a:r>
           </a:p>
         </p:txBody>
@@ -3939,7 +3939,7 @@
                 </a:solidFill>
                 <a:latin typeface="Georgia"/>
               </a:rPr>
-              <a:t>宏量营养素平衡：碳水化合物、脂肪与蛋白质的黄金摄入比例。</a:t>
+              <a:t>胰岛素抵抗 (Insulin Resistance)：不仅是糖尿病前兆，更是 2 型糖尿病、多囊卵巢综合征 (PCOS) 的核心驱动因素。</a:t>
             </a:r>
           </a:p>
           <a:p>
@@ -3951,7 +3951,7 @@
                 </a:solidFill>
                 <a:latin typeface="Georgia"/>
               </a:rPr>
-              <a:t>微量元素的重要性：维生素与矿物质在调节生理功能中的作用。</a:t>
+              <a:t>血糖波动的负面影响：餐后高血糖导致的糖基化终产物 (AGEs) 会加速血管内膜老化。</a:t>
             </a:r>
           </a:p>
           <a:p>
@@ -3963,7 +3963,7 @@
                 </a:solidFill>
                 <a:latin typeface="Georgia"/>
               </a:rPr>
-              <a:t>控糖与低 GI 饮食：维持血糖平稳对疾病预防的长期意义。</a:t>
+              <a:t>低 GI 饮食策略：通过全谷物和高纤维摄入，维持血清能量供应的平滑曲线。</a:t>
             </a:r>
           </a:p>
           <a:p>
@@ -3975,7 +3975,7 @@
                 </a:solidFill>
                 <a:latin typeface="Georgia"/>
               </a:rPr>
-              <a:t>水分补充：科学的补水策略对代谢功能的正向影响。</a:t>
+              <a:t>动态血糖监测 (CGM)：现代医疗技术从盲目补给向实时精准控糖的转变。</a:t>
             </a:r>
           </a:p>
         </p:txBody>
@@ -4028,7 +4028,7 @@
                 </a:solidFill>
                 <a:latin typeface="Georgia"/>
               </a:rPr>
-              <a:t>心理健康与作息规律</a:t>
+              <a:t>线粒体功能与抗炎生活方式</a:t>
             </a:r>
           </a:p>
         </p:txBody>
@@ -4098,7 +4098,7 @@
                 </a:solidFill>
                 <a:latin typeface="Georgia"/>
               </a:rPr>
-              <a:t>睡眠质量与睡眠卫生</a:t>
+              <a:t>线粒体：细胞的能量工厂</a:t>
             </a:r>
           </a:p>
         </p:txBody>
@@ -4127,7 +4127,7 @@
                 </a:solidFill>
                 <a:latin typeface="Georgia"/>
               </a:rPr>
-              <a:t>昼夜节律调控：褪黑素分泌与环境光照的科学关系。</a:t>
+              <a:t>线粒体自噬 (Mitophagy)：通过断食或高强度间歇训练 (HIIT) 触发坏死线粒体的自我清理。</a:t>
             </a:r>
           </a:p>
           <a:p>
@@ -4139,7 +4139,7 @@
                 </a:solidFill>
                 <a:latin typeface="Georgia"/>
               </a:rPr>
-              <a:t>深度睡眠的修复作用：大脑清理代谢废物（类淋巴系统）的关键期。</a:t>
+              <a:t>氧化压力与抗氧化平衡：SOD 等内源性酶在抵御超氧阴离子自由基中的核心作用。</a:t>
             </a:r>
           </a:p>
           <a:p>
@@ -4151,7 +4151,7 @@
                 </a:solidFill>
                 <a:latin typeface="Georgia"/>
               </a:rPr>
-              <a:t>数字化环境下的睡眠挑战：缓解屏幕蓝光对入睡干扰的建议。</a:t>
+              <a:t>睡眠与线粒体修复：深度睡眠期是大脑清除代谢废物（β-淀粉样蛋白）的唯一窗口期。</a:t>
             </a:r>
           </a:p>
           <a:p>
@@ -4163,7 +4163,7 @@
                 </a:solidFill>
                 <a:latin typeface="Georgia"/>
               </a:rPr>
-              <a:t>合理的运动干预：有氧运动对改善长期睡眠结构的积极效用。</a:t>
+              <a:t>Omega-3s 的抗炎机制：通过调节细胞膜流动性来降低慢性系统性炎症水平。</a:t>
             </a:r>
           </a:p>
         </p:txBody>
@@ -4227,7 +4227,7 @@
               <a:defRPr sz="1200"/>
             </a:pPr>
             <a:r>
-              <a:t>https://www.nature.com/</a:t>
+              <a:t>https://en.wikipedia.org/wiki/Main_Page</a:t>
             </a:r>
           </a:p>
           <a:p>
@@ -4235,7 +4235,7 @@
               <a:defRPr sz="1200"/>
             </a:pPr>
             <a:r>
-              <a:t>https://arxiv.org/</a:t>
+              <a:t>https://www.nih.gov/</a:t>
             </a:r>
           </a:p>
           <a:p>
@@ -4243,7 +4243,15 @@
               <a:defRPr sz="1200"/>
             </a:pPr>
             <a:r>
-              <a:t>https://www.metmuseum.org/</a:t>
+              <a:t>https://scholar.google.com/</a:t>
+            </a:r>
+          </a:p>
+          <a:p>
+            <a:pPr>
+              <a:defRPr sz="1200"/>
+            </a:pPr>
+            <a:r>
+              <a:t>https://www.jstor.org/</a:t>
             </a:r>
           </a:p>
         </p:txBody>
@@ -4296,7 +4304,7 @@
                 </a:solidFill>
                 <a:latin typeface="Arial"/>
               </a:rPr>
-              <a:t>AI 核心技术与里程碑</a:t>
+              <a:t>计算智能的起源与逻辑奠基 (1950-1980)</a:t>
             </a:r>
           </a:p>
         </p:txBody>
@@ -4366,7 +4374,7 @@
                 </a:solidFill>
                 <a:latin typeface="Arial"/>
               </a:rPr>
-              <a:t>从图灵测试到深度学习</a:t>
+              <a:t>图灵测试与符号 AI 的诞生</a:t>
             </a:r>
           </a:p>
         </p:txBody>
@@ -4395,7 +4403,7 @@
                 </a:solidFill>
                 <a:latin typeface="Arial"/>
               </a:rPr>
-              <a:t>1950年图灵提出图灵测试，奠定了机器智能的哲学基础。</a:t>
+              <a:t>1950年：阿兰·图灵发表《计算机器与智能》，提出著名的“图灵测试” (Turing Test)。</a:t>
             </a:r>
           </a:p>
           <a:p>
@@ -4407,7 +4415,7 @@
                 </a:solidFill>
                 <a:latin typeface="Arial"/>
               </a:rPr>
-              <a:t>2012年 AlexNet 在 ImageNet 竞赛中夺冠，开启深度学习革命。</a:t>
+              <a:t>1956年：达特茅斯会议 (Dartmouth Workshop) 正式确立“人工智能”学科，麦卡锡、明斯基等人为学科领袖。</a:t>
             </a:r>
           </a:p>
           <a:p>
@@ -4419,7 +4427,7 @@
                 </a:solidFill>
                 <a:latin typeface="Arial"/>
               </a:rPr>
-              <a:t>大模型时代：从 GPT-3 到 Gemini，参数规模实现指数级增长。</a:t>
+              <a:t>逻辑主义时代：基于规则的专家系统（如 MYCIN）在特定医疗诊断领域取得初步成功。</a:t>
             </a:r>
           </a:p>
           <a:p>
@@ -4431,7 +4439,7 @@
                 </a:solidFill>
                 <a:latin typeface="Arial"/>
               </a:rPr>
-              <a:t>多模态融合成为主流，架构趋向于统一的注意力机制模型。</a:t>
+              <a:t>瓶颈出现：早期 AI 难以处理模糊信息，导致70年代中期进入第一个“AI 冬天”。</a:t>
             </a:r>
           </a:p>
         </p:txBody>
@@ -4484,7 +4492,7 @@
                 </a:solidFill>
                 <a:latin typeface="Arial"/>
               </a:rPr>
-              <a:t>生成式 AI 的技术底座</a:t>
+              <a:t>联结主义与神经网络的复兴</a:t>
             </a:r>
           </a:p>
         </p:txBody>
@@ -4513,7 +4521,7 @@
                 </a:solidFill>
                 <a:latin typeface="Arial"/>
               </a:rPr>
-              <a:t>Transformer 架构：自注意力机制（Self-Attention）彻底改变了序列建模。</a:t>
+              <a:t>1986年：Rumelhart 提出反向传播算法 (Backpropagation)，解决了多层感知器的训练难题。</a:t>
             </a:r>
           </a:p>
           <a:p>
@@ -4525,7 +4533,7 @@
                 </a:solidFill>
                 <a:latin typeface="Arial"/>
               </a:rPr>
-              <a:t>扩散模型（Diffusion Models）：在图像生成与物理模拟领域占据核心地位。</a:t>
+              <a:t>统计学习方法崛起：SVM 与随机森林在90年代成为机器学习的主流工具。</a:t>
             </a:r>
           </a:p>
           <a:p>
@@ -4537,7 +4545,7 @@
                 </a:solidFill>
                 <a:latin typeface="Arial"/>
               </a:rPr>
-              <a:t>算力与数据：高性能 GPU 集群与高质量标注数据构筑的核心护城河。</a:t>
+              <a:t>GPU 计算能力的增强：为复杂的矩阵运算提供了硬件基础，神经网络的研究重心逐渐转向深度化。</a:t>
             </a:r>
           </a:p>
           <a:p>
@@ -4549,7 +4557,7 @@
                 </a:solidFill>
                 <a:latin typeface="Arial"/>
               </a:rPr>
-              <a:t>RLHF：通过人类反馈的强化学习极大提升了模型的一致性与安全性。</a:t>
+              <a:t>循环神经网络 (RNN) 与 LSTM：在高盛等金融机构及自然语言处理中开始显露头角。</a:t>
             </a:r>
           </a:p>
         </p:txBody>
@@ -4602,7 +4610,7 @@
                 </a:solidFill>
                 <a:latin typeface="Arial"/>
               </a:rPr>
-              <a:t>产业影响与未来展望</a:t>
+              <a:t>深度学习革命与大模型时代 (2012-Present)</a:t>
             </a:r>
           </a:p>
         </p:txBody>
@@ -4672,7 +4680,7 @@
                 </a:solidFill>
                 <a:latin typeface="Arial"/>
               </a:rPr>
-              <a:t>AI 赋能行业转型</a:t>
+              <a:t>从 ImageNet 到 Transformer 架构</a:t>
             </a:r>
           </a:p>
         </p:txBody>
@@ -4701,7 +4709,7 @@
                 </a:solidFill>
                 <a:latin typeface="Arial"/>
               </a:rPr>
-              <a:t>金融领域：利用大模型进行实时风险评估与个性化理财顾问。</a:t>
+              <a:t>2012年：AlexNet 以领先第二名10.8%的优势夺得 ImageNet 冠军，开启深度卷积神经网络时代。</a:t>
             </a:r>
           </a:p>
           <a:p>
@@ -4713,7 +4721,7 @@
                 </a:solidFill>
                 <a:latin typeface="Arial"/>
               </a:rPr>
-              <a:t>医疗健康：AI 辅助药物发现与蛋白质结构预测（AlphaFold）。</a:t>
+              <a:t>2017年：Google 发表《Attention is All You Need》，提出 Transformer 架构，颠覆序列建模模式。</a:t>
             </a:r>
           </a:p>
           <a:p>
@@ -4725,7 +4733,7 @@
                 </a:solidFill>
                 <a:latin typeface="Arial"/>
               </a:rPr>
-              <a:t>智能制造：端到端自动驾驶与具身智能（Embodied AI）机器人。</a:t>
+              <a:t>预训练大模型 (LLMs)：GPT-3 的 1750亿参数规模展示了模型容量与涌现能力 (Emergent Abilities) 的正相关性。</a:t>
             </a:r>
           </a:p>
           <a:p>
@@ -4737,7 +4745,7 @@
                 </a:solidFill>
                 <a:latin typeface="Arial"/>
               </a:rPr>
-              <a:t>文化创意：跨模态创作极大地降低了艺术与编程的入门门槛。</a:t>
+              <a:t>推理与对齐：利用 RLHF (基于人类反馈的强化学习) 解决了模型在道德与逻辑层面的幻觉问题。</a:t>
             </a:r>
           </a:p>
         </p:txBody>
@@ -4801,7 +4809,7 @@
               <a:defRPr sz="1200"/>
             </a:pPr>
             <a:r>
-              <a:t>https://www.nature.com/</a:t>
+              <a:t>https://en.wikipedia.org/wiki/Main_Page</a:t>
             </a:r>
           </a:p>
           <a:p>
@@ -4809,7 +4817,7 @@
               <a:defRPr sz="1200"/>
             </a:pPr>
             <a:r>
-              <a:t>https://arxiv.org/</a:t>
+              <a:t>https://www.nih.gov/</a:t>
             </a:r>
           </a:p>
           <a:p>
@@ -4817,7 +4825,15 @@
               <a:defRPr sz="1200"/>
             </a:pPr>
             <a:r>
-              <a:t>https://www.metmuseum.org/</a:t>
+              <a:t>https://scholar.google.com/</a:t>
+            </a:r>
+          </a:p>
+          <a:p>
+            <a:pPr>
+              <a:defRPr sz="1200"/>
+            </a:pPr>
+            <a:r>
+              <a:t>https://www.jstor.org/</a:t>
             </a:r>
           </a:p>
         </p:txBody>
@@ -4870,7 +4886,7 @@
                 </a:solidFill>
                 <a:latin typeface="Georgia"/>
               </a:rPr>
-              <a:t>现代人的健康生活指南</a:t>
+              <a:t>代谢革命：基于现代营养学的长寿科学</a:t>
             </a:r>
           </a:p>
         </p:txBody>
@@ -4897,7 +4913,7 @@
                 </a:solidFill>
                 <a:latin typeface="Georgia"/>
               </a:rPr>
-              <a:t>Topic: 健康生活方式指南</a:t>
+              <a:t>Topic: 现代营养学与代谢健康科学</a:t>
             </a:r>
           </a:p>
         </p:txBody>
@@ -4950,7 +4966,7 @@
                 </a:solidFill>
                 <a:latin typeface="Georgia"/>
               </a:rPr>
-              <a:t>营养平衡与均衡饮食</a:t>
+              <a:t>细胞能量代谢与胰岛素平衡</a:t>
             </a:r>
           </a:p>
         </p:txBody>

--- a/samples/cn_life.pptx
+++ b/samples/cn_life.pptx
@@ -4227,7 +4227,7 @@
               <a:defRPr sz="1200"/>
             </a:pPr>
             <a:r>
-              <a:t>https://en.wikipedia.org/wiki/Main_Page</a:t>
+              <a:t>https://www.nih.gov/</a:t>
             </a:r>
           </a:p>
           <a:p>
@@ -4235,7 +4235,7 @@
               <a:defRPr sz="1200"/>
             </a:pPr>
             <a:r>
-              <a:t>https://www.nih.gov/</a:t>
+              <a:t>https://scholar.google.com/</a:t>
             </a:r>
           </a:p>
           <a:p>
@@ -4243,7 +4243,7 @@
               <a:defRPr sz="1200"/>
             </a:pPr>
             <a:r>
-              <a:t>https://scholar.google.com/</a:t>
+              <a:t>https://www.jstor.org/</a:t>
             </a:r>
           </a:p>
           <a:p>
@@ -4251,7 +4251,7 @@
               <a:defRPr sz="1200"/>
             </a:pPr>
             <a:r>
-              <a:t>https://www.jstor.org/</a:t>
+              <a:t>https://en.wikipedia.org/wiki/Main_Page</a:t>
             </a:r>
           </a:p>
         </p:txBody>
@@ -4809,7 +4809,7 @@
               <a:defRPr sz="1200"/>
             </a:pPr>
             <a:r>
-              <a:t>https://en.wikipedia.org/wiki/Main_Page</a:t>
+              <a:t>https://www.nih.gov/</a:t>
             </a:r>
           </a:p>
           <a:p>
@@ -4817,7 +4817,7 @@
               <a:defRPr sz="1200"/>
             </a:pPr>
             <a:r>
-              <a:t>https://www.nih.gov/</a:t>
+              <a:t>https://scholar.google.com/</a:t>
             </a:r>
           </a:p>
           <a:p>
@@ -4825,7 +4825,7 @@
               <a:defRPr sz="1200"/>
             </a:pPr>
             <a:r>
-              <a:t>https://scholar.google.com/</a:t>
+              <a:t>https://www.jstor.org/</a:t>
             </a:r>
           </a:p>
           <a:p>
@@ -4833,7 +4833,7 @@
               <a:defRPr sz="1200"/>
             </a:pPr>
             <a:r>
-              <a:t>https://www.jstor.org/</a:t>
+              <a:t>https://en.wikipedia.org/wiki/Main_Page</a:t>
             </a:r>
           </a:p>
         </p:txBody>

--- a/samples/cn_life.pptx
+++ b/samples/cn_life.pptx
@@ -11,13 +11,6 @@
     <p:sldId id="259" r:id="rId11"/>
     <p:sldId id="260" r:id="rId12"/>
     <p:sldId id="261" r:id="rId13"/>
-    <p:sldId id="262" r:id="rId14"/>
-    <p:sldId id="263" r:id="rId15"/>
-    <p:sldId id="264" r:id="rId16"/>
-    <p:sldId id="265" r:id="rId17"/>
-    <p:sldId id="266" r:id="rId18"/>
-    <p:sldId id="267" r:id="rId19"/>
-    <p:sldId id="268" r:id="rId20"/>
   </p:sldIdLst>
   <p:sldSz cx="9144000" cy="6858000" type="screen4x3"/>
   <p:notesSz cx="6858000" cy="9144000"/>
@@ -514,7 +507,7 @@
           <a:lstStyle/>
           <a:p>
             <a:r>
-              <a:t>本节介绍 AI 的前身及其早期的哲学与数学基础，重点强调对人类智能的逻辑模拟尝试。</a:t>
+              <a:t>旨在揭示胰岛素在人体内调取和储存能量的底层逻辑，以及不当饮食对代谢系统的长期损伤。</a:t>
             </a:r>
           </a:p>
         </p:txBody>
@@ -540,216 +533,6 @@
 </file>
 
 <file path=ppt/notesSlides/notesSlide2.xml><?xml version="1.0" encoding="utf-8"?>
-<p:notes xmlns:a="http://schemas.openxmlformats.org/drawingml/2006/main" xmlns:p="http://schemas.openxmlformats.org/presentationml/2006/main" xmlns:r="http://schemas.openxmlformats.org/officeDocument/2006/relationships">
-  <p:cSld>
-    <p:spTree>
-      <p:nvGrpSpPr>
-        <p:cNvPr id="1" name=""/>
-        <p:cNvGrpSpPr/>
-        <p:nvPr/>
-      </p:nvGrpSpPr>
-      <p:grpSpPr>
-        <a:xfrm>
-          <a:off x="0" y="0"/>
-          <a:ext cx="0" cy="0"/>
-          <a:chOff x="0" y="0"/>
-          <a:chExt cx="0" cy="0"/>
-        </a:xfrm>
-      </p:grpSpPr>
-      <p:sp>
-        <p:nvSpPr>
-          <p:cNvPr id="2" name="Slide Image Placeholder 1"/>
-          <p:cNvSpPr>
-            <a:spLocks noGrp="1"/>
-          </p:cNvSpPr>
-          <p:nvPr>
-            <p:ph type="sldImg" idx="2"/>
-          </p:nvPr>
-        </p:nvSpPr>
-        <p:spPr/>
-      </p:sp>
-      <p:sp>
-        <p:nvSpPr>
-          <p:cNvPr id="3" name="Notes Placeholder 2"/>
-          <p:cNvSpPr>
-            <a:spLocks noGrp="1"/>
-          </p:cNvSpPr>
-          <p:nvPr>
-            <p:ph type="body" idx="3" sz="quarter"/>
-          </p:nvPr>
-        </p:nvSpPr>
-        <p:spPr/>
-        <p:txBody>
-          <a:bodyPr/>
-          <a:lstStyle/>
-          <a:p>
-            <a:r>
-              <a:t>介绍神经网络从被冷落到重新获得学术界关注的过程，为后来的深度学习爆发做铺垫。</a:t>
-            </a:r>
-          </a:p>
-        </p:txBody>
-      </p:sp>
-      <p:sp>
-        <p:nvSpPr>
-          <p:cNvPr id="4" name="Slide Number Placeholder 3"/>
-          <p:cNvSpPr>
-            <a:spLocks noGrp="1"/>
-          </p:cNvSpPr>
-          <p:nvPr>
-            <p:ph type="sldNum" idx="5" sz="quarter"/>
-          </p:nvPr>
-        </p:nvSpPr>
-        <p:spPr/>
-      </p:sp>
-    </p:spTree>
-  </p:cSld>
-  <p:clrMapOvr>
-    <a:masterClrMapping/>
-  </p:clrMapOvr>
-</p:notes>
-</file>
-
-<file path=ppt/notesSlides/notesSlide3.xml><?xml version="1.0" encoding="utf-8"?>
-<p:notes xmlns:a="http://schemas.openxmlformats.org/drawingml/2006/main" xmlns:p="http://schemas.openxmlformats.org/presentationml/2006/main" xmlns:r="http://schemas.openxmlformats.org/officeDocument/2006/relationships">
-  <p:cSld>
-    <p:spTree>
-      <p:nvGrpSpPr>
-        <p:cNvPr id="1" name=""/>
-        <p:cNvGrpSpPr/>
-        <p:nvPr/>
-      </p:nvGrpSpPr>
-      <p:grpSpPr>
-        <a:xfrm>
-          <a:off x="0" y="0"/>
-          <a:ext cx="0" cy="0"/>
-          <a:chOff x="0" y="0"/>
-          <a:chExt cx="0" cy="0"/>
-        </a:xfrm>
-      </p:grpSpPr>
-      <p:sp>
-        <p:nvSpPr>
-          <p:cNvPr id="2" name="Slide Image Placeholder 1"/>
-          <p:cNvSpPr>
-            <a:spLocks noGrp="1"/>
-          </p:cNvSpPr>
-          <p:nvPr>
-            <p:ph type="sldImg" idx="2"/>
-          </p:nvPr>
-        </p:nvSpPr>
-        <p:spPr/>
-      </p:sp>
-      <p:sp>
-        <p:nvSpPr>
-          <p:cNvPr id="3" name="Notes Placeholder 2"/>
-          <p:cNvSpPr>
-            <a:spLocks noGrp="1"/>
-          </p:cNvSpPr>
-          <p:nvPr>
-            <p:ph type="body" idx="3" sz="quarter"/>
-          </p:nvPr>
-        </p:nvSpPr>
-        <p:spPr/>
-        <p:txBody>
-          <a:bodyPr/>
-          <a:lstStyle/>
-          <a:p>
-            <a:r>
-              <a:t>分析深度学习在视觉和 NLP 领域的双重突破，揭示 Transformer 架构为何成为当今万物互联的技术底座。</a:t>
-            </a:r>
-          </a:p>
-        </p:txBody>
-      </p:sp>
-      <p:sp>
-        <p:nvSpPr>
-          <p:cNvPr id="4" name="Slide Number Placeholder 3"/>
-          <p:cNvSpPr>
-            <a:spLocks noGrp="1"/>
-          </p:cNvSpPr>
-          <p:nvPr>
-            <p:ph type="sldNum" idx="5" sz="quarter"/>
-          </p:nvPr>
-        </p:nvSpPr>
-        <p:spPr/>
-      </p:sp>
-    </p:spTree>
-  </p:cSld>
-  <p:clrMapOvr>
-    <a:masterClrMapping/>
-  </p:clrMapOvr>
-</p:notes>
-</file>
-
-<file path=ppt/notesSlides/notesSlide4.xml><?xml version="1.0" encoding="utf-8"?>
-<p:notes xmlns:a="http://schemas.openxmlformats.org/drawingml/2006/main" xmlns:p="http://schemas.openxmlformats.org/presentationml/2006/main" xmlns:r="http://schemas.openxmlformats.org/officeDocument/2006/relationships">
-  <p:cSld>
-    <p:spTree>
-      <p:nvGrpSpPr>
-        <p:cNvPr id="1" name=""/>
-        <p:cNvGrpSpPr/>
-        <p:nvPr/>
-      </p:nvGrpSpPr>
-      <p:grpSpPr>
-        <a:xfrm>
-          <a:off x="0" y="0"/>
-          <a:ext cx="0" cy="0"/>
-          <a:chOff x="0" y="0"/>
-          <a:chExt cx="0" cy="0"/>
-        </a:xfrm>
-      </p:grpSpPr>
-      <p:sp>
-        <p:nvSpPr>
-          <p:cNvPr id="2" name="Slide Image Placeholder 1"/>
-          <p:cNvSpPr>
-            <a:spLocks noGrp="1"/>
-          </p:cNvSpPr>
-          <p:nvPr>
-            <p:ph type="sldImg" idx="2"/>
-          </p:nvPr>
-        </p:nvSpPr>
-        <p:spPr/>
-      </p:sp>
-      <p:sp>
-        <p:nvSpPr>
-          <p:cNvPr id="3" name="Notes Placeholder 2"/>
-          <p:cNvSpPr>
-            <a:spLocks noGrp="1"/>
-          </p:cNvSpPr>
-          <p:nvPr>
-            <p:ph type="body" idx="3" sz="quarter"/>
-          </p:nvPr>
-        </p:nvSpPr>
-        <p:spPr/>
-        <p:txBody>
-          <a:bodyPr/>
-          <a:lstStyle/>
-          <a:p>
-            <a:r>
-              <a:t>旨在揭示胰岛素在人体内调取和储存能量的底层逻辑，以及不当饮食对代谢系统的长期损伤。</a:t>
-            </a:r>
-          </a:p>
-        </p:txBody>
-      </p:sp>
-      <p:sp>
-        <p:nvSpPr>
-          <p:cNvPr id="4" name="Slide Number Placeholder 3"/>
-          <p:cNvSpPr>
-            <a:spLocks noGrp="1"/>
-          </p:cNvSpPr>
-          <p:nvPr>
-            <p:ph type="sldNum" idx="5" sz="quarter"/>
-          </p:nvPr>
-        </p:nvSpPr>
-        <p:spPr/>
-      </p:sp>
-    </p:spTree>
-  </p:cSld>
-  <p:clrMapOvr>
-    <a:masterClrMapping/>
-  </p:clrMapOvr>
-</p:notes>
-</file>
-
-<file path=ppt/notesSlides/notesSlide5.xml><?xml version="1.0" encoding="utf-8"?>
 <p:notes xmlns:a="http://schemas.openxmlformats.org/drawingml/2006/main" xmlns:p="http://schemas.openxmlformats.org/presentationml/2006/main" xmlns:r="http://schemas.openxmlformats.org/officeDocument/2006/relationships">
   <p:cSld>
     <p:spTree>
@@ -3796,7 +3579,7 @@
     <p:bg>
       <p:bgPr>
         <a:solidFill>
-          <a:srgbClr val="0A0A28"/>
+          <a:srgbClr val="F5FFFA"/>
         </a:solidFill>
         <a:effectLst/>
       </p:bgPr>
@@ -3826,11 +3609,11 @@
             <a:r>
               <a:rPr>
                 <a:solidFill>
-                  <a:srgbClr val="0066CC"/>
+                  <a:srgbClr val="228B22"/>
                 </a:solidFill>
-                <a:latin typeface="Arial"/>
+                <a:latin typeface="Georgia"/>
               </a:rPr>
-              <a:t>人工智能：从图灵测试到通用人工智能 (AGI)</a:t>
+              <a:t>代谢革命：基于现代营养学的长寿科学</a:t>
             </a:r>
           </a:p>
         </p:txBody>
@@ -3853,11 +3636,11 @@
             <a:r>
               <a:rPr>
                 <a:solidFill>
-                  <a:srgbClr val="C8C8FF"/>
+                  <a:srgbClr val="325032"/>
                 </a:solidFill>
-                <a:latin typeface="Arial"/>
+                <a:latin typeface="Georgia"/>
               </a:rPr>
-              <a:t>Topic: AI的发展历史与未来趋势</a:t>
+              <a:t>Topic: 现代营养学与代谢健康科学</a:t>
             </a:r>
           </a:p>
         </p:txBody>
@@ -3870,7 +3653,7 @@
 </p:sld>
 </file>
 
-<file path=ppt/slides/slide10.xml><?xml version="1.0" encoding="utf-8"?>
+<file path=ppt/slides/slide2.xml><?xml version="1.0" encoding="utf-8"?>
 <p:sld xmlns:a="http://schemas.openxmlformats.org/drawingml/2006/main" xmlns:p="http://schemas.openxmlformats.org/presentationml/2006/main" xmlns:r="http://schemas.openxmlformats.org/officeDocument/2006/relationships">
   <p:cSld>
     <p:bg>
@@ -3910,74 +3693,26 @@
                 </a:solidFill>
                 <a:latin typeface="Georgia"/>
               </a:rPr>
-              <a:t>胰岛素敏感性：健康的万能钥匙</a:t>
-            </a:r>
-          </a:p>
-        </p:txBody>
-      </p:sp>
-      <p:sp>
-        <p:nvSpPr>
-          <p:cNvPr id="3" name="Content Placeholder 2"/>
-          <p:cNvSpPr>
-            <a:spLocks noGrp="1"/>
-          </p:cNvSpPr>
-          <p:nvPr>
-            <p:ph idx="1"/>
-          </p:nvPr>
-        </p:nvSpPr>
-        <p:spPr/>
-        <p:txBody>
-          <a:bodyPr wrap="square"/>
+              <a:t>细胞能量代谢与胰岛素平衡</a:t>
+            </a:r>
+          </a:p>
+        </p:txBody>
+      </p:sp>
+      <p:sp>
+        <p:nvSpPr>
+          <p:cNvPr id="3" name="Text Placeholder 2"/>
+          <p:cNvSpPr>
+            <a:spLocks noGrp="1"/>
+          </p:cNvSpPr>
+          <p:nvPr>
+            <p:ph type="body" idx="1"/>
+          </p:nvPr>
+        </p:nvSpPr>
+        <p:spPr/>
+        <p:txBody>
+          <a:bodyPr/>
           <a:lstStyle/>
           <a:p/>
-          <a:p>
-            <a:pPr/>
-            <a:r>
-              <a:rPr>
-                <a:solidFill>
-                  <a:srgbClr val="325032"/>
-                </a:solidFill>
-                <a:latin typeface="Georgia"/>
-              </a:rPr>
-              <a:t>胰岛素抵抗 (Insulin Resistance)：不仅是糖尿病前兆，更是 2 型糖尿病、多囊卵巢综合征 (PCOS) 的核心驱动因素。</a:t>
-            </a:r>
-          </a:p>
-          <a:p>
-            <a:pPr/>
-            <a:r>
-              <a:rPr>
-                <a:solidFill>
-                  <a:srgbClr val="325032"/>
-                </a:solidFill>
-                <a:latin typeface="Georgia"/>
-              </a:rPr>
-              <a:t>血糖波动的负面影响：餐后高血糖导致的糖基化终产物 (AGEs) 会加速血管内膜老化。</a:t>
-            </a:r>
-          </a:p>
-          <a:p>
-            <a:pPr/>
-            <a:r>
-              <a:rPr>
-                <a:solidFill>
-                  <a:srgbClr val="325032"/>
-                </a:solidFill>
-                <a:latin typeface="Georgia"/>
-              </a:rPr>
-              <a:t>低 GI 饮食策略：通过全谷物和高纤维摄入，维持血清能量供应的平滑曲线。</a:t>
-            </a:r>
-          </a:p>
-          <a:p>
-            <a:pPr/>
-            <a:r>
-              <a:rPr>
-                <a:solidFill>
-                  <a:srgbClr val="325032"/>
-                </a:solidFill>
-                <a:latin typeface="Georgia"/>
-              </a:rPr>
-              <a:t>动态血糖监测 (CGM)：现代医疗技术从盲目补给向实时精准控糖的转变。</a:t>
-            </a:r>
-          </a:p>
         </p:txBody>
       </p:sp>
     </p:spTree>
@@ -3988,7 +3723,7 @@
 </p:sld>
 </file>
 
-<file path=ppt/slides/slide11.xml><?xml version="1.0" encoding="utf-8"?>
+<file path=ppt/slides/slide3.xml><?xml version="1.0" encoding="utf-8"?>
 <p:sld xmlns:a="http://schemas.openxmlformats.org/drawingml/2006/main" xmlns:p="http://schemas.openxmlformats.org/presentationml/2006/main" xmlns:r="http://schemas.openxmlformats.org/officeDocument/2006/relationships">
   <p:cSld>
     <p:bg>
@@ -4028,26 +3763,74 @@
                 </a:solidFill>
                 <a:latin typeface="Georgia"/>
               </a:rPr>
-              <a:t>线粒体功能与抗炎生活方式</a:t>
-            </a:r>
-          </a:p>
-        </p:txBody>
-      </p:sp>
-      <p:sp>
-        <p:nvSpPr>
-          <p:cNvPr id="3" name="Text Placeholder 2"/>
-          <p:cNvSpPr>
-            <a:spLocks noGrp="1"/>
-          </p:cNvSpPr>
-          <p:nvPr>
-            <p:ph type="body" idx="1"/>
-          </p:nvPr>
-        </p:nvSpPr>
-        <p:spPr/>
-        <p:txBody>
-          <a:bodyPr/>
+              <a:t>胰岛素敏感性：健康的万能钥匙</a:t>
+            </a:r>
+          </a:p>
+        </p:txBody>
+      </p:sp>
+      <p:sp>
+        <p:nvSpPr>
+          <p:cNvPr id="3" name="Content Placeholder 2"/>
+          <p:cNvSpPr>
+            <a:spLocks noGrp="1"/>
+          </p:cNvSpPr>
+          <p:nvPr>
+            <p:ph idx="1"/>
+          </p:nvPr>
+        </p:nvSpPr>
+        <p:spPr/>
+        <p:txBody>
+          <a:bodyPr wrap="square"/>
           <a:lstStyle/>
           <a:p/>
+          <a:p>
+            <a:pPr/>
+            <a:r>
+              <a:rPr>
+                <a:solidFill>
+                  <a:srgbClr val="325032"/>
+                </a:solidFill>
+                <a:latin typeface="Georgia"/>
+              </a:rPr>
+              <a:t>胰岛素抵抗 (Insulin Resistance)：不仅是糖尿病前兆，更是 2 型糖尿病、多囊卵巢综合征 (PCOS) 的核心驱动因素。</a:t>
+            </a:r>
+          </a:p>
+          <a:p>
+            <a:pPr/>
+            <a:r>
+              <a:rPr>
+                <a:solidFill>
+                  <a:srgbClr val="325032"/>
+                </a:solidFill>
+                <a:latin typeface="Georgia"/>
+              </a:rPr>
+              <a:t>血糖波动的负面影响：餐后高血糖导致的糖基化终产物 (AGEs) 会加速血管内膜老化。</a:t>
+            </a:r>
+          </a:p>
+          <a:p>
+            <a:pPr/>
+            <a:r>
+              <a:rPr>
+                <a:solidFill>
+                  <a:srgbClr val="325032"/>
+                </a:solidFill>
+                <a:latin typeface="Georgia"/>
+              </a:rPr>
+              <a:t>低 GI 饮食策略：通过全谷物 and 高纤维摄入，维持血清能量供应的平滑曲线。</a:t>
+            </a:r>
+          </a:p>
+          <a:p>
+            <a:pPr/>
+            <a:r>
+              <a:rPr>
+                <a:solidFill>
+                  <a:srgbClr val="325032"/>
+                </a:solidFill>
+                <a:latin typeface="Georgia"/>
+              </a:rPr>
+              <a:t>动态血糖监测 (CGM)：现代医疗技术从盲目补给向实时精准控糖的转变。</a:t>
+            </a:r>
+          </a:p>
         </p:txBody>
       </p:sp>
     </p:spTree>
@@ -4058,7 +3841,7 @@
 </p:sld>
 </file>
 
-<file path=ppt/slides/slide12.xml><?xml version="1.0" encoding="utf-8"?>
+<file path=ppt/slides/slide4.xml><?xml version="1.0" encoding="utf-8"?>
 <p:sld xmlns:a="http://schemas.openxmlformats.org/drawingml/2006/main" xmlns:p="http://schemas.openxmlformats.org/presentationml/2006/main" xmlns:r="http://schemas.openxmlformats.org/officeDocument/2006/relationships">
   <p:cSld>
     <p:bg>
@@ -4098,468 +3881,26 @@
                 </a:solidFill>
                 <a:latin typeface="Georgia"/>
               </a:rPr>
-              <a:t>线粒体：细胞的能量工厂</a:t>
-            </a:r>
-          </a:p>
-        </p:txBody>
-      </p:sp>
-      <p:sp>
-        <p:nvSpPr>
-          <p:cNvPr id="3" name="Content Placeholder 2"/>
-          <p:cNvSpPr>
-            <a:spLocks noGrp="1"/>
-          </p:cNvSpPr>
-          <p:nvPr>
-            <p:ph idx="1"/>
-          </p:nvPr>
-        </p:nvSpPr>
-        <p:spPr/>
-        <p:txBody>
-          <a:bodyPr wrap="square"/>
+              <a:t>线粒体功能与抗炎生活方式</a:t>
+            </a:r>
+          </a:p>
+        </p:txBody>
+      </p:sp>
+      <p:sp>
+        <p:nvSpPr>
+          <p:cNvPr id="3" name="Text Placeholder 2"/>
+          <p:cNvSpPr>
+            <a:spLocks noGrp="1"/>
+          </p:cNvSpPr>
+          <p:nvPr>
+            <p:ph type="body" idx="1"/>
+          </p:nvPr>
+        </p:nvSpPr>
+        <p:spPr/>
+        <p:txBody>
+          <a:bodyPr/>
           <a:lstStyle/>
           <a:p/>
-          <a:p>
-            <a:pPr/>
-            <a:r>
-              <a:rPr>
-                <a:solidFill>
-                  <a:srgbClr val="325032"/>
-                </a:solidFill>
-                <a:latin typeface="Georgia"/>
-              </a:rPr>
-              <a:t>线粒体自噬 (Mitophagy)：通过断食或高强度间歇训练 (HIIT) 触发坏死线粒体的自我清理。</a:t>
-            </a:r>
-          </a:p>
-          <a:p>
-            <a:pPr/>
-            <a:r>
-              <a:rPr>
-                <a:solidFill>
-                  <a:srgbClr val="325032"/>
-                </a:solidFill>
-                <a:latin typeface="Georgia"/>
-              </a:rPr>
-              <a:t>氧化压力与抗氧化平衡：SOD 等内源性酶在抵御超氧阴离子自由基中的核心作用。</a:t>
-            </a:r>
-          </a:p>
-          <a:p>
-            <a:pPr/>
-            <a:r>
-              <a:rPr>
-                <a:solidFill>
-                  <a:srgbClr val="325032"/>
-                </a:solidFill>
-                <a:latin typeface="Georgia"/>
-              </a:rPr>
-              <a:t>睡眠与线粒体修复：深度睡眠期是大脑清除代谢废物（β-淀粉样蛋白）的唯一窗口期。</a:t>
-            </a:r>
-          </a:p>
-          <a:p>
-            <a:pPr/>
-            <a:r>
-              <a:rPr>
-                <a:solidFill>
-                  <a:srgbClr val="325032"/>
-                </a:solidFill>
-                <a:latin typeface="Georgia"/>
-              </a:rPr>
-              <a:t>Omega-3s 的抗炎机制：通过调节细胞膜流动性来降低慢性系统性炎症水平。</a:t>
-            </a:r>
-          </a:p>
-        </p:txBody>
-      </p:sp>
-    </p:spTree>
-  </p:cSld>
-  <p:clrMapOvr>
-    <a:masterClrMapping/>
-  </p:clrMapOvr>
-</p:sld>
-</file>
-
-<file path=ppt/slides/slide13.xml><?xml version="1.0" encoding="utf-8"?>
-<p:sld xmlns:a="http://schemas.openxmlformats.org/drawingml/2006/main" xmlns:p="http://schemas.openxmlformats.org/presentationml/2006/main" xmlns:r="http://schemas.openxmlformats.org/officeDocument/2006/relationships">
-  <p:cSld>
-    <p:spTree>
-      <p:nvGrpSpPr>
-        <p:cNvPr id="1" name=""/>
-        <p:cNvGrpSpPr/>
-        <p:nvPr/>
-      </p:nvGrpSpPr>
-      <p:grpSpPr/>
-      <p:sp>
-        <p:nvSpPr>
-          <p:cNvPr id="2" name="Title 1"/>
-          <p:cNvSpPr>
-            <a:spLocks noGrp="1"/>
-          </p:cNvSpPr>
-          <p:nvPr>
-            <p:ph type="title"/>
-          </p:nvPr>
-        </p:nvSpPr>
-        <p:spPr/>
-        <p:txBody>
-          <a:bodyPr/>
-          <a:lstStyle/>
-          <a:p>
-            <a:r>
-              <a:t>References</a:t>
-            </a:r>
-          </a:p>
-        </p:txBody>
-      </p:sp>
-      <p:sp>
-        <p:nvSpPr>
-          <p:cNvPr id="3" name="Content Placeholder 2"/>
-          <p:cNvSpPr>
-            <a:spLocks noGrp="1"/>
-          </p:cNvSpPr>
-          <p:nvPr>
-            <p:ph idx="1"/>
-          </p:nvPr>
-        </p:nvSpPr>
-        <p:spPr/>
-        <p:txBody>
-          <a:bodyPr/>
-          <a:lstStyle/>
-          <a:p/>
-          <a:p>
-            <a:pPr>
-              <a:defRPr sz="1200"/>
-            </a:pPr>
-            <a:r>
-              <a:t>https://www.nih.gov/</a:t>
-            </a:r>
-          </a:p>
-          <a:p>
-            <a:pPr>
-              <a:defRPr sz="1200"/>
-            </a:pPr>
-            <a:r>
-              <a:t>https://scholar.google.com/</a:t>
-            </a:r>
-          </a:p>
-          <a:p>
-            <a:pPr>
-              <a:defRPr sz="1200"/>
-            </a:pPr>
-            <a:r>
-              <a:t>https://www.jstor.org/</a:t>
-            </a:r>
-          </a:p>
-          <a:p>
-            <a:pPr>
-              <a:defRPr sz="1200"/>
-            </a:pPr>
-            <a:r>
-              <a:t>https://en.wikipedia.org/wiki/Main_Page</a:t>
-            </a:r>
-          </a:p>
-        </p:txBody>
-      </p:sp>
-    </p:spTree>
-  </p:cSld>
-  <p:clrMapOvr>
-    <a:masterClrMapping/>
-  </p:clrMapOvr>
-</p:sld>
-</file>
-
-<file path=ppt/slides/slide2.xml><?xml version="1.0" encoding="utf-8"?>
-<p:sld xmlns:a="http://schemas.openxmlformats.org/drawingml/2006/main" xmlns:p="http://schemas.openxmlformats.org/presentationml/2006/main" xmlns:r="http://schemas.openxmlformats.org/officeDocument/2006/relationships">
-  <p:cSld>
-    <p:bg>
-      <p:bgPr>
-        <a:solidFill>
-          <a:srgbClr val="0A0A28"/>
-        </a:solidFill>
-        <a:effectLst/>
-      </p:bgPr>
-    </p:bg>
-    <p:spTree>
-      <p:nvGrpSpPr>
-        <p:cNvPr id="1" name=""/>
-        <p:cNvGrpSpPr/>
-        <p:nvPr/>
-      </p:nvGrpSpPr>
-      <p:grpSpPr/>
-      <p:sp>
-        <p:nvSpPr>
-          <p:cNvPr id="2" name="Title 1"/>
-          <p:cNvSpPr>
-            <a:spLocks noGrp="1"/>
-          </p:cNvSpPr>
-          <p:nvPr>
-            <p:ph type="title"/>
-          </p:nvPr>
-        </p:nvSpPr>
-        <p:spPr/>
-        <p:txBody>
-          <a:bodyPr/>
-          <a:lstStyle/>
-          <a:p>
-            <a:r>
-              <a:rPr>
-                <a:solidFill>
-                  <a:srgbClr val="0066CC"/>
-                </a:solidFill>
-                <a:latin typeface="Arial"/>
-              </a:rPr>
-              <a:t>计算智能的起源与逻辑奠基 (1950-1980)</a:t>
-            </a:r>
-          </a:p>
-        </p:txBody>
-      </p:sp>
-      <p:sp>
-        <p:nvSpPr>
-          <p:cNvPr id="3" name="Text Placeholder 2"/>
-          <p:cNvSpPr>
-            <a:spLocks noGrp="1"/>
-          </p:cNvSpPr>
-          <p:nvPr>
-            <p:ph type="body" idx="1"/>
-          </p:nvPr>
-        </p:nvSpPr>
-        <p:spPr/>
-        <p:txBody>
-          <a:bodyPr/>
-          <a:lstStyle/>
-          <a:p/>
-        </p:txBody>
-      </p:sp>
-    </p:spTree>
-  </p:cSld>
-  <p:clrMapOvr>
-    <a:masterClrMapping/>
-  </p:clrMapOvr>
-</p:sld>
-</file>
-
-<file path=ppt/slides/slide3.xml><?xml version="1.0" encoding="utf-8"?>
-<p:sld xmlns:a="http://schemas.openxmlformats.org/drawingml/2006/main" xmlns:p="http://schemas.openxmlformats.org/presentationml/2006/main" xmlns:r="http://schemas.openxmlformats.org/officeDocument/2006/relationships">
-  <p:cSld>
-    <p:bg>
-      <p:bgPr>
-        <a:solidFill>
-          <a:srgbClr val="0A0A28"/>
-        </a:solidFill>
-        <a:effectLst/>
-      </p:bgPr>
-    </p:bg>
-    <p:spTree>
-      <p:nvGrpSpPr>
-        <p:cNvPr id="1" name=""/>
-        <p:cNvGrpSpPr/>
-        <p:nvPr/>
-      </p:nvGrpSpPr>
-      <p:grpSpPr/>
-      <p:sp>
-        <p:nvSpPr>
-          <p:cNvPr id="2" name="Title 1"/>
-          <p:cNvSpPr>
-            <a:spLocks noGrp="1"/>
-          </p:cNvSpPr>
-          <p:nvPr>
-            <p:ph type="title"/>
-          </p:nvPr>
-        </p:nvSpPr>
-        <p:spPr/>
-        <p:txBody>
-          <a:bodyPr/>
-          <a:lstStyle/>
-          <a:p>
-            <a:r>
-              <a:rPr>
-                <a:solidFill>
-                  <a:srgbClr val="0066CC"/>
-                </a:solidFill>
-                <a:latin typeface="Arial"/>
-              </a:rPr>
-              <a:t>图灵测试与符号 AI 的诞生</a:t>
-            </a:r>
-          </a:p>
-        </p:txBody>
-      </p:sp>
-      <p:sp>
-        <p:nvSpPr>
-          <p:cNvPr id="3" name="Content Placeholder 2"/>
-          <p:cNvSpPr>
-            <a:spLocks noGrp="1"/>
-          </p:cNvSpPr>
-          <p:nvPr>
-            <p:ph idx="1"/>
-          </p:nvPr>
-        </p:nvSpPr>
-        <p:spPr/>
-        <p:txBody>
-          <a:bodyPr wrap="square"/>
-          <a:lstStyle/>
-          <a:p/>
-          <a:p>
-            <a:pPr/>
-            <a:r>
-              <a:rPr>
-                <a:solidFill>
-                  <a:srgbClr val="C8C8FF"/>
-                </a:solidFill>
-                <a:latin typeface="Arial"/>
-              </a:rPr>
-              <a:t>1950年：阿兰·图灵发表《计算机器与智能》，提出著名的“图灵测试” (Turing Test)。</a:t>
-            </a:r>
-          </a:p>
-          <a:p>
-            <a:pPr/>
-            <a:r>
-              <a:rPr>
-                <a:solidFill>
-                  <a:srgbClr val="C8C8FF"/>
-                </a:solidFill>
-                <a:latin typeface="Arial"/>
-              </a:rPr>
-              <a:t>1956年：达特茅斯会议 (Dartmouth Workshop) 正式确立“人工智能”学科，麦卡锡、明斯基等人为学科领袖。</a:t>
-            </a:r>
-          </a:p>
-          <a:p>
-            <a:pPr/>
-            <a:r>
-              <a:rPr>
-                <a:solidFill>
-                  <a:srgbClr val="C8C8FF"/>
-                </a:solidFill>
-                <a:latin typeface="Arial"/>
-              </a:rPr>
-              <a:t>逻辑主义时代：基于规则的专家系统（如 MYCIN）在特定医疗诊断领域取得初步成功。</a:t>
-            </a:r>
-          </a:p>
-          <a:p>
-            <a:pPr/>
-            <a:r>
-              <a:rPr>
-                <a:solidFill>
-                  <a:srgbClr val="C8C8FF"/>
-                </a:solidFill>
-                <a:latin typeface="Arial"/>
-              </a:rPr>
-              <a:t>瓶颈出现：早期 AI 难以处理模糊信息，导致70年代中期进入第一个“AI 冬天”。</a:t>
-            </a:r>
-          </a:p>
-        </p:txBody>
-      </p:sp>
-    </p:spTree>
-  </p:cSld>
-  <p:clrMapOvr>
-    <a:masterClrMapping/>
-  </p:clrMapOvr>
-</p:sld>
-</file>
-
-<file path=ppt/slides/slide4.xml><?xml version="1.0" encoding="utf-8"?>
-<p:sld xmlns:a="http://schemas.openxmlformats.org/drawingml/2006/main" xmlns:p="http://schemas.openxmlformats.org/presentationml/2006/main" xmlns:r="http://schemas.openxmlformats.org/officeDocument/2006/relationships">
-  <p:cSld>
-    <p:bg>
-      <p:bgPr>
-        <a:solidFill>
-          <a:srgbClr val="0A0A28"/>
-        </a:solidFill>
-        <a:effectLst/>
-      </p:bgPr>
-    </p:bg>
-    <p:spTree>
-      <p:nvGrpSpPr>
-        <p:cNvPr id="1" name=""/>
-        <p:cNvGrpSpPr/>
-        <p:nvPr/>
-      </p:nvGrpSpPr>
-      <p:grpSpPr/>
-      <p:sp>
-        <p:nvSpPr>
-          <p:cNvPr id="2" name="Title 1"/>
-          <p:cNvSpPr>
-            <a:spLocks noGrp="1"/>
-          </p:cNvSpPr>
-          <p:nvPr>
-            <p:ph type="title"/>
-          </p:nvPr>
-        </p:nvSpPr>
-        <p:spPr/>
-        <p:txBody>
-          <a:bodyPr/>
-          <a:lstStyle/>
-          <a:p>
-            <a:r>
-              <a:rPr>
-                <a:solidFill>
-                  <a:srgbClr val="0066CC"/>
-                </a:solidFill>
-                <a:latin typeface="Arial"/>
-              </a:rPr>
-              <a:t>联结主义与神经网络的复兴</a:t>
-            </a:r>
-          </a:p>
-        </p:txBody>
-      </p:sp>
-      <p:sp>
-        <p:nvSpPr>
-          <p:cNvPr id="3" name="Content Placeholder 2"/>
-          <p:cNvSpPr>
-            <a:spLocks noGrp="1"/>
-          </p:cNvSpPr>
-          <p:nvPr>
-            <p:ph idx="1"/>
-          </p:nvPr>
-        </p:nvSpPr>
-        <p:spPr/>
-        <p:txBody>
-          <a:bodyPr wrap="square"/>
-          <a:lstStyle/>
-          <a:p/>
-          <a:p>
-            <a:pPr/>
-            <a:r>
-              <a:rPr>
-                <a:solidFill>
-                  <a:srgbClr val="C8C8FF"/>
-                </a:solidFill>
-                <a:latin typeface="Arial"/>
-              </a:rPr>
-              <a:t>1986年：Rumelhart 提出反向传播算法 (Backpropagation)，解决了多层感知器的训练难题。</a:t>
-            </a:r>
-          </a:p>
-          <a:p>
-            <a:pPr/>
-            <a:r>
-              <a:rPr>
-                <a:solidFill>
-                  <a:srgbClr val="C8C8FF"/>
-                </a:solidFill>
-                <a:latin typeface="Arial"/>
-              </a:rPr>
-              <a:t>统计学习方法崛起：SVM 与随机森林在90年代成为机器学习的主流工具。</a:t>
-            </a:r>
-          </a:p>
-          <a:p>
-            <a:pPr/>
-            <a:r>
-              <a:rPr>
-                <a:solidFill>
-                  <a:srgbClr val="C8C8FF"/>
-                </a:solidFill>
-                <a:latin typeface="Arial"/>
-              </a:rPr>
-              <a:t>GPU 计算能力的增强：为复杂的矩阵运算提供了硬件基础，神经网络的研究重心逐渐转向深度化。</a:t>
-            </a:r>
-          </a:p>
-          <a:p>
-            <a:pPr/>
-            <a:r>
-              <a:rPr>
-                <a:solidFill>
-                  <a:srgbClr val="C8C8FF"/>
-                </a:solidFill>
-                <a:latin typeface="Arial"/>
-              </a:rPr>
-              <a:t>循环神经网络 (RNN) 与 LSTM：在高盛等金融机构及自然语言处理中开始显露头角。</a:t>
-            </a:r>
-          </a:p>
         </p:txBody>
       </p:sp>
     </p:spTree>
@@ -4571,282 +3912,6 @@
 </file>
 
 <file path=ppt/slides/slide5.xml><?xml version="1.0" encoding="utf-8"?>
-<p:sld xmlns:a="http://schemas.openxmlformats.org/drawingml/2006/main" xmlns:p="http://schemas.openxmlformats.org/presentationml/2006/main" xmlns:r="http://schemas.openxmlformats.org/officeDocument/2006/relationships">
-  <p:cSld>
-    <p:bg>
-      <p:bgPr>
-        <a:solidFill>
-          <a:srgbClr val="0A0A28"/>
-        </a:solidFill>
-        <a:effectLst/>
-      </p:bgPr>
-    </p:bg>
-    <p:spTree>
-      <p:nvGrpSpPr>
-        <p:cNvPr id="1" name=""/>
-        <p:cNvGrpSpPr/>
-        <p:nvPr/>
-      </p:nvGrpSpPr>
-      <p:grpSpPr/>
-      <p:sp>
-        <p:nvSpPr>
-          <p:cNvPr id="2" name="Title 1"/>
-          <p:cNvSpPr>
-            <a:spLocks noGrp="1"/>
-          </p:cNvSpPr>
-          <p:nvPr>
-            <p:ph type="title"/>
-          </p:nvPr>
-        </p:nvSpPr>
-        <p:spPr/>
-        <p:txBody>
-          <a:bodyPr/>
-          <a:lstStyle/>
-          <a:p>
-            <a:r>
-              <a:rPr>
-                <a:solidFill>
-                  <a:srgbClr val="0066CC"/>
-                </a:solidFill>
-                <a:latin typeface="Arial"/>
-              </a:rPr>
-              <a:t>深度学习革命与大模型时代 (2012-Present)</a:t>
-            </a:r>
-          </a:p>
-        </p:txBody>
-      </p:sp>
-      <p:sp>
-        <p:nvSpPr>
-          <p:cNvPr id="3" name="Text Placeholder 2"/>
-          <p:cNvSpPr>
-            <a:spLocks noGrp="1"/>
-          </p:cNvSpPr>
-          <p:nvPr>
-            <p:ph type="body" idx="1"/>
-          </p:nvPr>
-        </p:nvSpPr>
-        <p:spPr/>
-        <p:txBody>
-          <a:bodyPr/>
-          <a:lstStyle/>
-          <a:p/>
-        </p:txBody>
-      </p:sp>
-    </p:spTree>
-  </p:cSld>
-  <p:clrMapOvr>
-    <a:masterClrMapping/>
-  </p:clrMapOvr>
-</p:sld>
-</file>
-
-<file path=ppt/slides/slide6.xml><?xml version="1.0" encoding="utf-8"?>
-<p:sld xmlns:a="http://schemas.openxmlformats.org/drawingml/2006/main" xmlns:p="http://schemas.openxmlformats.org/presentationml/2006/main" xmlns:r="http://schemas.openxmlformats.org/officeDocument/2006/relationships">
-  <p:cSld>
-    <p:bg>
-      <p:bgPr>
-        <a:solidFill>
-          <a:srgbClr val="0A0A28"/>
-        </a:solidFill>
-        <a:effectLst/>
-      </p:bgPr>
-    </p:bg>
-    <p:spTree>
-      <p:nvGrpSpPr>
-        <p:cNvPr id="1" name=""/>
-        <p:cNvGrpSpPr/>
-        <p:nvPr/>
-      </p:nvGrpSpPr>
-      <p:grpSpPr/>
-      <p:sp>
-        <p:nvSpPr>
-          <p:cNvPr id="2" name="Title 1"/>
-          <p:cNvSpPr>
-            <a:spLocks noGrp="1"/>
-          </p:cNvSpPr>
-          <p:nvPr>
-            <p:ph type="title"/>
-          </p:nvPr>
-        </p:nvSpPr>
-        <p:spPr/>
-        <p:txBody>
-          <a:bodyPr/>
-          <a:lstStyle/>
-          <a:p>
-            <a:r>
-              <a:rPr>
-                <a:solidFill>
-                  <a:srgbClr val="0066CC"/>
-                </a:solidFill>
-                <a:latin typeface="Arial"/>
-              </a:rPr>
-              <a:t>从 ImageNet 到 Transformer 架构</a:t>
-            </a:r>
-          </a:p>
-        </p:txBody>
-      </p:sp>
-      <p:sp>
-        <p:nvSpPr>
-          <p:cNvPr id="3" name="Content Placeholder 2"/>
-          <p:cNvSpPr>
-            <a:spLocks noGrp="1"/>
-          </p:cNvSpPr>
-          <p:nvPr>
-            <p:ph idx="1"/>
-          </p:nvPr>
-        </p:nvSpPr>
-        <p:spPr/>
-        <p:txBody>
-          <a:bodyPr wrap="square"/>
-          <a:lstStyle/>
-          <a:p/>
-          <a:p>
-            <a:pPr/>
-            <a:r>
-              <a:rPr>
-                <a:solidFill>
-                  <a:srgbClr val="C8C8FF"/>
-                </a:solidFill>
-                <a:latin typeface="Arial"/>
-              </a:rPr>
-              <a:t>2012年：AlexNet 以领先第二名10.8%的优势夺得 ImageNet 冠军，开启深度卷积神经网络时代。</a:t>
-            </a:r>
-          </a:p>
-          <a:p>
-            <a:pPr/>
-            <a:r>
-              <a:rPr>
-                <a:solidFill>
-                  <a:srgbClr val="C8C8FF"/>
-                </a:solidFill>
-                <a:latin typeface="Arial"/>
-              </a:rPr>
-              <a:t>2017年：Google 发表《Attention is All You Need》，提出 Transformer 架构，颠覆序列建模模式。</a:t>
-            </a:r>
-          </a:p>
-          <a:p>
-            <a:pPr/>
-            <a:r>
-              <a:rPr>
-                <a:solidFill>
-                  <a:srgbClr val="C8C8FF"/>
-                </a:solidFill>
-                <a:latin typeface="Arial"/>
-              </a:rPr>
-              <a:t>预训练大模型 (LLMs)：GPT-3 的 1750亿参数规模展示了模型容量与涌现能力 (Emergent Abilities) 的正相关性。</a:t>
-            </a:r>
-          </a:p>
-          <a:p>
-            <a:pPr/>
-            <a:r>
-              <a:rPr>
-                <a:solidFill>
-                  <a:srgbClr val="C8C8FF"/>
-                </a:solidFill>
-                <a:latin typeface="Arial"/>
-              </a:rPr>
-              <a:t>推理与对齐：利用 RLHF (基于人类反馈的强化学习) 解决了模型在道德与逻辑层面的幻觉问题。</a:t>
-            </a:r>
-          </a:p>
-        </p:txBody>
-      </p:sp>
-    </p:spTree>
-  </p:cSld>
-  <p:clrMapOvr>
-    <a:masterClrMapping/>
-  </p:clrMapOvr>
-</p:sld>
-</file>
-
-<file path=ppt/slides/slide7.xml><?xml version="1.0" encoding="utf-8"?>
-<p:sld xmlns:a="http://schemas.openxmlformats.org/drawingml/2006/main" xmlns:p="http://schemas.openxmlformats.org/presentationml/2006/main" xmlns:r="http://schemas.openxmlformats.org/officeDocument/2006/relationships">
-  <p:cSld>
-    <p:spTree>
-      <p:nvGrpSpPr>
-        <p:cNvPr id="1" name=""/>
-        <p:cNvGrpSpPr/>
-        <p:nvPr/>
-      </p:nvGrpSpPr>
-      <p:grpSpPr/>
-      <p:sp>
-        <p:nvSpPr>
-          <p:cNvPr id="2" name="Title 1"/>
-          <p:cNvSpPr>
-            <a:spLocks noGrp="1"/>
-          </p:cNvSpPr>
-          <p:nvPr>
-            <p:ph type="title"/>
-          </p:nvPr>
-        </p:nvSpPr>
-        <p:spPr/>
-        <p:txBody>
-          <a:bodyPr/>
-          <a:lstStyle/>
-          <a:p>
-            <a:r>
-              <a:t>References</a:t>
-            </a:r>
-          </a:p>
-        </p:txBody>
-      </p:sp>
-      <p:sp>
-        <p:nvSpPr>
-          <p:cNvPr id="3" name="Content Placeholder 2"/>
-          <p:cNvSpPr>
-            <a:spLocks noGrp="1"/>
-          </p:cNvSpPr>
-          <p:nvPr>
-            <p:ph idx="1"/>
-          </p:nvPr>
-        </p:nvSpPr>
-        <p:spPr/>
-        <p:txBody>
-          <a:bodyPr/>
-          <a:lstStyle/>
-          <a:p/>
-          <a:p>
-            <a:pPr>
-              <a:defRPr sz="1200"/>
-            </a:pPr>
-            <a:r>
-              <a:t>https://www.nih.gov/</a:t>
-            </a:r>
-          </a:p>
-          <a:p>
-            <a:pPr>
-              <a:defRPr sz="1200"/>
-            </a:pPr>
-            <a:r>
-              <a:t>https://scholar.google.com/</a:t>
-            </a:r>
-          </a:p>
-          <a:p>
-            <a:pPr>
-              <a:defRPr sz="1200"/>
-            </a:pPr>
-            <a:r>
-              <a:t>https://www.jstor.org/</a:t>
-            </a:r>
-          </a:p>
-          <a:p>
-            <a:pPr>
-              <a:defRPr sz="1200"/>
-            </a:pPr>
-            <a:r>
-              <a:t>https://en.wikipedia.org/wiki/Main_Page</a:t>
-            </a:r>
-          </a:p>
-        </p:txBody>
-      </p:sp>
-    </p:spTree>
-  </p:cSld>
-  <p:clrMapOvr>
-    <a:masterClrMapping/>
-  </p:clrMapOvr>
-</p:sld>
-</file>
-
-<file path=ppt/slides/slide8.xml><?xml version="1.0" encoding="utf-8"?>
 <p:sld xmlns:a="http://schemas.openxmlformats.org/drawingml/2006/main" xmlns:p="http://schemas.openxmlformats.org/presentationml/2006/main" xmlns:r="http://schemas.openxmlformats.org/officeDocument/2006/relationships">
   <p:cSld>
     <p:bg>
@@ -4871,7 +3936,7 @@
             <a:spLocks noGrp="1"/>
           </p:cNvSpPr>
           <p:nvPr>
-            <p:ph type="ctrTitle"/>
+            <p:ph type="title"/>
           </p:nvPr>
         </p:nvSpPr>
         <p:spPr/>
@@ -4886,26 +3951,28 @@
                 </a:solidFill>
                 <a:latin typeface="Georgia"/>
               </a:rPr>
-              <a:t>代谢革命：基于现代营养学的长寿科学</a:t>
-            </a:r>
-          </a:p>
-        </p:txBody>
-      </p:sp>
-      <p:sp>
-        <p:nvSpPr>
-          <p:cNvPr id="3" name="Subtitle 2"/>
-          <p:cNvSpPr>
-            <a:spLocks noGrp="1"/>
-          </p:cNvSpPr>
-          <p:nvPr>
-            <p:ph type="subTitle" idx="1"/>
-          </p:nvPr>
-        </p:nvSpPr>
-        <p:spPr/>
-        <p:txBody>
-          <a:bodyPr/>
-          <a:lstStyle/>
-          <a:p>
+              <a:t>线粒体：细胞的能量工厂</a:t>
+            </a:r>
+          </a:p>
+        </p:txBody>
+      </p:sp>
+      <p:sp>
+        <p:nvSpPr>
+          <p:cNvPr id="3" name="Content Placeholder 2"/>
+          <p:cNvSpPr>
+            <a:spLocks noGrp="1"/>
+          </p:cNvSpPr>
+          <p:nvPr>
+            <p:ph idx="1"/>
+          </p:nvPr>
+        </p:nvSpPr>
+        <p:spPr/>
+        <p:txBody>
+          <a:bodyPr wrap="square"/>
+          <a:lstStyle/>
+          <a:p/>
+          <a:p>
+            <a:pPr/>
             <a:r>
               <a:rPr>
                 <a:solidFill>
@@ -4913,7 +3980,43 @@
                 </a:solidFill>
                 <a:latin typeface="Georgia"/>
               </a:rPr>
-              <a:t>Topic: 现代营养学与代谢健康科学</a:t>
+              <a:t>线粒体自噬 (Mitophagy)：通过断食或高强度间歇训练 (HIIT) 触发坏死线粒体的自我清理。</a:t>
+            </a:r>
+          </a:p>
+          <a:p>
+            <a:pPr/>
+            <a:r>
+              <a:rPr>
+                <a:solidFill>
+                  <a:srgbClr val="325032"/>
+                </a:solidFill>
+                <a:latin typeface="Georgia"/>
+              </a:rPr>
+              <a:t>氧化压力与抗氧化平衡：SOD 等内源性酶在抵御超氧阴离子自由基中的核心作用。</a:t>
+            </a:r>
+          </a:p>
+          <a:p>
+            <a:pPr/>
+            <a:r>
+              <a:rPr>
+                <a:solidFill>
+                  <a:srgbClr val="325032"/>
+                </a:solidFill>
+                <a:latin typeface="Georgia"/>
+              </a:rPr>
+              <a:t>睡眠与线粒体修复：深度睡眠期是大脑清除代谢废物（β-淀粉样蛋白）的唯一窗口期。</a:t>
+            </a:r>
+          </a:p>
+          <a:p>
+            <a:pPr/>
+            <a:r>
+              <a:rPr>
+                <a:solidFill>
+                  <a:srgbClr val="325032"/>
+                </a:solidFill>
+                <a:latin typeface="Georgia"/>
+              </a:rPr>
+              <a:t>Omega-3s 的抗炎机制：通过调节细胞膜流动性来降低慢性系统性炎症水平。</a:t>
             </a:r>
           </a:p>
         </p:txBody>
@@ -4926,17 +4029,9 @@
 </p:sld>
 </file>
 
-<file path=ppt/slides/slide9.xml><?xml version="1.0" encoding="utf-8"?>
+<file path=ppt/slides/slide6.xml><?xml version="1.0" encoding="utf-8"?>
 <p:sld xmlns:a="http://schemas.openxmlformats.org/drawingml/2006/main" xmlns:p="http://schemas.openxmlformats.org/presentationml/2006/main" xmlns:r="http://schemas.openxmlformats.org/officeDocument/2006/relationships">
   <p:cSld>
-    <p:bg>
-      <p:bgPr>
-        <a:solidFill>
-          <a:srgbClr val="F5FFFA"/>
-        </a:solidFill>
-        <a:effectLst/>
-      </p:bgPr>
-    </p:bg>
     <p:spTree>
       <p:nvGrpSpPr>
         <p:cNvPr id="1" name=""/>
@@ -4960,25 +4055,19 @@
           <a:lstStyle/>
           <a:p>
             <a:r>
-              <a:rPr>
-                <a:solidFill>
-                  <a:srgbClr val="228B22"/>
-                </a:solidFill>
-                <a:latin typeface="Georgia"/>
-              </a:rPr>
-              <a:t>细胞能量代谢与胰岛素平衡</a:t>
-            </a:r>
-          </a:p>
-        </p:txBody>
-      </p:sp>
-      <p:sp>
-        <p:nvSpPr>
-          <p:cNvPr id="3" name="Text Placeholder 2"/>
-          <p:cNvSpPr>
-            <a:spLocks noGrp="1"/>
-          </p:cNvSpPr>
-          <p:nvPr>
-            <p:ph type="body" idx="1"/>
+              <a:t>References</a:t>
+            </a:r>
+          </a:p>
+        </p:txBody>
+      </p:sp>
+      <p:sp>
+        <p:nvSpPr>
+          <p:cNvPr id="3" name="Content Placeholder 2"/>
+          <p:cNvSpPr>
+            <a:spLocks noGrp="1"/>
+          </p:cNvSpPr>
+          <p:nvPr>
+            <p:ph idx="1"/>
           </p:nvPr>
         </p:nvSpPr>
         <p:spPr/>
@@ -4986,6 +4075,30 @@
           <a:bodyPr/>
           <a:lstStyle/>
           <a:p/>
+          <a:p>
+            <a:pPr>
+              <a:defRPr sz="1200"/>
+            </a:pPr>
+            <a:r>
+              <a:t>https://zh.wikipedia.org/wiki/代谢健康</a:t>
+            </a:r>
+          </a:p>
+          <a:p>
+            <a:pPr>
+              <a:defRPr sz="1200"/>
+            </a:pPr>
+            <a:r>
+              <a:t>https://zh.wikipedia.org/wiki/胰岛素抵抗</a:t>
+            </a:r>
+          </a:p>
+          <a:p>
+            <a:pPr>
+              <a:defRPr sz="1200"/>
+            </a:pPr>
+            <a:r>
+              <a:t>https://www.who.int/zh/news-room/fact-sheets/detail/healthy-diet</a:t>
+            </a:r>
+          </a:p>
         </p:txBody>
       </p:sp>
     </p:spTree>
